--- a/_lectures/week07/state machine graphics.pptx
+++ b/_lectures/week07/state machine graphics.pptx
@@ -5,12 +5,17 @@
     <p:sldMasterId id="2147483648" r:id="rId1"/>
   </p:sldMasterIdLst>
   <p:sldIdLst>
-    <p:sldId id="258" r:id="rId2"/>
-    <p:sldId id="260" r:id="rId3"/>
-    <p:sldId id="257" r:id="rId4"/>
-    <p:sldId id="261" r:id="rId5"/>
-    <p:sldId id="256" r:id="rId6"/>
-    <p:sldId id="259" r:id="rId7"/>
+    <p:sldId id="262" r:id="rId2"/>
+    <p:sldId id="263" r:id="rId3"/>
+    <p:sldId id="268" r:id="rId4"/>
+    <p:sldId id="266" r:id="rId5"/>
+    <p:sldId id="267" r:id="rId6"/>
+    <p:sldId id="258" r:id="rId7"/>
+    <p:sldId id="260" r:id="rId8"/>
+    <p:sldId id="257" r:id="rId9"/>
+    <p:sldId id="261" r:id="rId10"/>
+    <p:sldId id="256" r:id="rId11"/>
+    <p:sldId id="259" r:id="rId12"/>
   </p:sldIdLst>
   <p:sldSz cx="12192000" cy="6858000"/>
   <p:notesSz cx="6858000" cy="9144000"/>
@@ -110,6 +115,29 @@
     </a:lvl9pPr>
   </p:defaultTextStyle>
   <p:extLst>
+    <p:ext uri="{521415D9-36F7-43E2-AB2F-B90AF26B5E84}">
+      <p14:sectionLst xmlns:p14="http://schemas.microsoft.com/office/powerpoint/2010/main">
+        <p14:section name="One Direction" id="{54AFF7AF-462D-4164-9335-DDF60F1B3732}">
+          <p14:sldIdLst>
+            <p14:sldId id="262"/>
+            <p14:sldId id="263"/>
+            <p14:sldId id="268"/>
+            <p14:sldId id="266"/>
+            <p14:sldId id="267"/>
+          </p14:sldIdLst>
+        </p14:section>
+        <p14:section name="Two Directions" id="{258582D1-042E-4FAB-8393-1C43668B82AD}">
+          <p14:sldIdLst>
+            <p14:sldId id="258"/>
+            <p14:sldId id="260"/>
+            <p14:sldId id="257"/>
+            <p14:sldId id="261"/>
+            <p14:sldId id="256"/>
+            <p14:sldId id="259"/>
+          </p14:sldIdLst>
+        </p14:section>
+      </p14:sectionLst>
+    </p:ext>
     <p:ext uri="{EFAFB233-063F-42B5-8137-9DF3F51BA10A}">
       <p15:sldGuideLst xmlns:p15="http://schemas.microsoft.com/office/powerpoint/2012/main"/>
     </p:ext>
@@ -118,6 +146,753 @@
 </file>
 
 <file path=ppt/diagrams/colors1.xml><?xml version="1.0" encoding="utf-8"?>
+<dgm:colorsDef xmlns:dgm="http://schemas.openxmlformats.org/drawingml/2006/diagram" xmlns:a="http://schemas.openxmlformats.org/drawingml/2006/main" uniqueId="urn:microsoft.com/office/officeart/2005/8/colors/accent1_2">
+  <dgm:title val=""/>
+  <dgm:desc val=""/>
+  <dgm:catLst>
+    <dgm:cat type="accent1" pri="11200"/>
+  </dgm:catLst>
+  <dgm:styleLbl name="node0">
+    <dgm:fillClrLst meth="repeat">
+      <a:schemeClr val="accent1"/>
+    </dgm:fillClrLst>
+    <dgm:linClrLst meth="repeat">
+      <a:schemeClr val="lt1"/>
+    </dgm:linClrLst>
+    <dgm:effectClrLst/>
+    <dgm:txLinClrLst/>
+    <dgm:txFillClrLst/>
+    <dgm:txEffectClrLst/>
+  </dgm:styleLbl>
+  <dgm:styleLbl name="alignNode1">
+    <dgm:fillClrLst meth="repeat">
+      <a:schemeClr val="accent1"/>
+    </dgm:fillClrLst>
+    <dgm:linClrLst meth="repeat">
+      <a:schemeClr val="accent1"/>
+    </dgm:linClrLst>
+    <dgm:effectClrLst/>
+    <dgm:txLinClrLst/>
+    <dgm:txFillClrLst/>
+    <dgm:txEffectClrLst/>
+  </dgm:styleLbl>
+  <dgm:styleLbl name="node1">
+    <dgm:fillClrLst meth="repeat">
+      <a:schemeClr val="accent1"/>
+    </dgm:fillClrLst>
+    <dgm:linClrLst meth="repeat">
+      <a:schemeClr val="lt1"/>
+    </dgm:linClrLst>
+    <dgm:effectClrLst/>
+    <dgm:txLinClrLst/>
+    <dgm:txFillClrLst/>
+    <dgm:txEffectClrLst/>
+  </dgm:styleLbl>
+  <dgm:styleLbl name="lnNode1">
+    <dgm:fillClrLst meth="repeat">
+      <a:schemeClr val="accent1"/>
+    </dgm:fillClrLst>
+    <dgm:linClrLst meth="repeat">
+      <a:schemeClr val="lt1"/>
+    </dgm:linClrLst>
+    <dgm:effectClrLst/>
+    <dgm:txLinClrLst/>
+    <dgm:txFillClrLst/>
+    <dgm:txEffectClrLst/>
+  </dgm:styleLbl>
+  <dgm:styleLbl name="vennNode1">
+    <dgm:fillClrLst meth="repeat">
+      <a:schemeClr val="accent1">
+        <a:alpha val="50000"/>
+      </a:schemeClr>
+    </dgm:fillClrLst>
+    <dgm:linClrLst meth="repeat">
+      <a:schemeClr val="lt1"/>
+    </dgm:linClrLst>
+    <dgm:effectClrLst/>
+    <dgm:txLinClrLst/>
+    <dgm:txFillClrLst/>
+    <dgm:txEffectClrLst/>
+  </dgm:styleLbl>
+  <dgm:styleLbl name="node2">
+    <dgm:fillClrLst meth="repeat">
+      <a:schemeClr val="accent1"/>
+    </dgm:fillClrLst>
+    <dgm:linClrLst meth="repeat">
+      <a:schemeClr val="lt1"/>
+    </dgm:linClrLst>
+    <dgm:effectClrLst/>
+    <dgm:txLinClrLst/>
+    <dgm:txFillClrLst/>
+    <dgm:txEffectClrLst/>
+  </dgm:styleLbl>
+  <dgm:styleLbl name="node3">
+    <dgm:fillClrLst meth="repeat">
+      <a:schemeClr val="accent1"/>
+    </dgm:fillClrLst>
+    <dgm:linClrLst meth="repeat">
+      <a:schemeClr val="lt1"/>
+    </dgm:linClrLst>
+    <dgm:effectClrLst/>
+    <dgm:txLinClrLst/>
+    <dgm:txFillClrLst/>
+    <dgm:txEffectClrLst/>
+  </dgm:styleLbl>
+  <dgm:styleLbl name="node4">
+    <dgm:fillClrLst meth="repeat">
+      <a:schemeClr val="accent1"/>
+    </dgm:fillClrLst>
+    <dgm:linClrLst meth="repeat">
+      <a:schemeClr val="lt1"/>
+    </dgm:linClrLst>
+    <dgm:effectClrLst/>
+    <dgm:txLinClrLst/>
+    <dgm:txFillClrLst/>
+    <dgm:txEffectClrLst/>
+  </dgm:styleLbl>
+  <dgm:styleLbl name="fgImgPlace1">
+    <dgm:fillClrLst meth="repeat">
+      <a:schemeClr val="accent1">
+        <a:tint val="50000"/>
+      </a:schemeClr>
+    </dgm:fillClrLst>
+    <dgm:linClrLst meth="repeat">
+      <a:schemeClr val="lt1"/>
+    </dgm:linClrLst>
+    <dgm:effectClrLst/>
+    <dgm:txLinClrLst/>
+    <dgm:txFillClrLst meth="repeat">
+      <a:schemeClr val="lt1"/>
+    </dgm:txFillClrLst>
+    <dgm:txEffectClrLst/>
+  </dgm:styleLbl>
+  <dgm:styleLbl name="alignImgPlace1">
+    <dgm:fillClrLst meth="repeat">
+      <a:schemeClr val="accent1">
+        <a:tint val="50000"/>
+      </a:schemeClr>
+    </dgm:fillClrLst>
+    <dgm:linClrLst meth="repeat">
+      <a:schemeClr val="lt1"/>
+    </dgm:linClrLst>
+    <dgm:effectClrLst/>
+    <dgm:txLinClrLst/>
+    <dgm:txFillClrLst meth="repeat">
+      <a:schemeClr val="lt1"/>
+    </dgm:txFillClrLst>
+    <dgm:txEffectClrLst/>
+  </dgm:styleLbl>
+  <dgm:styleLbl name="bgImgPlace1">
+    <dgm:fillClrLst meth="repeat">
+      <a:schemeClr val="accent1">
+        <a:tint val="50000"/>
+      </a:schemeClr>
+    </dgm:fillClrLst>
+    <dgm:linClrLst meth="repeat">
+      <a:schemeClr val="lt1"/>
+    </dgm:linClrLst>
+    <dgm:effectClrLst/>
+    <dgm:txLinClrLst/>
+    <dgm:txFillClrLst meth="repeat">
+      <a:schemeClr val="lt1"/>
+    </dgm:txFillClrLst>
+    <dgm:txEffectClrLst/>
+  </dgm:styleLbl>
+  <dgm:styleLbl name="sibTrans2D1">
+    <dgm:fillClrLst meth="repeat">
+      <a:schemeClr val="accent1">
+        <a:tint val="60000"/>
+      </a:schemeClr>
+    </dgm:fillClrLst>
+    <dgm:linClrLst meth="repeat">
+      <a:schemeClr val="accent1">
+        <a:tint val="60000"/>
+      </a:schemeClr>
+    </dgm:linClrLst>
+    <dgm:effectClrLst/>
+    <dgm:txLinClrLst/>
+    <dgm:txFillClrLst/>
+    <dgm:txEffectClrLst/>
+  </dgm:styleLbl>
+  <dgm:styleLbl name="fgSibTrans2D1">
+    <dgm:fillClrLst meth="repeat">
+      <a:schemeClr val="accent1">
+        <a:tint val="60000"/>
+      </a:schemeClr>
+    </dgm:fillClrLst>
+    <dgm:linClrLst meth="repeat">
+      <a:schemeClr val="accent1">
+        <a:tint val="60000"/>
+      </a:schemeClr>
+    </dgm:linClrLst>
+    <dgm:effectClrLst/>
+    <dgm:txLinClrLst/>
+    <dgm:txFillClrLst/>
+    <dgm:txEffectClrLst/>
+  </dgm:styleLbl>
+  <dgm:styleLbl name="bgSibTrans2D1">
+    <dgm:fillClrLst meth="repeat">
+      <a:schemeClr val="accent1">
+        <a:tint val="60000"/>
+      </a:schemeClr>
+    </dgm:fillClrLst>
+    <dgm:linClrLst meth="repeat">
+      <a:schemeClr val="accent1">
+        <a:tint val="60000"/>
+      </a:schemeClr>
+    </dgm:linClrLst>
+    <dgm:effectClrLst/>
+    <dgm:txLinClrLst/>
+    <dgm:txFillClrLst/>
+    <dgm:txEffectClrLst/>
+  </dgm:styleLbl>
+  <dgm:styleLbl name="sibTrans1D1">
+    <dgm:fillClrLst meth="repeat">
+      <a:schemeClr val="accent1"/>
+    </dgm:fillClrLst>
+    <dgm:linClrLst meth="repeat">
+      <a:schemeClr val="accent1"/>
+    </dgm:linClrLst>
+    <dgm:effectClrLst/>
+    <dgm:txLinClrLst/>
+    <dgm:txFillClrLst meth="repeat">
+      <a:schemeClr val="tx1"/>
+    </dgm:txFillClrLst>
+    <dgm:txEffectClrLst/>
+  </dgm:styleLbl>
+  <dgm:styleLbl name="callout">
+    <dgm:fillClrLst meth="repeat">
+      <a:schemeClr val="accent1"/>
+    </dgm:fillClrLst>
+    <dgm:linClrLst meth="repeat">
+      <a:schemeClr val="accent1">
+        <a:tint val="50000"/>
+      </a:schemeClr>
+    </dgm:linClrLst>
+    <dgm:effectClrLst/>
+    <dgm:txLinClrLst/>
+    <dgm:txFillClrLst meth="repeat">
+      <a:schemeClr val="tx1"/>
+    </dgm:txFillClrLst>
+    <dgm:txEffectClrLst/>
+  </dgm:styleLbl>
+  <dgm:styleLbl name="asst0">
+    <dgm:fillClrLst meth="repeat">
+      <a:schemeClr val="accent1"/>
+    </dgm:fillClrLst>
+    <dgm:linClrLst meth="repeat">
+      <a:schemeClr val="lt1"/>
+    </dgm:linClrLst>
+    <dgm:effectClrLst/>
+    <dgm:txLinClrLst/>
+    <dgm:txFillClrLst/>
+    <dgm:txEffectClrLst/>
+  </dgm:styleLbl>
+  <dgm:styleLbl name="asst1">
+    <dgm:fillClrLst meth="repeat">
+      <a:schemeClr val="accent1"/>
+    </dgm:fillClrLst>
+    <dgm:linClrLst meth="repeat">
+      <a:schemeClr val="lt1"/>
+    </dgm:linClrLst>
+    <dgm:effectClrLst/>
+    <dgm:txLinClrLst/>
+    <dgm:txFillClrLst/>
+    <dgm:txEffectClrLst/>
+  </dgm:styleLbl>
+  <dgm:styleLbl name="asst2">
+    <dgm:fillClrLst meth="repeat">
+      <a:schemeClr val="accent1"/>
+    </dgm:fillClrLst>
+    <dgm:linClrLst meth="repeat">
+      <a:schemeClr val="lt1"/>
+    </dgm:linClrLst>
+    <dgm:effectClrLst/>
+    <dgm:txLinClrLst/>
+    <dgm:txFillClrLst/>
+    <dgm:txEffectClrLst/>
+  </dgm:styleLbl>
+  <dgm:styleLbl name="asst3">
+    <dgm:fillClrLst meth="repeat">
+      <a:schemeClr val="accent1"/>
+    </dgm:fillClrLst>
+    <dgm:linClrLst meth="repeat">
+      <a:schemeClr val="lt1"/>
+    </dgm:linClrLst>
+    <dgm:effectClrLst/>
+    <dgm:txLinClrLst/>
+    <dgm:txFillClrLst/>
+    <dgm:txEffectClrLst/>
+  </dgm:styleLbl>
+  <dgm:styleLbl name="asst4">
+    <dgm:fillClrLst meth="repeat">
+      <a:schemeClr val="accent1"/>
+    </dgm:fillClrLst>
+    <dgm:linClrLst meth="repeat">
+      <a:schemeClr val="lt1"/>
+    </dgm:linClrLst>
+    <dgm:effectClrLst/>
+    <dgm:txLinClrLst/>
+    <dgm:txFillClrLst/>
+    <dgm:txEffectClrLst/>
+  </dgm:styleLbl>
+  <dgm:styleLbl name="parChTrans2D1">
+    <dgm:fillClrLst meth="repeat">
+      <a:schemeClr val="accent1">
+        <a:tint val="60000"/>
+      </a:schemeClr>
+    </dgm:fillClrLst>
+    <dgm:linClrLst meth="repeat">
+      <a:schemeClr val="accent1">
+        <a:tint val="60000"/>
+      </a:schemeClr>
+    </dgm:linClrLst>
+    <dgm:effectClrLst/>
+    <dgm:txLinClrLst/>
+    <dgm:txFillClrLst meth="repeat">
+      <a:schemeClr val="lt1"/>
+    </dgm:txFillClrLst>
+    <dgm:txEffectClrLst/>
+  </dgm:styleLbl>
+  <dgm:styleLbl name="parChTrans2D2">
+    <dgm:fillClrLst meth="repeat">
+      <a:schemeClr val="accent1"/>
+    </dgm:fillClrLst>
+    <dgm:linClrLst meth="repeat">
+      <a:schemeClr val="accent1"/>
+    </dgm:linClrLst>
+    <dgm:effectClrLst/>
+    <dgm:txLinClrLst/>
+    <dgm:txFillClrLst meth="repeat">
+      <a:schemeClr val="lt1"/>
+    </dgm:txFillClrLst>
+    <dgm:txEffectClrLst/>
+  </dgm:styleLbl>
+  <dgm:styleLbl name="parChTrans2D3">
+    <dgm:fillClrLst meth="repeat">
+      <a:schemeClr val="accent1"/>
+    </dgm:fillClrLst>
+    <dgm:linClrLst meth="repeat">
+      <a:schemeClr val="accent1"/>
+    </dgm:linClrLst>
+    <dgm:effectClrLst/>
+    <dgm:txLinClrLst/>
+    <dgm:txFillClrLst meth="repeat">
+      <a:schemeClr val="lt1"/>
+    </dgm:txFillClrLst>
+    <dgm:txEffectClrLst/>
+  </dgm:styleLbl>
+  <dgm:styleLbl name="parChTrans2D4">
+    <dgm:fillClrLst meth="repeat">
+      <a:schemeClr val="accent1"/>
+    </dgm:fillClrLst>
+    <dgm:linClrLst meth="repeat">
+      <a:schemeClr val="accent1"/>
+    </dgm:linClrLst>
+    <dgm:effectClrLst/>
+    <dgm:txLinClrLst/>
+    <dgm:txFillClrLst meth="repeat">
+      <a:schemeClr val="lt1"/>
+    </dgm:txFillClrLst>
+    <dgm:txEffectClrLst/>
+  </dgm:styleLbl>
+  <dgm:styleLbl name="parChTrans1D1">
+    <dgm:fillClrLst meth="repeat">
+      <a:schemeClr val="accent1"/>
+    </dgm:fillClrLst>
+    <dgm:linClrLst meth="repeat">
+      <a:schemeClr val="accent1">
+        <a:shade val="60000"/>
+      </a:schemeClr>
+    </dgm:linClrLst>
+    <dgm:effectClrLst/>
+    <dgm:txLinClrLst/>
+    <dgm:txFillClrLst meth="repeat">
+      <a:schemeClr val="tx1"/>
+    </dgm:txFillClrLst>
+    <dgm:txEffectClrLst/>
+  </dgm:styleLbl>
+  <dgm:styleLbl name="parChTrans1D2">
+    <dgm:fillClrLst meth="repeat">
+      <a:schemeClr val="accent1"/>
+    </dgm:fillClrLst>
+    <dgm:linClrLst meth="repeat">
+      <a:schemeClr val="accent1">
+        <a:shade val="60000"/>
+      </a:schemeClr>
+    </dgm:linClrLst>
+    <dgm:effectClrLst/>
+    <dgm:txLinClrLst/>
+    <dgm:txFillClrLst meth="repeat">
+      <a:schemeClr val="tx1"/>
+    </dgm:txFillClrLst>
+    <dgm:txEffectClrLst/>
+  </dgm:styleLbl>
+  <dgm:styleLbl name="parChTrans1D3">
+    <dgm:fillClrLst meth="repeat">
+      <a:schemeClr val="accent1"/>
+    </dgm:fillClrLst>
+    <dgm:linClrLst meth="repeat">
+      <a:schemeClr val="accent1">
+        <a:shade val="80000"/>
+      </a:schemeClr>
+    </dgm:linClrLst>
+    <dgm:effectClrLst/>
+    <dgm:txLinClrLst/>
+    <dgm:txFillClrLst meth="repeat">
+      <a:schemeClr val="tx1"/>
+    </dgm:txFillClrLst>
+    <dgm:txEffectClrLst/>
+  </dgm:styleLbl>
+  <dgm:styleLbl name="parChTrans1D4">
+    <dgm:fillClrLst meth="repeat">
+      <a:schemeClr val="accent1"/>
+    </dgm:fillClrLst>
+    <dgm:linClrLst meth="repeat">
+      <a:schemeClr val="accent1">
+        <a:shade val="80000"/>
+      </a:schemeClr>
+    </dgm:linClrLst>
+    <dgm:effectClrLst/>
+    <dgm:txLinClrLst/>
+    <dgm:txFillClrLst meth="repeat">
+      <a:schemeClr val="tx1"/>
+    </dgm:txFillClrLst>
+    <dgm:txEffectClrLst/>
+  </dgm:styleLbl>
+  <dgm:styleLbl name="fgAcc1">
+    <dgm:fillClrLst meth="repeat">
+      <a:schemeClr val="lt1">
+        <a:alpha val="90000"/>
+      </a:schemeClr>
+    </dgm:fillClrLst>
+    <dgm:linClrLst meth="repeat">
+      <a:schemeClr val="accent1"/>
+    </dgm:linClrLst>
+    <dgm:effectClrLst/>
+    <dgm:txLinClrLst/>
+    <dgm:txFillClrLst meth="repeat">
+      <a:schemeClr val="dk1"/>
+    </dgm:txFillClrLst>
+    <dgm:txEffectClrLst/>
+  </dgm:styleLbl>
+  <dgm:styleLbl name="conFgAcc1">
+    <dgm:fillClrLst meth="repeat">
+      <a:schemeClr val="lt1">
+        <a:alpha val="90000"/>
+      </a:schemeClr>
+    </dgm:fillClrLst>
+    <dgm:linClrLst meth="repeat">
+      <a:schemeClr val="accent1"/>
+    </dgm:linClrLst>
+    <dgm:effectClrLst/>
+    <dgm:txLinClrLst/>
+    <dgm:txFillClrLst meth="repeat">
+      <a:schemeClr val="dk1"/>
+    </dgm:txFillClrLst>
+    <dgm:txEffectClrLst/>
+  </dgm:styleLbl>
+  <dgm:styleLbl name="alignAcc1">
+    <dgm:fillClrLst meth="repeat">
+      <a:schemeClr val="lt1">
+        <a:alpha val="90000"/>
+      </a:schemeClr>
+    </dgm:fillClrLst>
+    <dgm:linClrLst meth="repeat">
+      <a:schemeClr val="accent1"/>
+    </dgm:linClrLst>
+    <dgm:effectClrLst/>
+    <dgm:txLinClrLst/>
+    <dgm:txFillClrLst meth="repeat">
+      <a:schemeClr val="dk1"/>
+    </dgm:txFillClrLst>
+    <dgm:txEffectClrLst/>
+  </dgm:styleLbl>
+  <dgm:styleLbl name="trAlignAcc1">
+    <dgm:fillClrLst meth="repeat">
+      <a:schemeClr val="lt1">
+        <a:alpha val="40000"/>
+      </a:schemeClr>
+    </dgm:fillClrLst>
+    <dgm:linClrLst meth="repeat">
+      <a:schemeClr val="accent1"/>
+    </dgm:linClrLst>
+    <dgm:effectClrLst/>
+    <dgm:txLinClrLst/>
+    <dgm:txFillClrLst meth="repeat">
+      <a:schemeClr val="dk1"/>
+    </dgm:txFillClrLst>
+    <dgm:txEffectClrLst/>
+  </dgm:styleLbl>
+  <dgm:styleLbl name="bgAcc1">
+    <dgm:fillClrLst meth="repeat">
+      <a:schemeClr val="lt1">
+        <a:alpha val="90000"/>
+      </a:schemeClr>
+    </dgm:fillClrLst>
+    <dgm:linClrLst meth="repeat">
+      <a:schemeClr val="accent1"/>
+    </dgm:linClrLst>
+    <dgm:effectClrLst/>
+    <dgm:txLinClrLst/>
+    <dgm:txFillClrLst meth="repeat">
+      <a:schemeClr val="dk1"/>
+    </dgm:txFillClrLst>
+    <dgm:txEffectClrLst/>
+  </dgm:styleLbl>
+  <dgm:styleLbl name="solidFgAcc1">
+    <dgm:fillClrLst meth="repeat">
+      <a:schemeClr val="lt1"/>
+    </dgm:fillClrLst>
+    <dgm:linClrLst meth="repeat">
+      <a:schemeClr val="accent1"/>
+    </dgm:linClrLst>
+    <dgm:effectClrLst/>
+    <dgm:txLinClrLst/>
+    <dgm:txFillClrLst meth="repeat">
+      <a:schemeClr val="dk1"/>
+    </dgm:txFillClrLst>
+    <dgm:txEffectClrLst/>
+  </dgm:styleLbl>
+  <dgm:styleLbl name="solidAlignAcc1">
+    <dgm:fillClrLst meth="repeat">
+      <a:schemeClr val="lt1"/>
+    </dgm:fillClrLst>
+    <dgm:linClrLst meth="repeat">
+      <a:schemeClr val="accent1"/>
+    </dgm:linClrLst>
+    <dgm:effectClrLst/>
+    <dgm:txLinClrLst/>
+    <dgm:txFillClrLst meth="repeat">
+      <a:schemeClr val="dk1"/>
+    </dgm:txFillClrLst>
+    <dgm:txEffectClrLst/>
+  </dgm:styleLbl>
+  <dgm:styleLbl name="solidBgAcc1">
+    <dgm:fillClrLst meth="repeat">
+      <a:schemeClr val="lt1"/>
+    </dgm:fillClrLst>
+    <dgm:linClrLst meth="repeat">
+      <a:schemeClr val="accent1"/>
+    </dgm:linClrLst>
+    <dgm:effectClrLst/>
+    <dgm:txLinClrLst/>
+    <dgm:txFillClrLst meth="repeat">
+      <a:schemeClr val="dk1"/>
+    </dgm:txFillClrLst>
+    <dgm:txEffectClrLst/>
+  </dgm:styleLbl>
+  <dgm:styleLbl name="fgAccFollowNode1">
+    <dgm:fillClrLst meth="repeat">
+      <a:schemeClr val="accent1">
+        <a:alpha val="90000"/>
+        <a:tint val="40000"/>
+      </a:schemeClr>
+    </dgm:fillClrLst>
+    <dgm:linClrLst meth="repeat">
+      <a:schemeClr val="accent1">
+        <a:alpha val="90000"/>
+        <a:tint val="40000"/>
+      </a:schemeClr>
+    </dgm:linClrLst>
+    <dgm:effectClrLst/>
+    <dgm:txLinClrLst/>
+    <dgm:txFillClrLst meth="repeat">
+      <a:schemeClr val="dk1"/>
+    </dgm:txFillClrLst>
+    <dgm:txEffectClrLst/>
+  </dgm:styleLbl>
+  <dgm:styleLbl name="alignAccFollowNode1">
+    <dgm:fillClrLst meth="repeat">
+      <a:schemeClr val="accent1">
+        <a:alpha val="90000"/>
+        <a:tint val="40000"/>
+      </a:schemeClr>
+    </dgm:fillClrLst>
+    <dgm:linClrLst meth="repeat">
+      <a:schemeClr val="accent1">
+        <a:alpha val="90000"/>
+        <a:tint val="40000"/>
+      </a:schemeClr>
+    </dgm:linClrLst>
+    <dgm:effectClrLst/>
+    <dgm:txLinClrLst/>
+    <dgm:txFillClrLst meth="repeat">
+      <a:schemeClr val="dk1"/>
+    </dgm:txFillClrLst>
+    <dgm:txEffectClrLst/>
+  </dgm:styleLbl>
+  <dgm:styleLbl name="bgAccFollowNode1">
+    <dgm:fillClrLst meth="repeat">
+      <a:schemeClr val="accent1">
+        <a:alpha val="90000"/>
+        <a:tint val="40000"/>
+      </a:schemeClr>
+    </dgm:fillClrLst>
+    <dgm:linClrLst meth="repeat">
+      <a:schemeClr val="accent1">
+        <a:alpha val="90000"/>
+        <a:tint val="40000"/>
+      </a:schemeClr>
+    </dgm:linClrLst>
+    <dgm:effectClrLst/>
+    <dgm:txLinClrLst/>
+    <dgm:txFillClrLst meth="repeat">
+      <a:schemeClr val="dk1"/>
+    </dgm:txFillClrLst>
+    <dgm:txEffectClrLst/>
+  </dgm:styleLbl>
+  <dgm:styleLbl name="fgAcc0">
+    <dgm:fillClrLst meth="repeat">
+      <a:schemeClr val="lt1">
+        <a:alpha val="90000"/>
+      </a:schemeClr>
+    </dgm:fillClrLst>
+    <dgm:linClrLst meth="repeat">
+      <a:schemeClr val="accent1"/>
+    </dgm:linClrLst>
+    <dgm:effectClrLst/>
+    <dgm:txLinClrLst/>
+    <dgm:txFillClrLst meth="repeat">
+      <a:schemeClr val="dk1"/>
+    </dgm:txFillClrLst>
+    <dgm:txEffectClrLst/>
+  </dgm:styleLbl>
+  <dgm:styleLbl name="fgAcc2">
+    <dgm:fillClrLst meth="repeat">
+      <a:schemeClr val="lt1">
+        <a:alpha val="90000"/>
+      </a:schemeClr>
+    </dgm:fillClrLst>
+    <dgm:linClrLst meth="repeat">
+      <a:schemeClr val="accent1"/>
+    </dgm:linClrLst>
+    <dgm:effectClrLst/>
+    <dgm:txLinClrLst/>
+    <dgm:txFillClrLst meth="repeat">
+      <a:schemeClr val="dk1"/>
+    </dgm:txFillClrLst>
+    <dgm:txEffectClrLst/>
+  </dgm:styleLbl>
+  <dgm:styleLbl name="fgAcc3">
+    <dgm:fillClrLst meth="repeat">
+      <a:schemeClr val="lt1">
+        <a:alpha val="90000"/>
+      </a:schemeClr>
+    </dgm:fillClrLst>
+    <dgm:linClrLst meth="repeat">
+      <a:schemeClr val="accent1"/>
+    </dgm:linClrLst>
+    <dgm:effectClrLst/>
+    <dgm:txLinClrLst/>
+    <dgm:txFillClrLst meth="repeat">
+      <a:schemeClr val="dk1"/>
+    </dgm:txFillClrLst>
+    <dgm:txEffectClrLst/>
+  </dgm:styleLbl>
+  <dgm:styleLbl name="fgAcc4">
+    <dgm:fillClrLst meth="repeat">
+      <a:schemeClr val="lt1">
+        <a:alpha val="90000"/>
+      </a:schemeClr>
+    </dgm:fillClrLst>
+    <dgm:linClrLst meth="repeat">
+      <a:schemeClr val="accent1"/>
+    </dgm:linClrLst>
+    <dgm:effectClrLst/>
+    <dgm:txLinClrLst/>
+    <dgm:txFillClrLst meth="repeat">
+      <a:schemeClr val="dk1"/>
+    </dgm:txFillClrLst>
+    <dgm:txEffectClrLst/>
+  </dgm:styleLbl>
+  <dgm:styleLbl name="bgShp">
+    <dgm:fillClrLst meth="repeat">
+      <a:schemeClr val="accent1">
+        <a:tint val="40000"/>
+      </a:schemeClr>
+    </dgm:fillClrLst>
+    <dgm:linClrLst meth="repeat">
+      <a:schemeClr val="accent1"/>
+    </dgm:linClrLst>
+    <dgm:effectClrLst/>
+    <dgm:txLinClrLst/>
+    <dgm:txFillClrLst meth="repeat">
+      <a:schemeClr val="dk1"/>
+    </dgm:txFillClrLst>
+    <dgm:txEffectClrLst/>
+  </dgm:styleLbl>
+  <dgm:styleLbl name="dkBgShp">
+    <dgm:fillClrLst meth="repeat">
+      <a:schemeClr val="accent1">
+        <a:shade val="80000"/>
+      </a:schemeClr>
+    </dgm:fillClrLst>
+    <dgm:linClrLst meth="repeat">
+      <a:schemeClr val="accent1"/>
+    </dgm:linClrLst>
+    <dgm:effectClrLst/>
+    <dgm:txLinClrLst/>
+    <dgm:txFillClrLst meth="repeat">
+      <a:schemeClr val="lt1"/>
+    </dgm:txFillClrLst>
+    <dgm:txEffectClrLst/>
+  </dgm:styleLbl>
+  <dgm:styleLbl name="trBgShp">
+    <dgm:fillClrLst meth="repeat">
+      <a:schemeClr val="accent1">
+        <a:tint val="50000"/>
+        <a:alpha val="40000"/>
+      </a:schemeClr>
+    </dgm:fillClrLst>
+    <dgm:linClrLst meth="repeat">
+      <a:schemeClr val="accent1"/>
+    </dgm:linClrLst>
+    <dgm:effectClrLst/>
+    <dgm:txLinClrLst/>
+    <dgm:txFillClrLst meth="repeat">
+      <a:schemeClr val="lt1"/>
+    </dgm:txFillClrLst>
+    <dgm:txEffectClrLst/>
+  </dgm:styleLbl>
+  <dgm:styleLbl name="fgShp">
+    <dgm:fillClrLst meth="repeat">
+      <a:schemeClr val="accent1">
+        <a:tint val="60000"/>
+      </a:schemeClr>
+    </dgm:fillClrLst>
+    <dgm:linClrLst meth="repeat">
+      <a:schemeClr val="lt1"/>
+    </dgm:linClrLst>
+    <dgm:effectClrLst/>
+    <dgm:txLinClrLst/>
+    <dgm:txFillClrLst meth="repeat">
+      <a:schemeClr val="dk1"/>
+    </dgm:txFillClrLst>
+    <dgm:txEffectClrLst/>
+  </dgm:styleLbl>
+  <dgm:styleLbl name="revTx">
+    <dgm:fillClrLst meth="repeat">
+      <a:schemeClr val="lt1">
+        <a:alpha val="0"/>
+      </a:schemeClr>
+    </dgm:fillClrLst>
+    <dgm:linClrLst meth="repeat">
+      <a:schemeClr val="dk1">
+        <a:alpha val="0"/>
+      </a:schemeClr>
+    </dgm:linClrLst>
+    <dgm:effectClrLst/>
+    <dgm:txLinClrLst/>
+    <dgm:txFillClrLst meth="repeat">
+      <a:schemeClr val="tx1"/>
+    </dgm:txFillClrLst>
+    <dgm:txEffectClrLst/>
+  </dgm:styleLbl>
+</dgm:colorsDef>
+</file>
+
+<file path=ppt/diagrams/colors2.xml><?xml version="1.0" encoding="utf-8"?>
 <dgm:colorsDef xmlns:dgm="http://schemas.openxmlformats.org/drawingml/2006/diagram" xmlns:a="http://schemas.openxmlformats.org/drawingml/2006/main" uniqueId="urn:microsoft.com/office/officeart/2005/8/colors/accent1_2">
   <dgm:title val=""/>
   <dgm:desc val=""/>
@@ -890,18 +1665,13 @@
         <a:lstStyle/>
         <a:p>
           <a:r>
-            <a:rPr lang="en-US" dirty="0" smtClean="0">
+            <a:rPr lang="en-US" dirty="0">
               <a:solidFill>
                 <a:schemeClr val="tx1"/>
               </a:solidFill>
             </a:rPr>
             <a:t>Green</a:t>
           </a:r>
-          <a:endParaRPr lang="en-US" dirty="0">
-            <a:solidFill>
-              <a:schemeClr val="tx1"/>
-            </a:solidFill>
-          </a:endParaRPr>
         </a:p>
       </dgm:t>
     </dgm:pt>
@@ -944,18 +1714,13 @@
         <a:lstStyle/>
         <a:p>
           <a:r>
-            <a:rPr lang="en-US" dirty="0" smtClean="0">
+            <a:rPr lang="en-US" dirty="0">
               <a:solidFill>
                 <a:schemeClr val="tx1"/>
               </a:solidFill>
             </a:rPr>
             <a:t>Yellow</a:t>
           </a:r>
-          <a:endParaRPr lang="en-US" dirty="0">
-            <a:solidFill>
-              <a:schemeClr val="tx1"/>
-            </a:solidFill>
-          </a:endParaRPr>
         </a:p>
       </dgm:t>
     </dgm:pt>
@@ -993,18 +1758,13 @@
         <a:lstStyle/>
         <a:p>
           <a:r>
-            <a:rPr lang="en-US" dirty="0" smtClean="0">
+            <a:rPr lang="en-US" dirty="0">
               <a:solidFill>
                 <a:schemeClr val="tx1"/>
               </a:solidFill>
             </a:rPr>
             <a:t>Red</a:t>
           </a:r>
-          <a:endParaRPr lang="en-US" dirty="0">
-            <a:solidFill>
-              <a:schemeClr val="tx1"/>
-            </a:solidFill>
-          </a:endParaRPr>
         </a:p>
       </dgm:t>
     </dgm:pt>
@@ -1038,13 +1798,6 @@
         </dgm:presLayoutVars>
       </dgm:prSet>
       <dgm:spPr/>
-      <dgm:t>
-        <a:bodyPr/>
-        <a:lstStyle/>
-        <a:p>
-          <a:endParaRPr lang="en-US"/>
-        </a:p>
-      </dgm:t>
     </dgm:pt>
     <dgm:pt modelId="{4A967433-335C-46C5-AC4D-0A3C4C2A91E7}" type="pres">
       <dgm:prSet presAssocID="{18C3FD60-72E1-4586-97D0-EAF8CE531095}" presName="node" presStyleLbl="node1" presStyleIdx="0" presStyleCnt="3">
@@ -1052,6 +1805,88 @@
           <dgm:bulletEnabled val="1"/>
         </dgm:presLayoutVars>
       </dgm:prSet>
+      <dgm:spPr/>
+    </dgm:pt>
+    <dgm:pt modelId="{E6FF22C7-8B38-4EF7-B544-548AD9BDF790}" type="pres">
+      <dgm:prSet presAssocID="{F29716FC-7BBC-4AAD-8BBE-8E28844C44E7}" presName="sibTrans" presStyleLbl="sibTrans2D1" presStyleIdx="0" presStyleCnt="3"/>
+      <dgm:spPr/>
+    </dgm:pt>
+    <dgm:pt modelId="{36DF9FD7-2FD1-4156-BBA0-35E6F25CFE1C}" type="pres">
+      <dgm:prSet presAssocID="{F29716FC-7BBC-4AAD-8BBE-8E28844C44E7}" presName="connectorText" presStyleLbl="sibTrans2D1" presStyleIdx="0" presStyleCnt="3"/>
+      <dgm:spPr/>
+    </dgm:pt>
+    <dgm:pt modelId="{CFB3C08C-5DED-4065-81BD-8684A74C3B3D}" type="pres">
+      <dgm:prSet presAssocID="{F71021E8-936E-4923-A268-B904DECE76D9}" presName="node" presStyleLbl="node1" presStyleIdx="1" presStyleCnt="3">
+        <dgm:presLayoutVars>
+          <dgm:bulletEnabled val="1"/>
+        </dgm:presLayoutVars>
+      </dgm:prSet>
+      <dgm:spPr/>
+    </dgm:pt>
+    <dgm:pt modelId="{87335E5A-F2DD-411B-B34B-D7BE07758845}" type="pres">
+      <dgm:prSet presAssocID="{F8770059-322F-46B7-9059-C76B60377F39}" presName="sibTrans" presStyleLbl="sibTrans2D1" presStyleIdx="1" presStyleCnt="3"/>
+      <dgm:spPr/>
+    </dgm:pt>
+    <dgm:pt modelId="{1D0AB493-3940-4D2D-805E-4C33925C6C10}" type="pres">
+      <dgm:prSet presAssocID="{F8770059-322F-46B7-9059-C76B60377F39}" presName="connectorText" presStyleLbl="sibTrans2D1" presStyleIdx="1" presStyleCnt="3"/>
+      <dgm:spPr/>
+    </dgm:pt>
+    <dgm:pt modelId="{A62CED70-C8CA-4DFB-8B3B-6D66ED483168}" type="pres">
+      <dgm:prSet presAssocID="{FC09A9C9-1692-4AA7-AFCF-0C6282725DB4}" presName="node" presStyleLbl="node1" presStyleIdx="2" presStyleCnt="3">
+        <dgm:presLayoutVars>
+          <dgm:bulletEnabled val="1"/>
+        </dgm:presLayoutVars>
+      </dgm:prSet>
+      <dgm:spPr/>
+    </dgm:pt>
+    <dgm:pt modelId="{A405A97B-7D98-424D-8A3F-23EBB4D2762F}" type="pres">
+      <dgm:prSet presAssocID="{F2B74EB9-F265-4EF3-8AF1-D21EC1BACAC1}" presName="sibTrans" presStyleLbl="sibTrans2D1" presStyleIdx="2" presStyleCnt="3"/>
+      <dgm:spPr/>
+    </dgm:pt>
+    <dgm:pt modelId="{9DB4A336-0769-44B3-BF8F-4543CFDEECC8}" type="pres">
+      <dgm:prSet presAssocID="{F2B74EB9-F265-4EF3-8AF1-D21EC1BACAC1}" presName="connectorText" presStyleLbl="sibTrans2D1" presStyleIdx="2" presStyleCnt="3"/>
+      <dgm:spPr/>
+    </dgm:pt>
+  </dgm:ptLst>
+  <dgm:cxnLst>
+    <dgm:cxn modelId="{B560A024-E2DB-4CE7-AE1E-B1877668B34A}" type="presOf" srcId="{F8770059-322F-46B7-9059-C76B60377F39}" destId="{87335E5A-F2DD-411B-B34B-D7BE07758845}" srcOrd="0" destOrd="0" presId="urn:microsoft.com/office/officeart/2005/8/layout/cycle2"/>
+    <dgm:cxn modelId="{0559E064-781E-4AA9-B672-86EF4CE159A4}" type="presOf" srcId="{F71021E8-936E-4923-A268-B904DECE76D9}" destId="{CFB3C08C-5DED-4065-81BD-8684A74C3B3D}" srcOrd="0" destOrd="0" presId="urn:microsoft.com/office/officeart/2005/8/layout/cycle2"/>
+    <dgm:cxn modelId="{BBFE9947-DDD9-4B19-BA19-5B930BDF679A}" srcId="{D3AD4F52-CDF3-47CB-B73A-9700AF10A701}" destId="{18C3FD60-72E1-4586-97D0-EAF8CE531095}" srcOrd="0" destOrd="0" parTransId="{2570090C-B1A2-47B3-B1A9-5760671D905B}" sibTransId="{F29716FC-7BBC-4AAD-8BBE-8E28844C44E7}"/>
+    <dgm:cxn modelId="{F3235F4B-2167-4189-8E5B-936B29E3F005}" type="presOf" srcId="{D3AD4F52-CDF3-47CB-B73A-9700AF10A701}" destId="{E67968CC-0BBD-4FC4-9AFF-5DFDE853884D}" srcOrd="0" destOrd="0" presId="urn:microsoft.com/office/officeart/2005/8/layout/cycle2"/>
+    <dgm:cxn modelId="{71239470-66B8-48A2-819B-B71FC86A344C}" type="presOf" srcId="{18C3FD60-72E1-4586-97D0-EAF8CE531095}" destId="{4A967433-335C-46C5-AC4D-0A3C4C2A91E7}" srcOrd="0" destOrd="0" presId="urn:microsoft.com/office/officeart/2005/8/layout/cycle2"/>
+    <dgm:cxn modelId="{7C324E7A-0100-4224-8ACA-C8659F07369C}" type="presOf" srcId="{F2B74EB9-F265-4EF3-8AF1-D21EC1BACAC1}" destId="{9DB4A336-0769-44B3-BF8F-4543CFDEECC8}" srcOrd="1" destOrd="0" presId="urn:microsoft.com/office/officeart/2005/8/layout/cycle2"/>
+    <dgm:cxn modelId="{0CFBA686-049B-454C-BB63-42B846868A99}" type="presOf" srcId="{F29716FC-7BBC-4AAD-8BBE-8E28844C44E7}" destId="{E6FF22C7-8B38-4EF7-B544-548AD9BDF790}" srcOrd="0" destOrd="0" presId="urn:microsoft.com/office/officeart/2005/8/layout/cycle2"/>
+    <dgm:cxn modelId="{0E45CDD2-C5EC-4D3C-8423-3F2EF6C9A322}" type="presOf" srcId="{F29716FC-7BBC-4AAD-8BBE-8E28844C44E7}" destId="{36DF9FD7-2FD1-4156-BBA0-35E6F25CFE1C}" srcOrd="1" destOrd="0" presId="urn:microsoft.com/office/officeart/2005/8/layout/cycle2"/>
+    <dgm:cxn modelId="{504277D7-118D-4ED1-A51D-FEB9E043CEDF}" srcId="{D3AD4F52-CDF3-47CB-B73A-9700AF10A701}" destId="{FC09A9C9-1692-4AA7-AFCF-0C6282725DB4}" srcOrd="2" destOrd="0" parTransId="{0E97793F-BE22-443C-B914-FA2B14A19698}" sibTransId="{F2B74EB9-F265-4EF3-8AF1-D21EC1BACAC1}"/>
+    <dgm:cxn modelId="{76C13CE1-C0DD-4461-B4F5-325F608B379C}" type="presOf" srcId="{FC09A9C9-1692-4AA7-AFCF-0C6282725DB4}" destId="{A62CED70-C8CA-4DFB-8B3B-6D66ED483168}" srcOrd="0" destOrd="0" presId="urn:microsoft.com/office/officeart/2005/8/layout/cycle2"/>
+    <dgm:cxn modelId="{A603EDFB-8860-45F5-A27E-37C414999A81}" type="presOf" srcId="{F8770059-322F-46B7-9059-C76B60377F39}" destId="{1D0AB493-3940-4D2D-805E-4C33925C6C10}" srcOrd="1" destOrd="0" presId="urn:microsoft.com/office/officeart/2005/8/layout/cycle2"/>
+    <dgm:cxn modelId="{73DA17FD-5678-4D18-9B70-BC148ED26C44}" type="presOf" srcId="{F2B74EB9-F265-4EF3-8AF1-D21EC1BACAC1}" destId="{A405A97B-7D98-424D-8A3F-23EBB4D2762F}" srcOrd="0" destOrd="0" presId="urn:microsoft.com/office/officeart/2005/8/layout/cycle2"/>
+    <dgm:cxn modelId="{74FBDDFD-186E-4341-8721-B02898275736}" srcId="{D3AD4F52-CDF3-47CB-B73A-9700AF10A701}" destId="{F71021E8-936E-4923-A268-B904DECE76D9}" srcOrd="1" destOrd="0" parTransId="{AB170A8E-81D5-4837-BF01-C5C662B08898}" sibTransId="{F8770059-322F-46B7-9059-C76B60377F39}"/>
+    <dgm:cxn modelId="{F9711AC6-1ECE-491C-AC41-68963377C50F}" type="presParOf" srcId="{E67968CC-0BBD-4FC4-9AFF-5DFDE853884D}" destId="{4A967433-335C-46C5-AC4D-0A3C4C2A91E7}" srcOrd="0" destOrd="0" presId="urn:microsoft.com/office/officeart/2005/8/layout/cycle2"/>
+    <dgm:cxn modelId="{5E15D8FB-4318-4C75-BC58-AA9C8EF3C504}" type="presParOf" srcId="{E67968CC-0BBD-4FC4-9AFF-5DFDE853884D}" destId="{E6FF22C7-8B38-4EF7-B544-548AD9BDF790}" srcOrd="1" destOrd="0" presId="urn:microsoft.com/office/officeart/2005/8/layout/cycle2"/>
+    <dgm:cxn modelId="{7FBDDE1F-645C-470B-848E-C0E67BE4C9EB}" type="presParOf" srcId="{E6FF22C7-8B38-4EF7-B544-548AD9BDF790}" destId="{36DF9FD7-2FD1-4156-BBA0-35E6F25CFE1C}" srcOrd="0" destOrd="0" presId="urn:microsoft.com/office/officeart/2005/8/layout/cycle2"/>
+    <dgm:cxn modelId="{EB9423B9-0DDE-4A50-AA13-4DE44CB328E6}" type="presParOf" srcId="{E67968CC-0BBD-4FC4-9AFF-5DFDE853884D}" destId="{CFB3C08C-5DED-4065-81BD-8684A74C3B3D}" srcOrd="2" destOrd="0" presId="urn:microsoft.com/office/officeart/2005/8/layout/cycle2"/>
+    <dgm:cxn modelId="{F2CCAB41-590D-45E4-99AF-021B8CD329DB}" type="presParOf" srcId="{E67968CC-0BBD-4FC4-9AFF-5DFDE853884D}" destId="{87335E5A-F2DD-411B-B34B-D7BE07758845}" srcOrd="3" destOrd="0" presId="urn:microsoft.com/office/officeart/2005/8/layout/cycle2"/>
+    <dgm:cxn modelId="{B2FF1E12-178F-41E3-B64F-5DF415482F20}" type="presParOf" srcId="{87335E5A-F2DD-411B-B34B-D7BE07758845}" destId="{1D0AB493-3940-4D2D-805E-4C33925C6C10}" srcOrd="0" destOrd="0" presId="urn:microsoft.com/office/officeart/2005/8/layout/cycle2"/>
+    <dgm:cxn modelId="{52CD9291-B183-43DD-BE9B-410C9660DE0D}" type="presParOf" srcId="{E67968CC-0BBD-4FC4-9AFF-5DFDE853884D}" destId="{A62CED70-C8CA-4DFB-8B3B-6D66ED483168}" srcOrd="4" destOrd="0" presId="urn:microsoft.com/office/officeart/2005/8/layout/cycle2"/>
+    <dgm:cxn modelId="{EFC913A0-AE2C-4F7F-B9A0-375C16894500}" type="presParOf" srcId="{E67968CC-0BBD-4FC4-9AFF-5DFDE853884D}" destId="{A405A97B-7D98-424D-8A3F-23EBB4D2762F}" srcOrd="5" destOrd="0" presId="urn:microsoft.com/office/officeart/2005/8/layout/cycle2"/>
+    <dgm:cxn modelId="{83860091-A2F5-4E20-AEEA-56AFE74F1599}" type="presParOf" srcId="{A405A97B-7D98-424D-8A3F-23EBB4D2762F}" destId="{9DB4A336-0769-44B3-BF8F-4543CFDEECC8}" srcOrd="0" destOrd="0" presId="urn:microsoft.com/office/officeart/2005/8/layout/cycle2"/>
+  </dgm:cxnLst>
+  <dgm:bg/>
+  <dgm:whole/>
+  <dgm:extLst>
+    <a:ext uri="http://schemas.microsoft.com/office/drawing/2008/diagram">
+      <dsp:dataModelExt xmlns:dsp="http://schemas.microsoft.com/office/drawing/2008/diagram" relId="rId6" minVer="http://schemas.openxmlformats.org/drawingml/2006/diagram"/>
+    </a:ext>
+  </dgm:extLst>
+</dgm:dataModel>
+</file>
+
+<file path=ppt/diagrams/data2.xml><?xml version="1.0" encoding="utf-8"?>
+<dgm:dataModel xmlns:dgm="http://schemas.openxmlformats.org/drawingml/2006/diagram" xmlns:a="http://schemas.openxmlformats.org/drawingml/2006/main">
+  <dgm:ptLst>
+    <dgm:pt modelId="{D3AD4F52-CDF3-47CB-B73A-9700AF10A701}" type="doc">
+      <dgm:prSet loTypeId="urn:microsoft.com/office/officeart/2005/8/layout/cycle2" loCatId="cycle" qsTypeId="urn:microsoft.com/office/officeart/2005/8/quickstyle/simple1" qsCatId="simple" csTypeId="urn:microsoft.com/office/officeart/2005/8/colors/accent1_2" csCatId="accent1" phldr="1"/>
       <dgm:spPr/>
       <dgm:t>
         <a:bodyPr/>
@@ -1061,8 +1896,30 @@
         </a:p>
       </dgm:t>
     </dgm:pt>
-    <dgm:pt modelId="{E6FF22C7-8B38-4EF7-B544-548AD9BDF790}" type="pres">
-      <dgm:prSet presAssocID="{F29716FC-7BBC-4AAD-8BBE-8E28844C44E7}" presName="sibTrans" presStyleLbl="sibTrans2D1" presStyleIdx="0" presStyleCnt="3"/>
+    <dgm:pt modelId="{18C3FD60-72E1-4586-97D0-EAF8CE531095}">
+      <dgm:prSet phldrT="[Text]"/>
+      <dgm:spPr>
+        <a:solidFill>
+          <a:srgbClr val="00B050"/>
+        </a:solidFill>
+      </dgm:spPr>
+      <dgm:t>
+        <a:bodyPr/>
+        <a:lstStyle/>
+        <a:p>
+          <a:r>
+            <a:rPr lang="en-US" dirty="0">
+              <a:solidFill>
+                <a:schemeClr val="tx1"/>
+              </a:solidFill>
+            </a:rPr>
+            <a:t>Green</a:t>
+          </a:r>
+        </a:p>
+      </dgm:t>
+    </dgm:pt>
+    <dgm:pt modelId="{2570090C-B1A2-47B3-B1A9-5760671D905B}" type="parTrans" cxnId="{BBFE9947-DDD9-4B19-BA19-5B930BDF679A}">
+      <dgm:prSet/>
       <dgm:spPr/>
       <dgm:t>
         <a:bodyPr/>
@@ -1072,8 +1929,8 @@
         </a:p>
       </dgm:t>
     </dgm:pt>
-    <dgm:pt modelId="{36DF9FD7-2FD1-4156-BBA0-35E6F25CFE1C}" type="pres">
-      <dgm:prSet presAssocID="{F29716FC-7BBC-4AAD-8BBE-8E28844C44E7}" presName="connectorText" presStyleLbl="sibTrans2D1" presStyleIdx="0" presStyleCnt="3"/>
+    <dgm:pt modelId="{F29716FC-7BBC-4AAD-8BBE-8E28844C44E7}" type="sibTrans" cxnId="{BBFE9947-DDD9-4B19-BA19-5B930BDF679A}">
+      <dgm:prSet/>
       <dgm:spPr/>
       <dgm:t>
         <a:bodyPr/>
@@ -1083,12 +1940,35 @@
         </a:p>
       </dgm:t>
     </dgm:pt>
-    <dgm:pt modelId="{CFB3C08C-5DED-4065-81BD-8684A74C3B3D}" type="pres">
-      <dgm:prSet presAssocID="{F71021E8-936E-4923-A268-B904DECE76D9}" presName="node" presStyleLbl="node1" presStyleIdx="1" presStyleCnt="3">
-        <dgm:presLayoutVars>
-          <dgm:bulletEnabled val="1"/>
-        </dgm:presLayoutVars>
-      </dgm:prSet>
+    <dgm:pt modelId="{F71021E8-936E-4923-A268-B904DECE76D9}">
+      <dgm:prSet phldrT="[Text]"/>
+      <dgm:spPr>
+        <a:solidFill>
+          <a:srgbClr val="FFFF00"/>
+        </a:solidFill>
+        <a:ln w="9525">
+          <a:solidFill>
+            <a:schemeClr val="tx1"/>
+          </a:solidFill>
+        </a:ln>
+      </dgm:spPr>
+      <dgm:t>
+        <a:bodyPr/>
+        <a:lstStyle/>
+        <a:p>
+          <a:r>
+            <a:rPr lang="en-US" dirty="0">
+              <a:solidFill>
+                <a:schemeClr val="tx1"/>
+              </a:solidFill>
+            </a:rPr>
+            <a:t>Yellow</a:t>
+          </a:r>
+        </a:p>
+      </dgm:t>
+    </dgm:pt>
+    <dgm:pt modelId="{AB170A8E-81D5-4837-BF01-C5C662B08898}" type="parTrans" cxnId="{74FBDDFD-186E-4341-8721-B02898275736}">
+      <dgm:prSet/>
       <dgm:spPr/>
       <dgm:t>
         <a:bodyPr/>
@@ -1098,8 +1978,8 @@
         </a:p>
       </dgm:t>
     </dgm:pt>
-    <dgm:pt modelId="{87335E5A-F2DD-411B-B34B-D7BE07758845}" type="pres">
-      <dgm:prSet presAssocID="{F8770059-322F-46B7-9059-C76B60377F39}" presName="sibTrans" presStyleLbl="sibTrans2D1" presStyleIdx="1" presStyleCnt="3"/>
+    <dgm:pt modelId="{F8770059-322F-46B7-9059-C76B60377F39}" type="sibTrans" cxnId="{74FBDDFD-186E-4341-8721-B02898275736}">
+      <dgm:prSet/>
       <dgm:spPr/>
       <dgm:t>
         <a:bodyPr/>
@@ -1109,8 +1989,30 @@
         </a:p>
       </dgm:t>
     </dgm:pt>
-    <dgm:pt modelId="{1D0AB493-3940-4D2D-805E-4C33925C6C10}" type="pres">
-      <dgm:prSet presAssocID="{F8770059-322F-46B7-9059-C76B60377F39}" presName="connectorText" presStyleLbl="sibTrans2D1" presStyleIdx="1" presStyleCnt="3"/>
+    <dgm:pt modelId="{FC09A9C9-1692-4AA7-AFCF-0C6282725DB4}">
+      <dgm:prSet phldrT="[Text]"/>
+      <dgm:spPr>
+        <a:solidFill>
+          <a:srgbClr val="FF0000"/>
+        </a:solidFill>
+      </dgm:spPr>
+      <dgm:t>
+        <a:bodyPr/>
+        <a:lstStyle/>
+        <a:p>
+          <a:r>
+            <a:rPr lang="en-US" dirty="0">
+              <a:solidFill>
+                <a:schemeClr val="tx1"/>
+              </a:solidFill>
+            </a:rPr>
+            <a:t>Red</a:t>
+          </a:r>
+        </a:p>
+      </dgm:t>
+    </dgm:pt>
+    <dgm:pt modelId="{0E97793F-BE22-443C-B914-FA2B14A19698}" type="parTrans" cxnId="{504277D7-118D-4ED1-A51D-FEB9E043CEDF}">
+      <dgm:prSet/>
       <dgm:spPr/>
       <dgm:t>
         <a:bodyPr/>
@@ -1120,12 +2022,8 @@
         </a:p>
       </dgm:t>
     </dgm:pt>
-    <dgm:pt modelId="{A62CED70-C8CA-4DFB-8B3B-6D66ED483168}" type="pres">
-      <dgm:prSet presAssocID="{FC09A9C9-1692-4AA7-AFCF-0C6282725DB4}" presName="node" presStyleLbl="node1" presStyleIdx="2" presStyleCnt="3">
-        <dgm:presLayoutVars>
-          <dgm:bulletEnabled val="1"/>
-        </dgm:presLayoutVars>
-      </dgm:prSet>
+    <dgm:pt modelId="{F2B74EB9-F265-4EF3-8AF1-D21EC1BACAC1}" type="sibTrans" cxnId="{504277D7-118D-4ED1-A51D-FEB9E043CEDF}">
+      <dgm:prSet/>
       <dgm:spPr/>
       <dgm:t>
         <a:bodyPr/>
@@ -1135,43 +2033,78 @@
         </a:p>
       </dgm:t>
     </dgm:pt>
+    <dgm:pt modelId="{E67968CC-0BBD-4FC4-9AFF-5DFDE853884D}" type="pres">
+      <dgm:prSet presAssocID="{D3AD4F52-CDF3-47CB-B73A-9700AF10A701}" presName="cycle" presStyleCnt="0">
+        <dgm:presLayoutVars>
+          <dgm:dir/>
+          <dgm:resizeHandles val="exact"/>
+        </dgm:presLayoutVars>
+      </dgm:prSet>
+      <dgm:spPr/>
+    </dgm:pt>
+    <dgm:pt modelId="{4A967433-335C-46C5-AC4D-0A3C4C2A91E7}" type="pres">
+      <dgm:prSet presAssocID="{18C3FD60-72E1-4586-97D0-EAF8CE531095}" presName="node" presStyleLbl="node1" presStyleIdx="0" presStyleCnt="3">
+        <dgm:presLayoutVars>
+          <dgm:bulletEnabled val="1"/>
+        </dgm:presLayoutVars>
+      </dgm:prSet>
+      <dgm:spPr/>
+    </dgm:pt>
+    <dgm:pt modelId="{E6FF22C7-8B38-4EF7-B544-548AD9BDF790}" type="pres">
+      <dgm:prSet presAssocID="{F29716FC-7BBC-4AAD-8BBE-8E28844C44E7}" presName="sibTrans" presStyleLbl="sibTrans2D1" presStyleIdx="0" presStyleCnt="3"/>
+      <dgm:spPr/>
+    </dgm:pt>
+    <dgm:pt modelId="{36DF9FD7-2FD1-4156-BBA0-35E6F25CFE1C}" type="pres">
+      <dgm:prSet presAssocID="{F29716FC-7BBC-4AAD-8BBE-8E28844C44E7}" presName="connectorText" presStyleLbl="sibTrans2D1" presStyleIdx="0" presStyleCnt="3"/>
+      <dgm:spPr/>
+    </dgm:pt>
+    <dgm:pt modelId="{CFB3C08C-5DED-4065-81BD-8684A74C3B3D}" type="pres">
+      <dgm:prSet presAssocID="{F71021E8-936E-4923-A268-B904DECE76D9}" presName="node" presStyleLbl="node1" presStyleIdx="1" presStyleCnt="3">
+        <dgm:presLayoutVars>
+          <dgm:bulletEnabled val="1"/>
+        </dgm:presLayoutVars>
+      </dgm:prSet>
+      <dgm:spPr/>
+    </dgm:pt>
+    <dgm:pt modelId="{87335E5A-F2DD-411B-B34B-D7BE07758845}" type="pres">
+      <dgm:prSet presAssocID="{F8770059-322F-46B7-9059-C76B60377F39}" presName="sibTrans" presStyleLbl="sibTrans2D1" presStyleIdx="1" presStyleCnt="3"/>
+      <dgm:spPr/>
+    </dgm:pt>
+    <dgm:pt modelId="{1D0AB493-3940-4D2D-805E-4C33925C6C10}" type="pres">
+      <dgm:prSet presAssocID="{F8770059-322F-46B7-9059-C76B60377F39}" presName="connectorText" presStyleLbl="sibTrans2D1" presStyleIdx="1" presStyleCnt="3"/>
+      <dgm:spPr/>
+    </dgm:pt>
+    <dgm:pt modelId="{A62CED70-C8CA-4DFB-8B3B-6D66ED483168}" type="pres">
+      <dgm:prSet presAssocID="{FC09A9C9-1692-4AA7-AFCF-0C6282725DB4}" presName="node" presStyleLbl="node1" presStyleIdx="2" presStyleCnt="3">
+        <dgm:presLayoutVars>
+          <dgm:bulletEnabled val="1"/>
+        </dgm:presLayoutVars>
+      </dgm:prSet>
+      <dgm:spPr/>
+    </dgm:pt>
     <dgm:pt modelId="{A405A97B-7D98-424D-8A3F-23EBB4D2762F}" type="pres">
       <dgm:prSet presAssocID="{F2B74EB9-F265-4EF3-8AF1-D21EC1BACAC1}" presName="sibTrans" presStyleLbl="sibTrans2D1" presStyleIdx="2" presStyleCnt="3"/>
       <dgm:spPr/>
-      <dgm:t>
-        <a:bodyPr/>
-        <a:lstStyle/>
-        <a:p>
-          <a:endParaRPr lang="en-US"/>
-        </a:p>
-      </dgm:t>
     </dgm:pt>
     <dgm:pt modelId="{9DB4A336-0769-44B3-BF8F-4543CFDEECC8}" type="pres">
       <dgm:prSet presAssocID="{F2B74EB9-F265-4EF3-8AF1-D21EC1BACAC1}" presName="connectorText" presStyleLbl="sibTrans2D1" presStyleIdx="2" presStyleCnt="3"/>
       <dgm:spPr/>
-      <dgm:t>
-        <a:bodyPr/>
-        <a:lstStyle/>
-        <a:p>
-          <a:endParaRPr lang="en-US"/>
-        </a:p>
-      </dgm:t>
     </dgm:pt>
   </dgm:ptLst>
   <dgm:cxnLst>
-    <dgm:cxn modelId="{0E45CDD2-C5EC-4D3C-8423-3F2EF6C9A322}" type="presOf" srcId="{F29716FC-7BBC-4AAD-8BBE-8E28844C44E7}" destId="{36DF9FD7-2FD1-4156-BBA0-35E6F25CFE1C}" srcOrd="1" destOrd="0" presId="urn:microsoft.com/office/officeart/2005/8/layout/cycle2"/>
-    <dgm:cxn modelId="{A603EDFB-8860-45F5-A27E-37C414999A81}" type="presOf" srcId="{F8770059-322F-46B7-9059-C76B60377F39}" destId="{1D0AB493-3940-4D2D-805E-4C33925C6C10}" srcOrd="1" destOrd="0" presId="urn:microsoft.com/office/officeart/2005/8/layout/cycle2"/>
+    <dgm:cxn modelId="{B560A024-E2DB-4CE7-AE1E-B1877668B34A}" type="presOf" srcId="{F8770059-322F-46B7-9059-C76B60377F39}" destId="{87335E5A-F2DD-411B-B34B-D7BE07758845}" srcOrd="0" destOrd="0" presId="urn:microsoft.com/office/officeart/2005/8/layout/cycle2"/>
     <dgm:cxn modelId="{0559E064-781E-4AA9-B672-86EF4CE159A4}" type="presOf" srcId="{F71021E8-936E-4923-A268-B904DECE76D9}" destId="{CFB3C08C-5DED-4065-81BD-8684A74C3B3D}" srcOrd="0" destOrd="0" presId="urn:microsoft.com/office/officeart/2005/8/layout/cycle2"/>
     <dgm:cxn modelId="{BBFE9947-DDD9-4B19-BA19-5B930BDF679A}" srcId="{D3AD4F52-CDF3-47CB-B73A-9700AF10A701}" destId="{18C3FD60-72E1-4586-97D0-EAF8CE531095}" srcOrd="0" destOrd="0" parTransId="{2570090C-B1A2-47B3-B1A9-5760671D905B}" sibTransId="{F29716FC-7BBC-4AAD-8BBE-8E28844C44E7}"/>
     <dgm:cxn modelId="{F3235F4B-2167-4189-8E5B-936B29E3F005}" type="presOf" srcId="{D3AD4F52-CDF3-47CB-B73A-9700AF10A701}" destId="{E67968CC-0BBD-4FC4-9AFF-5DFDE853884D}" srcOrd="0" destOrd="0" presId="urn:microsoft.com/office/officeart/2005/8/layout/cycle2"/>
+    <dgm:cxn modelId="{71239470-66B8-48A2-819B-B71FC86A344C}" type="presOf" srcId="{18C3FD60-72E1-4586-97D0-EAF8CE531095}" destId="{4A967433-335C-46C5-AC4D-0A3C4C2A91E7}" srcOrd="0" destOrd="0" presId="urn:microsoft.com/office/officeart/2005/8/layout/cycle2"/>
+    <dgm:cxn modelId="{7C324E7A-0100-4224-8ACA-C8659F07369C}" type="presOf" srcId="{F2B74EB9-F265-4EF3-8AF1-D21EC1BACAC1}" destId="{9DB4A336-0769-44B3-BF8F-4543CFDEECC8}" srcOrd="1" destOrd="0" presId="urn:microsoft.com/office/officeart/2005/8/layout/cycle2"/>
+    <dgm:cxn modelId="{0CFBA686-049B-454C-BB63-42B846868A99}" type="presOf" srcId="{F29716FC-7BBC-4AAD-8BBE-8E28844C44E7}" destId="{E6FF22C7-8B38-4EF7-B544-548AD9BDF790}" srcOrd="0" destOrd="0" presId="urn:microsoft.com/office/officeart/2005/8/layout/cycle2"/>
+    <dgm:cxn modelId="{0E45CDD2-C5EC-4D3C-8423-3F2EF6C9A322}" type="presOf" srcId="{F29716FC-7BBC-4AAD-8BBE-8E28844C44E7}" destId="{36DF9FD7-2FD1-4156-BBA0-35E6F25CFE1C}" srcOrd="1" destOrd="0" presId="urn:microsoft.com/office/officeart/2005/8/layout/cycle2"/>
+    <dgm:cxn modelId="{504277D7-118D-4ED1-A51D-FEB9E043CEDF}" srcId="{D3AD4F52-CDF3-47CB-B73A-9700AF10A701}" destId="{FC09A9C9-1692-4AA7-AFCF-0C6282725DB4}" srcOrd="2" destOrd="0" parTransId="{0E97793F-BE22-443C-B914-FA2B14A19698}" sibTransId="{F2B74EB9-F265-4EF3-8AF1-D21EC1BACAC1}"/>
+    <dgm:cxn modelId="{76C13CE1-C0DD-4461-B4F5-325F608B379C}" type="presOf" srcId="{FC09A9C9-1692-4AA7-AFCF-0C6282725DB4}" destId="{A62CED70-C8CA-4DFB-8B3B-6D66ED483168}" srcOrd="0" destOrd="0" presId="urn:microsoft.com/office/officeart/2005/8/layout/cycle2"/>
+    <dgm:cxn modelId="{A603EDFB-8860-45F5-A27E-37C414999A81}" type="presOf" srcId="{F8770059-322F-46B7-9059-C76B60377F39}" destId="{1D0AB493-3940-4D2D-805E-4C33925C6C10}" srcOrd="1" destOrd="0" presId="urn:microsoft.com/office/officeart/2005/8/layout/cycle2"/>
+    <dgm:cxn modelId="{73DA17FD-5678-4D18-9B70-BC148ED26C44}" type="presOf" srcId="{F2B74EB9-F265-4EF3-8AF1-D21EC1BACAC1}" destId="{A405A97B-7D98-424D-8A3F-23EBB4D2762F}" srcOrd="0" destOrd="0" presId="urn:microsoft.com/office/officeart/2005/8/layout/cycle2"/>
     <dgm:cxn modelId="{74FBDDFD-186E-4341-8721-B02898275736}" srcId="{D3AD4F52-CDF3-47CB-B73A-9700AF10A701}" destId="{F71021E8-936E-4923-A268-B904DECE76D9}" srcOrd="1" destOrd="0" parTransId="{AB170A8E-81D5-4837-BF01-C5C662B08898}" sibTransId="{F8770059-322F-46B7-9059-C76B60377F39}"/>
-    <dgm:cxn modelId="{76C13CE1-C0DD-4461-B4F5-325F608B379C}" type="presOf" srcId="{FC09A9C9-1692-4AA7-AFCF-0C6282725DB4}" destId="{A62CED70-C8CA-4DFB-8B3B-6D66ED483168}" srcOrd="0" destOrd="0" presId="urn:microsoft.com/office/officeart/2005/8/layout/cycle2"/>
-    <dgm:cxn modelId="{0CFBA686-049B-454C-BB63-42B846868A99}" type="presOf" srcId="{F29716FC-7BBC-4AAD-8BBE-8E28844C44E7}" destId="{E6FF22C7-8B38-4EF7-B544-548AD9BDF790}" srcOrd="0" destOrd="0" presId="urn:microsoft.com/office/officeart/2005/8/layout/cycle2"/>
-    <dgm:cxn modelId="{B560A024-E2DB-4CE7-AE1E-B1877668B34A}" type="presOf" srcId="{F8770059-322F-46B7-9059-C76B60377F39}" destId="{87335E5A-F2DD-411B-B34B-D7BE07758845}" srcOrd="0" destOrd="0" presId="urn:microsoft.com/office/officeart/2005/8/layout/cycle2"/>
-    <dgm:cxn modelId="{73DA17FD-5678-4D18-9B70-BC148ED26C44}" type="presOf" srcId="{F2B74EB9-F265-4EF3-8AF1-D21EC1BACAC1}" destId="{A405A97B-7D98-424D-8A3F-23EBB4D2762F}" srcOrd="0" destOrd="0" presId="urn:microsoft.com/office/officeart/2005/8/layout/cycle2"/>
-    <dgm:cxn modelId="{504277D7-118D-4ED1-A51D-FEB9E043CEDF}" srcId="{D3AD4F52-CDF3-47CB-B73A-9700AF10A701}" destId="{FC09A9C9-1692-4AA7-AFCF-0C6282725DB4}" srcOrd="2" destOrd="0" parTransId="{0E97793F-BE22-443C-B914-FA2B14A19698}" sibTransId="{F2B74EB9-F265-4EF3-8AF1-D21EC1BACAC1}"/>
-    <dgm:cxn modelId="{7C324E7A-0100-4224-8ACA-C8659F07369C}" type="presOf" srcId="{F2B74EB9-F265-4EF3-8AF1-D21EC1BACAC1}" destId="{9DB4A336-0769-44B3-BF8F-4543CFDEECC8}" srcOrd="1" destOrd="0" presId="urn:microsoft.com/office/officeart/2005/8/layout/cycle2"/>
-    <dgm:cxn modelId="{71239470-66B8-48A2-819B-B71FC86A344C}" type="presOf" srcId="{18C3FD60-72E1-4586-97D0-EAF8CE531095}" destId="{4A967433-335C-46C5-AC4D-0A3C4C2A91E7}" srcOrd="0" destOrd="0" presId="urn:microsoft.com/office/officeart/2005/8/layout/cycle2"/>
     <dgm:cxn modelId="{F9711AC6-1ECE-491C-AC41-68963377C50F}" type="presParOf" srcId="{E67968CC-0BBD-4FC4-9AFF-5DFDE853884D}" destId="{4A967433-335C-46C5-AC4D-0A3C4C2A91E7}" srcOrd="0" destOrd="0" presId="urn:microsoft.com/office/officeart/2005/8/layout/cycle2"/>
     <dgm:cxn modelId="{5E15D8FB-4318-4C75-BC58-AA9C8EF3C504}" type="presParOf" srcId="{E67968CC-0BBD-4FC4-9AFF-5DFDE853884D}" destId="{E6FF22C7-8B38-4EF7-B544-548AD9BDF790}" srcOrd="1" destOrd="0" presId="urn:microsoft.com/office/officeart/2005/8/layout/cycle2"/>
     <dgm:cxn modelId="{7FBDDE1F-645C-470B-848E-C0E67BE4C9EB}" type="presParOf" srcId="{E6FF22C7-8B38-4EF7-B544-548AD9BDF790}" destId="{36DF9FD7-2FD1-4156-BBA0-35E6F25CFE1C}" srcOrd="0" destOrd="0" presId="urn:microsoft.com/office/officeart/2005/8/layout/cycle2"/>
@@ -1250,7 +2183,7 @@
         </a:bodyPr>
         <a:lstStyle/>
         <a:p>
-          <a:pPr lvl="0" algn="ctr" defTabSz="2044700">
+          <a:pPr marL="0" lvl="0" indent="0" algn="ctr" defTabSz="2044700">
             <a:lnSpc>
               <a:spcPct val="90000"/>
             </a:lnSpc>
@@ -1260,20 +2193,16 @@
             <a:spcAft>
               <a:spcPct val="35000"/>
             </a:spcAft>
+            <a:buNone/>
           </a:pPr>
           <a:r>
-            <a:rPr lang="en-US" sz="4600" kern="1200" dirty="0" smtClean="0">
+            <a:rPr lang="en-US" sz="4600" kern="1200" dirty="0">
               <a:solidFill>
                 <a:schemeClr val="tx1"/>
               </a:solidFill>
             </a:rPr>
             <a:t>Green</a:t>
           </a:r>
-          <a:endParaRPr lang="en-US" sz="4600" kern="1200" dirty="0">
-            <a:solidFill>
-              <a:schemeClr val="tx1"/>
-            </a:solidFill>
-          </a:endParaRPr>
         </a:p>
       </dsp:txBody>
       <dsp:txXfrm>
@@ -1331,7 +2260,7 @@
         </a:bodyPr>
         <a:lstStyle/>
         <a:p>
-          <a:pPr lvl="0" algn="ctr" defTabSz="1511300">
+          <a:pPr marL="0" lvl="0" indent="0" algn="ctr" defTabSz="1511300">
             <a:lnSpc>
               <a:spcPct val="90000"/>
             </a:lnSpc>
@@ -1341,6 +2270,7 @@
             <a:spcAft>
               <a:spcPct val="35000"/>
             </a:spcAft>
+            <a:buNone/>
           </a:pPr>
           <a:endParaRPr lang="en-US" sz="3400" kern="1200"/>
         </a:p>
@@ -1395,7 +2325,7 @@
         </a:bodyPr>
         <a:lstStyle/>
         <a:p>
-          <a:pPr lvl="0" algn="ctr" defTabSz="2044700">
+          <a:pPr marL="0" lvl="0" indent="0" algn="ctr" defTabSz="2044700">
             <a:lnSpc>
               <a:spcPct val="90000"/>
             </a:lnSpc>
@@ -1405,20 +2335,16 @@
             <a:spcAft>
               <a:spcPct val="35000"/>
             </a:spcAft>
+            <a:buNone/>
           </a:pPr>
           <a:r>
-            <a:rPr lang="en-US" sz="4600" kern="1200" dirty="0" smtClean="0">
+            <a:rPr lang="en-US" sz="4600" kern="1200" dirty="0">
               <a:solidFill>
                 <a:schemeClr val="tx1"/>
               </a:solidFill>
             </a:rPr>
             <a:t>Yellow</a:t>
           </a:r>
-          <a:endParaRPr lang="en-US" sz="4600" kern="1200" dirty="0">
-            <a:solidFill>
-              <a:schemeClr val="tx1"/>
-            </a:solidFill>
-          </a:endParaRPr>
         </a:p>
       </dsp:txBody>
       <dsp:txXfrm>
@@ -1476,7 +2402,7 @@
         </a:bodyPr>
         <a:lstStyle/>
         <a:p>
-          <a:pPr lvl="0" algn="ctr" defTabSz="1511300">
+          <a:pPr marL="0" lvl="0" indent="0" algn="ctr" defTabSz="1511300">
             <a:lnSpc>
               <a:spcPct val="90000"/>
             </a:lnSpc>
@@ -1486,6 +2412,7 @@
             <a:spcAft>
               <a:spcPct val="35000"/>
             </a:spcAft>
+            <a:buNone/>
           </a:pPr>
           <a:endParaRPr lang="en-US" sz="3400" kern="1200"/>
         </a:p>
@@ -1545,7 +2472,7 @@
         </a:bodyPr>
         <a:lstStyle/>
         <a:p>
-          <a:pPr lvl="0" algn="ctr" defTabSz="2044700">
+          <a:pPr marL="0" lvl="0" indent="0" algn="ctr" defTabSz="2044700">
             <a:lnSpc>
               <a:spcPct val="90000"/>
             </a:lnSpc>
@@ -1555,20 +2482,16 @@
             <a:spcAft>
               <a:spcPct val="35000"/>
             </a:spcAft>
+            <a:buNone/>
           </a:pPr>
           <a:r>
-            <a:rPr lang="en-US" sz="4600" kern="1200" dirty="0" smtClean="0">
+            <a:rPr lang="en-US" sz="4600" kern="1200" dirty="0">
               <a:solidFill>
                 <a:schemeClr val="tx1"/>
               </a:solidFill>
             </a:rPr>
             <a:t>Red</a:t>
           </a:r>
-          <a:endParaRPr lang="en-US" sz="4600" kern="1200" dirty="0">
-            <a:solidFill>
-              <a:schemeClr val="tx1"/>
-            </a:solidFill>
-          </a:endParaRPr>
         </a:p>
       </dsp:txBody>
       <dsp:txXfrm>
@@ -1626,7 +2549,7 @@
         </a:bodyPr>
         <a:lstStyle/>
         <a:p>
-          <a:pPr lvl="0" algn="ctr" defTabSz="1511300">
+          <a:pPr marL="0" lvl="0" indent="0" algn="ctr" defTabSz="1511300">
             <a:lnSpc>
               <a:spcPct val="90000"/>
             </a:lnSpc>
@@ -1636,6 +2559,455 @@
             <a:spcAft>
               <a:spcPct val="35000"/>
             </a:spcAft>
+            <a:buNone/>
+          </a:pPr>
+          <a:endParaRPr lang="en-US" sz="3400" kern="1200"/>
+        </a:p>
+      </dsp:txBody>
+      <dsp:txXfrm>
+        <a:off x="2904032" y="2567946"/>
+        <a:ext cx="439282" cy="476577"/>
+      </dsp:txXfrm>
+    </dsp:sp>
+  </dsp:spTree>
+</dsp:drawing>
+</file>
+
+<file path=ppt/diagrams/drawing2.xml><?xml version="1.0" encoding="utf-8"?>
+<dsp:drawing xmlns:dgm="http://schemas.openxmlformats.org/drawingml/2006/diagram" xmlns:dsp="http://schemas.microsoft.com/office/drawing/2008/diagram" xmlns:a="http://schemas.openxmlformats.org/drawingml/2006/main">
+  <dsp:spTree>
+    <dsp:nvGrpSpPr>
+      <dsp:cNvPr id="0" name=""/>
+      <dsp:cNvGrpSpPr/>
+    </dsp:nvGrpSpPr>
+    <dsp:grpSpPr/>
+    <dsp:sp modelId="{4A967433-335C-46C5-AC4D-0A3C4C2A91E7}">
+      <dsp:nvSpPr>
+        <dsp:cNvPr id="0" name=""/>
+        <dsp:cNvSpPr/>
+      </dsp:nvSpPr>
+      <dsp:spPr>
+        <a:xfrm>
+          <a:off x="2887265" y="808"/>
+          <a:ext cx="2353468" cy="2353468"/>
+        </a:xfrm>
+        <a:prstGeom prst="ellipse">
+          <a:avLst/>
+        </a:prstGeom>
+        <a:solidFill>
+          <a:srgbClr val="00B050"/>
+        </a:solidFill>
+        <a:ln w="12700" cap="flat" cmpd="sng" algn="ctr">
+          <a:solidFill>
+            <a:schemeClr val="lt1">
+              <a:hueOff val="0"/>
+              <a:satOff val="0"/>
+              <a:lumOff val="0"/>
+              <a:alphaOff val="0"/>
+            </a:schemeClr>
+          </a:solidFill>
+          <a:prstDash val="solid"/>
+          <a:miter lim="800000"/>
+        </a:ln>
+        <a:effectLst/>
+      </dsp:spPr>
+      <dsp:style>
+        <a:lnRef idx="2">
+          <a:scrgbClr r="0" g="0" b="0"/>
+        </a:lnRef>
+        <a:fillRef idx="1">
+          <a:scrgbClr r="0" g="0" b="0"/>
+        </a:fillRef>
+        <a:effectRef idx="0">
+          <a:scrgbClr r="0" g="0" b="0"/>
+        </a:effectRef>
+        <a:fontRef idx="minor">
+          <a:schemeClr val="lt1"/>
+        </a:fontRef>
+      </dsp:style>
+      <dsp:txBody>
+        <a:bodyPr spcFirstLastPara="0" vert="horz" wrap="square" lIns="58420" tIns="58420" rIns="58420" bIns="58420" numCol="1" spcCol="1270" anchor="ctr" anchorCtr="0">
+          <a:noAutofit/>
+        </a:bodyPr>
+        <a:lstStyle/>
+        <a:p>
+          <a:pPr marL="0" lvl="0" indent="0" algn="ctr" defTabSz="2044700">
+            <a:lnSpc>
+              <a:spcPct val="90000"/>
+            </a:lnSpc>
+            <a:spcBef>
+              <a:spcPct val="0"/>
+            </a:spcBef>
+            <a:spcAft>
+              <a:spcPct val="35000"/>
+            </a:spcAft>
+            <a:buNone/>
+          </a:pPr>
+          <a:r>
+            <a:rPr lang="en-US" sz="4600" kern="1200" dirty="0">
+              <a:solidFill>
+                <a:schemeClr val="tx1"/>
+              </a:solidFill>
+            </a:rPr>
+            <a:t>Green</a:t>
+          </a:r>
+        </a:p>
+      </dsp:txBody>
+      <dsp:txXfrm>
+        <a:off x="3231922" y="345465"/>
+        <a:ext cx="1664154" cy="1664154"/>
+      </dsp:txXfrm>
+    </dsp:sp>
+    <dsp:sp modelId="{E6FF22C7-8B38-4EF7-B544-548AD9BDF790}">
+      <dsp:nvSpPr>
+        <dsp:cNvPr id="0" name=""/>
+        <dsp:cNvSpPr/>
+      </dsp:nvSpPr>
+      <dsp:spPr>
+        <a:xfrm rot="3600000">
+          <a:off x="4625726" y="2296804"/>
+          <a:ext cx="627546" cy="794295"/>
+        </a:xfrm>
+        <a:prstGeom prst="rightArrow">
+          <a:avLst>
+            <a:gd name="adj1" fmla="val 60000"/>
+            <a:gd name="adj2" fmla="val 50000"/>
+          </a:avLst>
+        </a:prstGeom>
+        <a:solidFill>
+          <a:schemeClr val="accent1">
+            <a:tint val="60000"/>
+            <a:hueOff val="0"/>
+            <a:satOff val="0"/>
+            <a:lumOff val="0"/>
+            <a:alphaOff val="0"/>
+          </a:schemeClr>
+        </a:solidFill>
+        <a:ln>
+          <a:noFill/>
+        </a:ln>
+        <a:effectLst/>
+      </dsp:spPr>
+      <dsp:style>
+        <a:lnRef idx="0">
+          <a:scrgbClr r="0" g="0" b="0"/>
+        </a:lnRef>
+        <a:fillRef idx="1">
+          <a:scrgbClr r="0" g="0" b="0"/>
+        </a:fillRef>
+        <a:effectRef idx="0">
+          <a:scrgbClr r="0" g="0" b="0"/>
+        </a:effectRef>
+        <a:fontRef idx="minor">
+          <a:schemeClr val="lt1"/>
+        </a:fontRef>
+      </dsp:style>
+      <dsp:txBody>
+        <a:bodyPr spcFirstLastPara="0" vert="horz" wrap="square" lIns="0" tIns="0" rIns="0" bIns="0" numCol="1" spcCol="1270" anchor="ctr" anchorCtr="0">
+          <a:noAutofit/>
+        </a:bodyPr>
+        <a:lstStyle/>
+        <a:p>
+          <a:pPr marL="0" lvl="0" indent="0" algn="ctr" defTabSz="1511300">
+            <a:lnSpc>
+              <a:spcPct val="90000"/>
+            </a:lnSpc>
+            <a:spcBef>
+              <a:spcPct val="0"/>
+            </a:spcBef>
+            <a:spcAft>
+              <a:spcPct val="35000"/>
+            </a:spcAft>
+            <a:buNone/>
+          </a:pPr>
+          <a:endParaRPr lang="en-US" sz="3400" kern="1200"/>
+        </a:p>
+      </dsp:txBody>
+      <dsp:txXfrm>
+        <a:off x="4672792" y="2374142"/>
+        <a:ext cx="439282" cy="476577"/>
+      </dsp:txXfrm>
+    </dsp:sp>
+    <dsp:sp modelId="{CFB3C08C-5DED-4065-81BD-8684A74C3B3D}">
+      <dsp:nvSpPr>
+        <dsp:cNvPr id="0" name=""/>
+        <dsp:cNvSpPr/>
+      </dsp:nvSpPr>
+      <dsp:spPr>
+        <a:xfrm>
+          <a:off x="4656025" y="3064390"/>
+          <a:ext cx="2353468" cy="2353468"/>
+        </a:xfrm>
+        <a:prstGeom prst="ellipse">
+          <a:avLst/>
+        </a:prstGeom>
+        <a:solidFill>
+          <a:srgbClr val="FFFF00"/>
+        </a:solidFill>
+        <a:ln w="9525" cap="flat" cmpd="sng" algn="ctr">
+          <a:solidFill>
+            <a:schemeClr val="tx1"/>
+          </a:solidFill>
+          <a:prstDash val="solid"/>
+          <a:miter lim="800000"/>
+        </a:ln>
+        <a:effectLst/>
+      </dsp:spPr>
+      <dsp:style>
+        <a:lnRef idx="2">
+          <a:scrgbClr r="0" g="0" b="0"/>
+        </a:lnRef>
+        <a:fillRef idx="1">
+          <a:scrgbClr r="0" g="0" b="0"/>
+        </a:fillRef>
+        <a:effectRef idx="0">
+          <a:scrgbClr r="0" g="0" b="0"/>
+        </a:effectRef>
+        <a:fontRef idx="minor">
+          <a:schemeClr val="lt1"/>
+        </a:fontRef>
+      </dsp:style>
+      <dsp:txBody>
+        <a:bodyPr spcFirstLastPara="0" vert="horz" wrap="square" lIns="58420" tIns="58420" rIns="58420" bIns="58420" numCol="1" spcCol="1270" anchor="ctr" anchorCtr="0">
+          <a:noAutofit/>
+        </a:bodyPr>
+        <a:lstStyle/>
+        <a:p>
+          <a:pPr marL="0" lvl="0" indent="0" algn="ctr" defTabSz="2044700">
+            <a:lnSpc>
+              <a:spcPct val="90000"/>
+            </a:lnSpc>
+            <a:spcBef>
+              <a:spcPct val="0"/>
+            </a:spcBef>
+            <a:spcAft>
+              <a:spcPct val="35000"/>
+            </a:spcAft>
+            <a:buNone/>
+          </a:pPr>
+          <a:r>
+            <a:rPr lang="en-US" sz="4600" kern="1200" dirty="0">
+              <a:solidFill>
+                <a:schemeClr val="tx1"/>
+              </a:solidFill>
+            </a:rPr>
+            <a:t>Yellow</a:t>
+          </a:r>
+        </a:p>
+      </dsp:txBody>
+      <dsp:txXfrm>
+        <a:off x="5000682" y="3409047"/>
+        <a:ext cx="1664154" cy="1664154"/>
+      </dsp:txXfrm>
+    </dsp:sp>
+    <dsp:sp modelId="{87335E5A-F2DD-411B-B34B-D7BE07758845}">
+      <dsp:nvSpPr>
+        <dsp:cNvPr id="0" name=""/>
+        <dsp:cNvSpPr/>
+      </dsp:nvSpPr>
+      <dsp:spPr>
+        <a:xfrm rot="10800000">
+          <a:off x="3767987" y="3843976"/>
+          <a:ext cx="627546" cy="794295"/>
+        </a:xfrm>
+        <a:prstGeom prst="rightArrow">
+          <a:avLst>
+            <a:gd name="adj1" fmla="val 60000"/>
+            <a:gd name="adj2" fmla="val 50000"/>
+          </a:avLst>
+        </a:prstGeom>
+        <a:solidFill>
+          <a:schemeClr val="accent1">
+            <a:tint val="60000"/>
+            <a:hueOff val="0"/>
+            <a:satOff val="0"/>
+            <a:lumOff val="0"/>
+            <a:alphaOff val="0"/>
+          </a:schemeClr>
+        </a:solidFill>
+        <a:ln>
+          <a:noFill/>
+        </a:ln>
+        <a:effectLst/>
+      </dsp:spPr>
+      <dsp:style>
+        <a:lnRef idx="0">
+          <a:scrgbClr r="0" g="0" b="0"/>
+        </a:lnRef>
+        <a:fillRef idx="1">
+          <a:scrgbClr r="0" g="0" b="0"/>
+        </a:fillRef>
+        <a:effectRef idx="0">
+          <a:scrgbClr r="0" g="0" b="0"/>
+        </a:effectRef>
+        <a:fontRef idx="minor">
+          <a:schemeClr val="lt1"/>
+        </a:fontRef>
+      </dsp:style>
+      <dsp:txBody>
+        <a:bodyPr spcFirstLastPara="0" vert="horz" wrap="square" lIns="0" tIns="0" rIns="0" bIns="0" numCol="1" spcCol="1270" anchor="ctr" anchorCtr="0">
+          <a:noAutofit/>
+        </a:bodyPr>
+        <a:lstStyle/>
+        <a:p>
+          <a:pPr marL="0" lvl="0" indent="0" algn="ctr" defTabSz="1511300">
+            <a:lnSpc>
+              <a:spcPct val="90000"/>
+            </a:lnSpc>
+            <a:spcBef>
+              <a:spcPct val="0"/>
+            </a:spcBef>
+            <a:spcAft>
+              <a:spcPct val="35000"/>
+            </a:spcAft>
+            <a:buNone/>
+          </a:pPr>
+          <a:endParaRPr lang="en-US" sz="3400" kern="1200"/>
+        </a:p>
+      </dsp:txBody>
+      <dsp:txXfrm rot="10800000">
+        <a:off x="3956251" y="4002835"/>
+        <a:ext cx="439282" cy="476577"/>
+      </dsp:txXfrm>
+    </dsp:sp>
+    <dsp:sp modelId="{A62CED70-C8CA-4DFB-8B3B-6D66ED483168}">
+      <dsp:nvSpPr>
+        <dsp:cNvPr id="0" name=""/>
+        <dsp:cNvSpPr/>
+      </dsp:nvSpPr>
+      <dsp:spPr>
+        <a:xfrm>
+          <a:off x="1118505" y="3064390"/>
+          <a:ext cx="2353468" cy="2353468"/>
+        </a:xfrm>
+        <a:prstGeom prst="ellipse">
+          <a:avLst/>
+        </a:prstGeom>
+        <a:solidFill>
+          <a:srgbClr val="FF0000"/>
+        </a:solidFill>
+        <a:ln w="12700" cap="flat" cmpd="sng" algn="ctr">
+          <a:solidFill>
+            <a:schemeClr val="lt1">
+              <a:hueOff val="0"/>
+              <a:satOff val="0"/>
+              <a:lumOff val="0"/>
+              <a:alphaOff val="0"/>
+            </a:schemeClr>
+          </a:solidFill>
+          <a:prstDash val="solid"/>
+          <a:miter lim="800000"/>
+        </a:ln>
+        <a:effectLst/>
+      </dsp:spPr>
+      <dsp:style>
+        <a:lnRef idx="2">
+          <a:scrgbClr r="0" g="0" b="0"/>
+        </a:lnRef>
+        <a:fillRef idx="1">
+          <a:scrgbClr r="0" g="0" b="0"/>
+        </a:fillRef>
+        <a:effectRef idx="0">
+          <a:scrgbClr r="0" g="0" b="0"/>
+        </a:effectRef>
+        <a:fontRef idx="minor">
+          <a:schemeClr val="lt1"/>
+        </a:fontRef>
+      </dsp:style>
+      <dsp:txBody>
+        <a:bodyPr spcFirstLastPara="0" vert="horz" wrap="square" lIns="58420" tIns="58420" rIns="58420" bIns="58420" numCol="1" spcCol="1270" anchor="ctr" anchorCtr="0">
+          <a:noAutofit/>
+        </a:bodyPr>
+        <a:lstStyle/>
+        <a:p>
+          <a:pPr marL="0" lvl="0" indent="0" algn="ctr" defTabSz="2044700">
+            <a:lnSpc>
+              <a:spcPct val="90000"/>
+            </a:lnSpc>
+            <a:spcBef>
+              <a:spcPct val="0"/>
+            </a:spcBef>
+            <a:spcAft>
+              <a:spcPct val="35000"/>
+            </a:spcAft>
+            <a:buNone/>
+          </a:pPr>
+          <a:r>
+            <a:rPr lang="en-US" sz="4600" kern="1200" dirty="0">
+              <a:solidFill>
+                <a:schemeClr val="tx1"/>
+              </a:solidFill>
+            </a:rPr>
+            <a:t>Red</a:t>
+          </a:r>
+        </a:p>
+      </dsp:txBody>
+      <dsp:txXfrm>
+        <a:off x="1463162" y="3409047"/>
+        <a:ext cx="1664154" cy="1664154"/>
+      </dsp:txXfrm>
+    </dsp:sp>
+    <dsp:sp modelId="{A405A97B-7D98-424D-8A3F-23EBB4D2762F}">
+      <dsp:nvSpPr>
+        <dsp:cNvPr id="0" name=""/>
+        <dsp:cNvSpPr/>
+      </dsp:nvSpPr>
+      <dsp:spPr>
+        <a:xfrm rot="18000000">
+          <a:off x="2856966" y="2327566"/>
+          <a:ext cx="627546" cy="794295"/>
+        </a:xfrm>
+        <a:prstGeom prst="rightArrow">
+          <a:avLst>
+            <a:gd name="adj1" fmla="val 60000"/>
+            <a:gd name="adj2" fmla="val 50000"/>
+          </a:avLst>
+        </a:prstGeom>
+        <a:solidFill>
+          <a:schemeClr val="accent1">
+            <a:tint val="60000"/>
+            <a:hueOff val="0"/>
+            <a:satOff val="0"/>
+            <a:lumOff val="0"/>
+            <a:alphaOff val="0"/>
+          </a:schemeClr>
+        </a:solidFill>
+        <a:ln>
+          <a:noFill/>
+        </a:ln>
+        <a:effectLst/>
+      </dsp:spPr>
+      <dsp:style>
+        <a:lnRef idx="0">
+          <a:scrgbClr r="0" g="0" b="0"/>
+        </a:lnRef>
+        <a:fillRef idx="1">
+          <a:scrgbClr r="0" g="0" b="0"/>
+        </a:fillRef>
+        <a:effectRef idx="0">
+          <a:scrgbClr r="0" g="0" b="0"/>
+        </a:effectRef>
+        <a:fontRef idx="minor">
+          <a:schemeClr val="lt1"/>
+        </a:fontRef>
+      </dsp:style>
+      <dsp:txBody>
+        <a:bodyPr spcFirstLastPara="0" vert="horz" wrap="square" lIns="0" tIns="0" rIns="0" bIns="0" numCol="1" spcCol="1270" anchor="ctr" anchorCtr="0">
+          <a:noAutofit/>
+        </a:bodyPr>
+        <a:lstStyle/>
+        <a:p>
+          <a:pPr marL="0" lvl="0" indent="0" algn="ctr" defTabSz="1511300">
+            <a:lnSpc>
+              <a:spcPct val="90000"/>
+            </a:lnSpc>
+            <a:spcBef>
+              <a:spcPct val="0"/>
+            </a:spcBef>
+            <a:spcAft>
+              <a:spcPct val="35000"/>
+            </a:spcAft>
+            <a:buNone/>
           </a:pPr>
           <a:endParaRPr lang="en-US" sz="3400" kern="1200"/>
         </a:p>
@@ -1650,6 +3022,217 @@
 </file>
 
 <file path=ppt/diagrams/layout1.xml><?xml version="1.0" encoding="utf-8"?>
+<dgm:layoutDef xmlns:dgm="http://schemas.openxmlformats.org/drawingml/2006/diagram" xmlns:a="http://schemas.openxmlformats.org/drawingml/2006/main" uniqueId="urn:microsoft.com/office/officeart/2005/8/layout/cycle2">
+  <dgm:title val=""/>
+  <dgm:desc val=""/>
+  <dgm:catLst>
+    <dgm:cat type="cycle" pri="1000"/>
+    <dgm:cat type="convert" pri="10000"/>
+  </dgm:catLst>
+  <dgm:sampData>
+    <dgm:dataModel>
+      <dgm:ptLst>
+        <dgm:pt modelId="0" type="doc"/>
+        <dgm:pt modelId="1">
+          <dgm:prSet phldr="1"/>
+        </dgm:pt>
+        <dgm:pt modelId="2">
+          <dgm:prSet phldr="1"/>
+        </dgm:pt>
+        <dgm:pt modelId="3">
+          <dgm:prSet phldr="1"/>
+        </dgm:pt>
+        <dgm:pt modelId="4">
+          <dgm:prSet phldr="1"/>
+        </dgm:pt>
+        <dgm:pt modelId="5">
+          <dgm:prSet phldr="1"/>
+        </dgm:pt>
+      </dgm:ptLst>
+      <dgm:cxnLst>
+        <dgm:cxn modelId="6" srcId="0" destId="1" srcOrd="0" destOrd="0"/>
+        <dgm:cxn modelId="7" srcId="0" destId="2" srcOrd="1" destOrd="0"/>
+        <dgm:cxn modelId="8" srcId="0" destId="3" srcOrd="2" destOrd="0"/>
+        <dgm:cxn modelId="9" srcId="0" destId="4" srcOrd="3" destOrd="0"/>
+        <dgm:cxn modelId="10" srcId="0" destId="5" srcOrd="4" destOrd="0"/>
+      </dgm:cxnLst>
+      <dgm:bg/>
+      <dgm:whole/>
+    </dgm:dataModel>
+  </dgm:sampData>
+  <dgm:styleData>
+    <dgm:dataModel>
+      <dgm:ptLst>
+        <dgm:pt modelId="0" type="doc"/>
+        <dgm:pt modelId="1"/>
+        <dgm:pt modelId="2"/>
+        <dgm:pt modelId="3"/>
+      </dgm:ptLst>
+      <dgm:cxnLst>
+        <dgm:cxn modelId="4" srcId="0" destId="1" srcOrd="0" destOrd="0"/>
+        <dgm:cxn modelId="5" srcId="0" destId="2" srcOrd="1" destOrd="0"/>
+        <dgm:cxn modelId="6" srcId="0" destId="3" srcOrd="2" destOrd="0"/>
+      </dgm:cxnLst>
+      <dgm:bg/>
+      <dgm:whole/>
+    </dgm:dataModel>
+  </dgm:styleData>
+  <dgm:clrData>
+    <dgm:dataModel>
+      <dgm:ptLst>
+        <dgm:pt modelId="0" type="doc"/>
+        <dgm:pt modelId="1"/>
+        <dgm:pt modelId="2"/>
+        <dgm:pt modelId="3"/>
+        <dgm:pt modelId="4"/>
+        <dgm:pt modelId="5"/>
+        <dgm:pt modelId="6"/>
+      </dgm:ptLst>
+      <dgm:cxnLst>
+        <dgm:cxn modelId="7" srcId="0" destId="1" srcOrd="0" destOrd="0"/>
+        <dgm:cxn modelId="8" srcId="0" destId="2" srcOrd="1" destOrd="0"/>
+        <dgm:cxn modelId="9" srcId="0" destId="3" srcOrd="2" destOrd="0"/>
+        <dgm:cxn modelId="10" srcId="0" destId="4" srcOrd="3" destOrd="0"/>
+        <dgm:cxn modelId="11" srcId="0" destId="5" srcOrd="4" destOrd="0"/>
+        <dgm:cxn modelId="12" srcId="0" destId="6" srcOrd="5" destOrd="0"/>
+      </dgm:cxnLst>
+      <dgm:bg/>
+      <dgm:whole/>
+    </dgm:dataModel>
+  </dgm:clrData>
+  <dgm:layoutNode name="cycle">
+    <dgm:varLst>
+      <dgm:dir/>
+      <dgm:resizeHandles val="exact"/>
+    </dgm:varLst>
+    <dgm:choose name="Name0">
+      <dgm:if name="Name1" func="var" arg="dir" op="equ" val="norm">
+        <dgm:choose name="Name2">
+          <dgm:if name="Name3" axis="ch" ptType="node" func="cnt" op="gt" val="2">
+            <dgm:alg type="cycle">
+              <dgm:param type="stAng" val="0"/>
+              <dgm:param type="spanAng" val="360"/>
+            </dgm:alg>
+          </dgm:if>
+          <dgm:else name="Name4">
+            <dgm:alg type="cycle">
+              <dgm:param type="stAng" val="-90"/>
+              <dgm:param type="spanAng" val="360"/>
+            </dgm:alg>
+          </dgm:else>
+        </dgm:choose>
+      </dgm:if>
+      <dgm:else name="Name5">
+        <dgm:choose name="Name6">
+          <dgm:if name="Name7" axis="ch" ptType="node" func="cnt" op="gt" val="2">
+            <dgm:alg type="cycle">
+              <dgm:param type="stAng" val="0"/>
+              <dgm:param type="spanAng" val="-360"/>
+            </dgm:alg>
+          </dgm:if>
+          <dgm:else name="Name8">
+            <dgm:alg type="cycle">
+              <dgm:param type="stAng" val="90"/>
+              <dgm:param type="spanAng" val="-360"/>
+            </dgm:alg>
+          </dgm:else>
+        </dgm:choose>
+      </dgm:else>
+    </dgm:choose>
+    <dgm:shape xmlns:r="http://schemas.openxmlformats.org/officeDocument/2006/relationships" r:blip="">
+      <dgm:adjLst/>
+    </dgm:shape>
+    <dgm:presOf/>
+    <dgm:constrLst>
+      <dgm:constr type="w" for="ch" ptType="node" refType="w"/>
+      <dgm:constr type="w" for="ch" ptType="sibTrans" refType="w" refFor="ch" refPtType="node" op="equ" fact="0.25"/>
+      <dgm:constr type="sibSp" refType="w" refFor="ch" refPtType="node" fact="0.5"/>
+      <dgm:constr type="primFontSz" for="ch" ptType="node" op="equ" val="65"/>
+      <dgm:constr type="primFontSz" for="des" forName="connectorText" op="equ" val="55"/>
+      <dgm:constr type="primFontSz" for="des" forName="connectorText" refType="primFontSz" refFor="ch" refPtType="node" op="lte" fact="0.8"/>
+    </dgm:constrLst>
+    <dgm:ruleLst/>
+    <dgm:forEach name="nodesForEach" axis="ch" ptType="node">
+      <dgm:layoutNode name="node">
+        <dgm:varLst>
+          <dgm:bulletEnabled val="1"/>
+        </dgm:varLst>
+        <dgm:alg type="tx">
+          <dgm:param type="txAnchorVertCh" val="mid"/>
+        </dgm:alg>
+        <dgm:shape xmlns:r="http://schemas.openxmlformats.org/officeDocument/2006/relationships" type="ellipse" r:blip="">
+          <dgm:adjLst/>
+        </dgm:shape>
+        <dgm:presOf axis="desOrSelf" ptType="node"/>
+        <dgm:constrLst>
+          <dgm:constr type="h" refType="w"/>
+          <dgm:constr type="lMarg" refType="primFontSz" fact="0.1"/>
+          <dgm:constr type="rMarg" refType="primFontSz" fact="0.1"/>
+          <dgm:constr type="tMarg" refType="primFontSz" fact="0.1"/>
+          <dgm:constr type="bMarg" refType="primFontSz" fact="0.1"/>
+        </dgm:constrLst>
+        <dgm:ruleLst>
+          <dgm:rule type="primFontSz" val="5" fact="NaN" max="NaN"/>
+        </dgm:ruleLst>
+      </dgm:layoutNode>
+      <dgm:choose name="Name9">
+        <dgm:if name="Name10" axis="par ch" ptType="doc node" func="cnt" op="gt" val="1">
+          <dgm:forEach name="sibTransForEach" axis="followSib" ptType="sibTrans" hideLastTrans="0" cnt="1">
+            <dgm:layoutNode name="sibTrans">
+              <dgm:choose name="Name11">
+                <dgm:if name="Name12" axis="par ch" ptType="doc node" func="cnt" op="lt" val="3">
+                  <dgm:alg type="conn">
+                    <dgm:param type="begPts" val="radial"/>
+                    <dgm:param type="endPts" val="radial"/>
+                  </dgm:alg>
+                </dgm:if>
+                <dgm:else name="Name13">
+                  <dgm:alg type="conn">
+                    <dgm:param type="begPts" val="auto"/>
+                    <dgm:param type="endPts" val="auto"/>
+                  </dgm:alg>
+                </dgm:else>
+              </dgm:choose>
+              <dgm:shape xmlns:r="http://schemas.openxmlformats.org/officeDocument/2006/relationships" type="conn" r:blip="">
+                <dgm:adjLst/>
+              </dgm:shape>
+              <dgm:presOf axis="self"/>
+              <dgm:constrLst>
+                <dgm:constr type="h" refType="w" fact="1.35"/>
+                <dgm:constr type="connDist"/>
+                <dgm:constr type="w" for="ch" refType="connDist" fact="0.45"/>
+                <dgm:constr type="h" for="ch" refType="h"/>
+              </dgm:constrLst>
+              <dgm:ruleLst/>
+              <dgm:layoutNode name="connectorText">
+                <dgm:alg type="tx">
+                  <dgm:param type="autoTxRot" val="grav"/>
+                </dgm:alg>
+                <dgm:shape xmlns:r="http://schemas.openxmlformats.org/officeDocument/2006/relationships" type="conn" r:blip="" hideGeom="1">
+                  <dgm:adjLst/>
+                </dgm:shape>
+                <dgm:presOf axis="self"/>
+                <dgm:constrLst>
+                  <dgm:constr type="lMarg"/>
+                  <dgm:constr type="rMarg"/>
+                  <dgm:constr type="tMarg"/>
+                  <dgm:constr type="bMarg"/>
+                </dgm:constrLst>
+                <dgm:ruleLst>
+                  <dgm:rule type="primFontSz" val="5" fact="NaN" max="NaN"/>
+                </dgm:ruleLst>
+              </dgm:layoutNode>
+            </dgm:layoutNode>
+          </dgm:forEach>
+        </dgm:if>
+        <dgm:else name="Name14"/>
+      </dgm:choose>
+    </dgm:forEach>
+  </dgm:layoutNode>
+</dgm:layoutDef>
+</file>
+
+<file path=ppt/diagrams/layout2.xml><?xml version="1.0" encoding="utf-8"?>
 <dgm:layoutDef xmlns:dgm="http://schemas.openxmlformats.org/drawingml/2006/diagram" xmlns:a="http://schemas.openxmlformats.org/drawingml/2006/main" uniqueId="urn:microsoft.com/office/officeart/2005/8/layout/cycle2">
   <dgm:title val=""/>
   <dgm:desc val=""/>
@@ -2894,6 +4477,1040 @@
 </dgm:styleDef>
 </file>
 
+<file path=ppt/diagrams/quickStyle2.xml><?xml version="1.0" encoding="utf-8"?>
+<dgm:styleDef xmlns:dgm="http://schemas.openxmlformats.org/drawingml/2006/diagram" xmlns:a="http://schemas.openxmlformats.org/drawingml/2006/main" uniqueId="urn:microsoft.com/office/officeart/2005/8/quickstyle/simple1">
+  <dgm:title val=""/>
+  <dgm:desc val=""/>
+  <dgm:catLst>
+    <dgm:cat type="simple" pri="10100"/>
+  </dgm:catLst>
+  <dgm:scene3d>
+    <a:camera prst="orthographicFront"/>
+    <a:lightRig rig="threePt" dir="t"/>
+  </dgm:scene3d>
+  <dgm:styleLbl name="node0">
+    <dgm:scene3d>
+      <a:camera prst="orthographicFront"/>
+      <a:lightRig rig="threePt" dir="t"/>
+    </dgm:scene3d>
+    <dgm:sp3d/>
+    <dgm:txPr/>
+    <dgm:style>
+      <a:lnRef idx="2">
+        <a:scrgbClr r="0" g="0" b="0"/>
+      </a:lnRef>
+      <a:fillRef idx="1">
+        <a:scrgbClr r="0" g="0" b="0"/>
+      </a:fillRef>
+      <a:effectRef idx="0">
+        <a:scrgbClr r="0" g="0" b="0"/>
+      </a:effectRef>
+      <a:fontRef idx="minor">
+        <a:schemeClr val="lt1"/>
+      </a:fontRef>
+    </dgm:style>
+  </dgm:styleLbl>
+  <dgm:styleLbl name="lnNode1">
+    <dgm:scene3d>
+      <a:camera prst="orthographicFront"/>
+      <a:lightRig rig="threePt" dir="t"/>
+    </dgm:scene3d>
+    <dgm:sp3d/>
+    <dgm:txPr/>
+    <dgm:style>
+      <a:lnRef idx="2">
+        <a:scrgbClr r="0" g="0" b="0"/>
+      </a:lnRef>
+      <a:fillRef idx="1">
+        <a:scrgbClr r="0" g="0" b="0"/>
+      </a:fillRef>
+      <a:effectRef idx="0">
+        <a:scrgbClr r="0" g="0" b="0"/>
+      </a:effectRef>
+      <a:fontRef idx="minor">
+        <a:schemeClr val="lt1"/>
+      </a:fontRef>
+    </dgm:style>
+  </dgm:styleLbl>
+  <dgm:styleLbl name="vennNode1">
+    <dgm:scene3d>
+      <a:camera prst="orthographicFront"/>
+      <a:lightRig rig="threePt" dir="t"/>
+    </dgm:scene3d>
+    <dgm:sp3d/>
+    <dgm:txPr/>
+    <dgm:style>
+      <a:lnRef idx="2">
+        <a:scrgbClr r="0" g="0" b="0"/>
+      </a:lnRef>
+      <a:fillRef idx="1">
+        <a:scrgbClr r="0" g="0" b="0"/>
+      </a:fillRef>
+      <a:effectRef idx="0">
+        <a:scrgbClr r="0" g="0" b="0"/>
+      </a:effectRef>
+      <a:fontRef idx="minor">
+        <a:schemeClr val="tx1"/>
+      </a:fontRef>
+    </dgm:style>
+  </dgm:styleLbl>
+  <dgm:styleLbl name="alignNode1">
+    <dgm:scene3d>
+      <a:camera prst="orthographicFront"/>
+      <a:lightRig rig="threePt" dir="t"/>
+    </dgm:scene3d>
+    <dgm:sp3d/>
+    <dgm:txPr/>
+    <dgm:style>
+      <a:lnRef idx="2">
+        <a:scrgbClr r="0" g="0" b="0"/>
+      </a:lnRef>
+      <a:fillRef idx="1">
+        <a:scrgbClr r="0" g="0" b="0"/>
+      </a:fillRef>
+      <a:effectRef idx="0">
+        <a:scrgbClr r="0" g="0" b="0"/>
+      </a:effectRef>
+      <a:fontRef idx="minor">
+        <a:schemeClr val="lt1"/>
+      </a:fontRef>
+    </dgm:style>
+  </dgm:styleLbl>
+  <dgm:styleLbl name="node1">
+    <dgm:scene3d>
+      <a:camera prst="orthographicFront"/>
+      <a:lightRig rig="threePt" dir="t"/>
+    </dgm:scene3d>
+    <dgm:sp3d/>
+    <dgm:txPr/>
+    <dgm:style>
+      <a:lnRef idx="2">
+        <a:scrgbClr r="0" g="0" b="0"/>
+      </a:lnRef>
+      <a:fillRef idx="1">
+        <a:scrgbClr r="0" g="0" b="0"/>
+      </a:fillRef>
+      <a:effectRef idx="0">
+        <a:scrgbClr r="0" g="0" b="0"/>
+      </a:effectRef>
+      <a:fontRef idx="minor">
+        <a:schemeClr val="lt1"/>
+      </a:fontRef>
+    </dgm:style>
+  </dgm:styleLbl>
+  <dgm:styleLbl name="node2">
+    <dgm:scene3d>
+      <a:camera prst="orthographicFront"/>
+      <a:lightRig rig="threePt" dir="t"/>
+    </dgm:scene3d>
+    <dgm:sp3d/>
+    <dgm:txPr/>
+    <dgm:style>
+      <a:lnRef idx="2">
+        <a:scrgbClr r="0" g="0" b="0"/>
+      </a:lnRef>
+      <a:fillRef idx="1">
+        <a:scrgbClr r="0" g="0" b="0"/>
+      </a:fillRef>
+      <a:effectRef idx="0">
+        <a:scrgbClr r="0" g="0" b="0"/>
+      </a:effectRef>
+      <a:fontRef idx="minor">
+        <a:schemeClr val="lt1"/>
+      </a:fontRef>
+    </dgm:style>
+  </dgm:styleLbl>
+  <dgm:styleLbl name="node3">
+    <dgm:scene3d>
+      <a:camera prst="orthographicFront"/>
+      <a:lightRig rig="threePt" dir="t"/>
+    </dgm:scene3d>
+    <dgm:sp3d/>
+    <dgm:txPr/>
+    <dgm:style>
+      <a:lnRef idx="2">
+        <a:scrgbClr r="0" g="0" b="0"/>
+      </a:lnRef>
+      <a:fillRef idx="1">
+        <a:scrgbClr r="0" g="0" b="0"/>
+      </a:fillRef>
+      <a:effectRef idx="0">
+        <a:scrgbClr r="0" g="0" b="0"/>
+      </a:effectRef>
+      <a:fontRef idx="minor">
+        <a:schemeClr val="lt1"/>
+      </a:fontRef>
+    </dgm:style>
+  </dgm:styleLbl>
+  <dgm:styleLbl name="node4">
+    <dgm:scene3d>
+      <a:camera prst="orthographicFront"/>
+      <a:lightRig rig="threePt" dir="t"/>
+    </dgm:scene3d>
+    <dgm:sp3d/>
+    <dgm:txPr/>
+    <dgm:style>
+      <a:lnRef idx="2">
+        <a:scrgbClr r="0" g="0" b="0"/>
+      </a:lnRef>
+      <a:fillRef idx="1">
+        <a:scrgbClr r="0" g="0" b="0"/>
+      </a:fillRef>
+      <a:effectRef idx="0">
+        <a:scrgbClr r="0" g="0" b="0"/>
+      </a:effectRef>
+      <a:fontRef idx="minor">
+        <a:schemeClr val="lt1"/>
+      </a:fontRef>
+    </dgm:style>
+  </dgm:styleLbl>
+  <dgm:styleLbl name="fgImgPlace1">
+    <dgm:scene3d>
+      <a:camera prst="orthographicFront"/>
+      <a:lightRig rig="threePt" dir="t"/>
+    </dgm:scene3d>
+    <dgm:sp3d/>
+    <dgm:txPr/>
+    <dgm:style>
+      <a:lnRef idx="2">
+        <a:scrgbClr r="0" g="0" b="0"/>
+      </a:lnRef>
+      <a:fillRef idx="1">
+        <a:scrgbClr r="0" g="0" b="0"/>
+      </a:fillRef>
+      <a:effectRef idx="0">
+        <a:scrgbClr r="0" g="0" b="0"/>
+      </a:effectRef>
+      <a:fontRef idx="minor"/>
+    </dgm:style>
+  </dgm:styleLbl>
+  <dgm:styleLbl name="alignImgPlace1">
+    <dgm:scene3d>
+      <a:camera prst="orthographicFront"/>
+      <a:lightRig rig="threePt" dir="t"/>
+    </dgm:scene3d>
+    <dgm:sp3d/>
+    <dgm:txPr/>
+    <dgm:style>
+      <a:lnRef idx="2">
+        <a:scrgbClr r="0" g="0" b="0"/>
+      </a:lnRef>
+      <a:fillRef idx="1">
+        <a:scrgbClr r="0" g="0" b="0"/>
+      </a:fillRef>
+      <a:effectRef idx="0">
+        <a:scrgbClr r="0" g="0" b="0"/>
+      </a:effectRef>
+      <a:fontRef idx="minor"/>
+    </dgm:style>
+  </dgm:styleLbl>
+  <dgm:styleLbl name="bgImgPlace1">
+    <dgm:scene3d>
+      <a:camera prst="orthographicFront"/>
+      <a:lightRig rig="threePt" dir="t"/>
+    </dgm:scene3d>
+    <dgm:sp3d/>
+    <dgm:txPr/>
+    <dgm:style>
+      <a:lnRef idx="2">
+        <a:scrgbClr r="0" g="0" b="0"/>
+      </a:lnRef>
+      <a:fillRef idx="1">
+        <a:scrgbClr r="0" g="0" b="0"/>
+      </a:fillRef>
+      <a:effectRef idx="0">
+        <a:scrgbClr r="0" g="0" b="0"/>
+      </a:effectRef>
+      <a:fontRef idx="minor"/>
+    </dgm:style>
+  </dgm:styleLbl>
+  <dgm:styleLbl name="sibTrans2D1">
+    <dgm:scene3d>
+      <a:camera prst="orthographicFront"/>
+      <a:lightRig rig="threePt" dir="t"/>
+    </dgm:scene3d>
+    <dgm:sp3d/>
+    <dgm:txPr/>
+    <dgm:style>
+      <a:lnRef idx="0">
+        <a:scrgbClr r="0" g="0" b="0"/>
+      </a:lnRef>
+      <a:fillRef idx="1">
+        <a:scrgbClr r="0" g="0" b="0"/>
+      </a:fillRef>
+      <a:effectRef idx="0">
+        <a:scrgbClr r="0" g="0" b="0"/>
+      </a:effectRef>
+      <a:fontRef idx="minor">
+        <a:schemeClr val="lt1"/>
+      </a:fontRef>
+    </dgm:style>
+  </dgm:styleLbl>
+  <dgm:styleLbl name="fgSibTrans2D1">
+    <dgm:scene3d>
+      <a:camera prst="orthographicFront"/>
+      <a:lightRig rig="threePt" dir="t"/>
+    </dgm:scene3d>
+    <dgm:sp3d/>
+    <dgm:txPr/>
+    <dgm:style>
+      <a:lnRef idx="0">
+        <a:scrgbClr r="0" g="0" b="0"/>
+      </a:lnRef>
+      <a:fillRef idx="1">
+        <a:scrgbClr r="0" g="0" b="0"/>
+      </a:fillRef>
+      <a:effectRef idx="0">
+        <a:scrgbClr r="0" g="0" b="0"/>
+      </a:effectRef>
+      <a:fontRef idx="minor">
+        <a:schemeClr val="lt1"/>
+      </a:fontRef>
+    </dgm:style>
+  </dgm:styleLbl>
+  <dgm:styleLbl name="bgSibTrans2D1">
+    <dgm:scene3d>
+      <a:camera prst="orthographicFront"/>
+      <a:lightRig rig="threePt" dir="t"/>
+    </dgm:scene3d>
+    <dgm:sp3d/>
+    <dgm:txPr/>
+    <dgm:style>
+      <a:lnRef idx="0">
+        <a:scrgbClr r="0" g="0" b="0"/>
+      </a:lnRef>
+      <a:fillRef idx="1">
+        <a:scrgbClr r="0" g="0" b="0"/>
+      </a:fillRef>
+      <a:effectRef idx="0">
+        <a:scrgbClr r="0" g="0" b="0"/>
+      </a:effectRef>
+      <a:fontRef idx="minor">
+        <a:schemeClr val="lt1"/>
+      </a:fontRef>
+    </dgm:style>
+  </dgm:styleLbl>
+  <dgm:styleLbl name="sibTrans1D1">
+    <dgm:scene3d>
+      <a:camera prst="orthographicFront"/>
+      <a:lightRig rig="threePt" dir="t"/>
+    </dgm:scene3d>
+    <dgm:sp3d/>
+    <dgm:txPr/>
+    <dgm:style>
+      <a:lnRef idx="1">
+        <a:scrgbClr r="0" g="0" b="0"/>
+      </a:lnRef>
+      <a:fillRef idx="0">
+        <a:scrgbClr r="0" g="0" b="0"/>
+      </a:fillRef>
+      <a:effectRef idx="0">
+        <a:scrgbClr r="0" g="0" b="0"/>
+      </a:effectRef>
+      <a:fontRef idx="minor"/>
+    </dgm:style>
+  </dgm:styleLbl>
+  <dgm:styleLbl name="callout">
+    <dgm:scene3d>
+      <a:camera prst="orthographicFront"/>
+      <a:lightRig rig="threePt" dir="t"/>
+    </dgm:scene3d>
+    <dgm:sp3d/>
+    <dgm:txPr/>
+    <dgm:style>
+      <a:lnRef idx="2">
+        <a:scrgbClr r="0" g="0" b="0"/>
+      </a:lnRef>
+      <a:fillRef idx="1">
+        <a:scrgbClr r="0" g="0" b="0"/>
+      </a:fillRef>
+      <a:effectRef idx="0">
+        <a:scrgbClr r="0" g="0" b="0"/>
+      </a:effectRef>
+      <a:fontRef idx="minor"/>
+    </dgm:style>
+  </dgm:styleLbl>
+  <dgm:styleLbl name="asst0">
+    <dgm:scene3d>
+      <a:camera prst="orthographicFront"/>
+      <a:lightRig rig="threePt" dir="t"/>
+    </dgm:scene3d>
+    <dgm:sp3d/>
+    <dgm:txPr/>
+    <dgm:style>
+      <a:lnRef idx="2">
+        <a:scrgbClr r="0" g="0" b="0"/>
+      </a:lnRef>
+      <a:fillRef idx="1">
+        <a:scrgbClr r="0" g="0" b="0"/>
+      </a:fillRef>
+      <a:effectRef idx="0">
+        <a:scrgbClr r="0" g="0" b="0"/>
+      </a:effectRef>
+      <a:fontRef idx="minor">
+        <a:schemeClr val="lt1"/>
+      </a:fontRef>
+    </dgm:style>
+  </dgm:styleLbl>
+  <dgm:styleLbl name="asst1">
+    <dgm:scene3d>
+      <a:camera prst="orthographicFront"/>
+      <a:lightRig rig="threePt" dir="t"/>
+    </dgm:scene3d>
+    <dgm:sp3d/>
+    <dgm:txPr/>
+    <dgm:style>
+      <a:lnRef idx="2">
+        <a:scrgbClr r="0" g="0" b="0"/>
+      </a:lnRef>
+      <a:fillRef idx="1">
+        <a:scrgbClr r="0" g="0" b="0"/>
+      </a:fillRef>
+      <a:effectRef idx="0">
+        <a:scrgbClr r="0" g="0" b="0"/>
+      </a:effectRef>
+      <a:fontRef idx="minor">
+        <a:schemeClr val="lt1"/>
+      </a:fontRef>
+    </dgm:style>
+  </dgm:styleLbl>
+  <dgm:styleLbl name="asst2">
+    <dgm:scene3d>
+      <a:camera prst="orthographicFront"/>
+      <a:lightRig rig="threePt" dir="t"/>
+    </dgm:scene3d>
+    <dgm:sp3d/>
+    <dgm:txPr/>
+    <dgm:style>
+      <a:lnRef idx="2">
+        <a:scrgbClr r="0" g="0" b="0"/>
+      </a:lnRef>
+      <a:fillRef idx="1">
+        <a:scrgbClr r="0" g="0" b="0"/>
+      </a:fillRef>
+      <a:effectRef idx="0">
+        <a:scrgbClr r="0" g="0" b="0"/>
+      </a:effectRef>
+      <a:fontRef idx="minor">
+        <a:schemeClr val="lt1"/>
+      </a:fontRef>
+    </dgm:style>
+  </dgm:styleLbl>
+  <dgm:styleLbl name="asst3">
+    <dgm:scene3d>
+      <a:camera prst="orthographicFront"/>
+      <a:lightRig rig="threePt" dir="t"/>
+    </dgm:scene3d>
+    <dgm:sp3d/>
+    <dgm:txPr/>
+    <dgm:style>
+      <a:lnRef idx="2">
+        <a:scrgbClr r="0" g="0" b="0"/>
+      </a:lnRef>
+      <a:fillRef idx="1">
+        <a:scrgbClr r="0" g="0" b="0"/>
+      </a:fillRef>
+      <a:effectRef idx="0">
+        <a:scrgbClr r="0" g="0" b="0"/>
+      </a:effectRef>
+      <a:fontRef idx="minor">
+        <a:schemeClr val="lt1"/>
+      </a:fontRef>
+    </dgm:style>
+  </dgm:styleLbl>
+  <dgm:styleLbl name="asst4">
+    <dgm:scene3d>
+      <a:camera prst="orthographicFront"/>
+      <a:lightRig rig="threePt" dir="t"/>
+    </dgm:scene3d>
+    <dgm:sp3d/>
+    <dgm:txPr/>
+    <dgm:style>
+      <a:lnRef idx="2">
+        <a:scrgbClr r="0" g="0" b="0"/>
+      </a:lnRef>
+      <a:fillRef idx="1">
+        <a:scrgbClr r="0" g="0" b="0"/>
+      </a:fillRef>
+      <a:effectRef idx="0">
+        <a:scrgbClr r="0" g="0" b="0"/>
+      </a:effectRef>
+      <a:fontRef idx="minor">
+        <a:schemeClr val="lt1"/>
+      </a:fontRef>
+    </dgm:style>
+  </dgm:styleLbl>
+  <dgm:styleLbl name="parChTrans2D1">
+    <dgm:scene3d>
+      <a:camera prst="orthographicFront"/>
+      <a:lightRig rig="threePt" dir="t"/>
+    </dgm:scene3d>
+    <dgm:sp3d/>
+    <dgm:txPr/>
+    <dgm:style>
+      <a:lnRef idx="2">
+        <a:scrgbClr r="0" g="0" b="0"/>
+      </a:lnRef>
+      <a:fillRef idx="1">
+        <a:scrgbClr r="0" g="0" b="0"/>
+      </a:fillRef>
+      <a:effectRef idx="0">
+        <a:scrgbClr r="0" g="0" b="0"/>
+      </a:effectRef>
+      <a:fontRef idx="minor">
+        <a:schemeClr val="lt1"/>
+      </a:fontRef>
+    </dgm:style>
+  </dgm:styleLbl>
+  <dgm:styleLbl name="parChTrans2D2">
+    <dgm:scene3d>
+      <a:camera prst="orthographicFront"/>
+      <a:lightRig rig="threePt" dir="t"/>
+    </dgm:scene3d>
+    <dgm:sp3d/>
+    <dgm:txPr/>
+    <dgm:style>
+      <a:lnRef idx="2">
+        <a:scrgbClr r="0" g="0" b="0"/>
+      </a:lnRef>
+      <a:fillRef idx="1">
+        <a:scrgbClr r="0" g="0" b="0"/>
+      </a:fillRef>
+      <a:effectRef idx="0">
+        <a:scrgbClr r="0" g="0" b="0"/>
+      </a:effectRef>
+      <a:fontRef idx="minor">
+        <a:schemeClr val="lt1"/>
+      </a:fontRef>
+    </dgm:style>
+  </dgm:styleLbl>
+  <dgm:styleLbl name="parChTrans2D3">
+    <dgm:scene3d>
+      <a:camera prst="orthographicFront"/>
+      <a:lightRig rig="threePt" dir="t"/>
+    </dgm:scene3d>
+    <dgm:sp3d/>
+    <dgm:txPr/>
+    <dgm:style>
+      <a:lnRef idx="2">
+        <a:scrgbClr r="0" g="0" b="0"/>
+      </a:lnRef>
+      <a:fillRef idx="1">
+        <a:scrgbClr r="0" g="0" b="0"/>
+      </a:fillRef>
+      <a:effectRef idx="0">
+        <a:scrgbClr r="0" g="0" b="0"/>
+      </a:effectRef>
+      <a:fontRef idx="minor">
+        <a:schemeClr val="lt1"/>
+      </a:fontRef>
+    </dgm:style>
+  </dgm:styleLbl>
+  <dgm:styleLbl name="parChTrans2D4">
+    <dgm:scene3d>
+      <a:camera prst="orthographicFront"/>
+      <a:lightRig rig="threePt" dir="t"/>
+    </dgm:scene3d>
+    <dgm:sp3d/>
+    <dgm:txPr/>
+    <dgm:style>
+      <a:lnRef idx="2">
+        <a:scrgbClr r="0" g="0" b="0"/>
+      </a:lnRef>
+      <a:fillRef idx="1">
+        <a:scrgbClr r="0" g="0" b="0"/>
+      </a:fillRef>
+      <a:effectRef idx="0">
+        <a:scrgbClr r="0" g="0" b="0"/>
+      </a:effectRef>
+      <a:fontRef idx="minor">
+        <a:schemeClr val="lt1"/>
+      </a:fontRef>
+    </dgm:style>
+  </dgm:styleLbl>
+  <dgm:styleLbl name="parChTrans1D1">
+    <dgm:scene3d>
+      <a:camera prst="orthographicFront"/>
+      <a:lightRig rig="threePt" dir="t"/>
+    </dgm:scene3d>
+    <dgm:sp3d/>
+    <dgm:txPr/>
+    <dgm:style>
+      <a:lnRef idx="2">
+        <a:scrgbClr r="0" g="0" b="0"/>
+      </a:lnRef>
+      <a:fillRef idx="0">
+        <a:scrgbClr r="0" g="0" b="0"/>
+      </a:fillRef>
+      <a:effectRef idx="0">
+        <a:scrgbClr r="0" g="0" b="0"/>
+      </a:effectRef>
+      <a:fontRef idx="minor"/>
+    </dgm:style>
+  </dgm:styleLbl>
+  <dgm:styleLbl name="parChTrans1D2">
+    <dgm:scene3d>
+      <a:camera prst="orthographicFront"/>
+      <a:lightRig rig="threePt" dir="t"/>
+    </dgm:scene3d>
+    <dgm:sp3d/>
+    <dgm:txPr/>
+    <dgm:style>
+      <a:lnRef idx="2">
+        <a:scrgbClr r="0" g="0" b="0"/>
+      </a:lnRef>
+      <a:fillRef idx="0">
+        <a:scrgbClr r="0" g="0" b="0"/>
+      </a:fillRef>
+      <a:effectRef idx="0">
+        <a:scrgbClr r="0" g="0" b="0"/>
+      </a:effectRef>
+      <a:fontRef idx="minor"/>
+    </dgm:style>
+  </dgm:styleLbl>
+  <dgm:styleLbl name="parChTrans1D3">
+    <dgm:scene3d>
+      <a:camera prst="orthographicFront"/>
+      <a:lightRig rig="threePt" dir="t"/>
+    </dgm:scene3d>
+    <dgm:sp3d/>
+    <dgm:txPr/>
+    <dgm:style>
+      <a:lnRef idx="2">
+        <a:scrgbClr r="0" g="0" b="0"/>
+      </a:lnRef>
+      <a:fillRef idx="0">
+        <a:scrgbClr r="0" g="0" b="0"/>
+      </a:fillRef>
+      <a:effectRef idx="0">
+        <a:scrgbClr r="0" g="0" b="0"/>
+      </a:effectRef>
+      <a:fontRef idx="minor"/>
+    </dgm:style>
+  </dgm:styleLbl>
+  <dgm:styleLbl name="parChTrans1D4">
+    <dgm:scene3d>
+      <a:camera prst="orthographicFront"/>
+      <a:lightRig rig="threePt" dir="t"/>
+    </dgm:scene3d>
+    <dgm:sp3d/>
+    <dgm:txPr/>
+    <dgm:style>
+      <a:lnRef idx="2">
+        <a:scrgbClr r="0" g="0" b="0"/>
+      </a:lnRef>
+      <a:fillRef idx="0">
+        <a:scrgbClr r="0" g="0" b="0"/>
+      </a:fillRef>
+      <a:effectRef idx="0">
+        <a:scrgbClr r="0" g="0" b="0"/>
+      </a:effectRef>
+      <a:fontRef idx="minor"/>
+    </dgm:style>
+  </dgm:styleLbl>
+  <dgm:styleLbl name="fgAcc1">
+    <dgm:scene3d>
+      <a:camera prst="orthographicFront"/>
+      <a:lightRig rig="threePt" dir="t"/>
+    </dgm:scene3d>
+    <dgm:sp3d/>
+    <dgm:txPr/>
+    <dgm:style>
+      <a:lnRef idx="2">
+        <a:scrgbClr r="0" g="0" b="0"/>
+      </a:lnRef>
+      <a:fillRef idx="1">
+        <a:scrgbClr r="0" g="0" b="0"/>
+      </a:fillRef>
+      <a:effectRef idx="0">
+        <a:scrgbClr r="0" g="0" b="0"/>
+      </a:effectRef>
+      <a:fontRef idx="minor"/>
+    </dgm:style>
+  </dgm:styleLbl>
+  <dgm:styleLbl name="conFgAcc1">
+    <dgm:scene3d>
+      <a:camera prst="orthographicFront"/>
+      <a:lightRig rig="threePt" dir="t"/>
+    </dgm:scene3d>
+    <dgm:sp3d/>
+    <dgm:txPr/>
+    <dgm:style>
+      <a:lnRef idx="2">
+        <a:scrgbClr r="0" g="0" b="0"/>
+      </a:lnRef>
+      <a:fillRef idx="1">
+        <a:scrgbClr r="0" g="0" b="0"/>
+      </a:fillRef>
+      <a:effectRef idx="0">
+        <a:scrgbClr r="0" g="0" b="0"/>
+      </a:effectRef>
+      <a:fontRef idx="minor"/>
+    </dgm:style>
+  </dgm:styleLbl>
+  <dgm:styleLbl name="alignAcc1">
+    <dgm:scene3d>
+      <a:camera prst="orthographicFront"/>
+      <a:lightRig rig="threePt" dir="t"/>
+    </dgm:scene3d>
+    <dgm:sp3d/>
+    <dgm:txPr/>
+    <dgm:style>
+      <a:lnRef idx="2">
+        <a:scrgbClr r="0" g="0" b="0"/>
+      </a:lnRef>
+      <a:fillRef idx="1">
+        <a:scrgbClr r="0" g="0" b="0"/>
+      </a:fillRef>
+      <a:effectRef idx="0">
+        <a:scrgbClr r="0" g="0" b="0"/>
+      </a:effectRef>
+      <a:fontRef idx="minor"/>
+    </dgm:style>
+  </dgm:styleLbl>
+  <dgm:styleLbl name="trAlignAcc1">
+    <dgm:scene3d>
+      <a:camera prst="orthographicFront"/>
+      <a:lightRig rig="threePt" dir="t"/>
+    </dgm:scene3d>
+    <dgm:sp3d/>
+    <dgm:txPr/>
+    <dgm:style>
+      <a:lnRef idx="1">
+        <a:scrgbClr r="0" g="0" b="0"/>
+      </a:lnRef>
+      <a:fillRef idx="1">
+        <a:scrgbClr r="0" g="0" b="0"/>
+      </a:fillRef>
+      <a:effectRef idx="0">
+        <a:scrgbClr r="0" g="0" b="0"/>
+      </a:effectRef>
+      <a:fontRef idx="minor"/>
+    </dgm:style>
+  </dgm:styleLbl>
+  <dgm:styleLbl name="bgAcc1">
+    <dgm:scene3d>
+      <a:camera prst="orthographicFront"/>
+      <a:lightRig rig="threePt" dir="t"/>
+    </dgm:scene3d>
+    <dgm:sp3d/>
+    <dgm:txPr/>
+    <dgm:style>
+      <a:lnRef idx="2">
+        <a:scrgbClr r="0" g="0" b="0"/>
+      </a:lnRef>
+      <a:fillRef idx="1">
+        <a:scrgbClr r="0" g="0" b="0"/>
+      </a:fillRef>
+      <a:effectRef idx="0">
+        <a:scrgbClr r="0" g="0" b="0"/>
+      </a:effectRef>
+      <a:fontRef idx="minor"/>
+    </dgm:style>
+  </dgm:styleLbl>
+  <dgm:styleLbl name="solidFgAcc1">
+    <dgm:scene3d>
+      <a:camera prst="orthographicFront"/>
+      <a:lightRig rig="threePt" dir="t"/>
+    </dgm:scene3d>
+    <dgm:sp3d/>
+    <dgm:txPr/>
+    <dgm:style>
+      <a:lnRef idx="2">
+        <a:scrgbClr r="0" g="0" b="0"/>
+      </a:lnRef>
+      <a:fillRef idx="1">
+        <a:scrgbClr r="0" g="0" b="0"/>
+      </a:fillRef>
+      <a:effectRef idx="0">
+        <a:scrgbClr r="0" g="0" b="0"/>
+      </a:effectRef>
+      <a:fontRef idx="minor"/>
+    </dgm:style>
+  </dgm:styleLbl>
+  <dgm:styleLbl name="solidAlignAcc1">
+    <dgm:scene3d>
+      <a:camera prst="orthographicFront"/>
+      <a:lightRig rig="threePt" dir="t"/>
+    </dgm:scene3d>
+    <dgm:sp3d/>
+    <dgm:txPr/>
+    <dgm:style>
+      <a:lnRef idx="2">
+        <a:scrgbClr r="0" g="0" b="0"/>
+      </a:lnRef>
+      <a:fillRef idx="1">
+        <a:scrgbClr r="0" g="0" b="0"/>
+      </a:fillRef>
+      <a:effectRef idx="0">
+        <a:scrgbClr r="0" g="0" b="0"/>
+      </a:effectRef>
+      <a:fontRef idx="minor"/>
+    </dgm:style>
+  </dgm:styleLbl>
+  <dgm:styleLbl name="solidBgAcc1">
+    <dgm:scene3d>
+      <a:camera prst="orthographicFront"/>
+      <a:lightRig rig="threePt" dir="t"/>
+    </dgm:scene3d>
+    <dgm:sp3d/>
+    <dgm:txPr/>
+    <dgm:style>
+      <a:lnRef idx="2">
+        <a:scrgbClr r="0" g="0" b="0"/>
+      </a:lnRef>
+      <a:fillRef idx="1">
+        <a:scrgbClr r="0" g="0" b="0"/>
+      </a:fillRef>
+      <a:effectRef idx="0">
+        <a:scrgbClr r="0" g="0" b="0"/>
+      </a:effectRef>
+      <a:fontRef idx="minor"/>
+    </dgm:style>
+  </dgm:styleLbl>
+  <dgm:styleLbl name="fgAccFollowNode1">
+    <dgm:scene3d>
+      <a:camera prst="orthographicFront"/>
+      <a:lightRig rig="threePt" dir="t"/>
+    </dgm:scene3d>
+    <dgm:sp3d/>
+    <dgm:txPr/>
+    <dgm:style>
+      <a:lnRef idx="2">
+        <a:scrgbClr r="0" g="0" b="0"/>
+      </a:lnRef>
+      <a:fillRef idx="1">
+        <a:scrgbClr r="0" g="0" b="0"/>
+      </a:fillRef>
+      <a:effectRef idx="0">
+        <a:scrgbClr r="0" g="0" b="0"/>
+      </a:effectRef>
+      <a:fontRef idx="minor"/>
+    </dgm:style>
+  </dgm:styleLbl>
+  <dgm:styleLbl name="alignAccFollowNode1">
+    <dgm:scene3d>
+      <a:camera prst="orthographicFront"/>
+      <a:lightRig rig="threePt" dir="t"/>
+    </dgm:scene3d>
+    <dgm:sp3d/>
+    <dgm:txPr/>
+    <dgm:style>
+      <a:lnRef idx="2">
+        <a:scrgbClr r="0" g="0" b="0"/>
+      </a:lnRef>
+      <a:fillRef idx="1">
+        <a:scrgbClr r="0" g="0" b="0"/>
+      </a:fillRef>
+      <a:effectRef idx="0">
+        <a:scrgbClr r="0" g="0" b="0"/>
+      </a:effectRef>
+      <a:fontRef idx="minor"/>
+    </dgm:style>
+  </dgm:styleLbl>
+  <dgm:styleLbl name="bgAccFollowNode1">
+    <dgm:scene3d>
+      <a:camera prst="orthographicFront"/>
+      <a:lightRig rig="threePt" dir="t"/>
+    </dgm:scene3d>
+    <dgm:sp3d/>
+    <dgm:txPr/>
+    <dgm:style>
+      <a:lnRef idx="2">
+        <a:scrgbClr r="0" g="0" b="0"/>
+      </a:lnRef>
+      <a:fillRef idx="1">
+        <a:scrgbClr r="0" g="0" b="0"/>
+      </a:fillRef>
+      <a:effectRef idx="0">
+        <a:scrgbClr r="0" g="0" b="0"/>
+      </a:effectRef>
+      <a:fontRef idx="minor"/>
+    </dgm:style>
+  </dgm:styleLbl>
+  <dgm:styleLbl name="fgAcc0">
+    <dgm:scene3d>
+      <a:camera prst="orthographicFront"/>
+      <a:lightRig rig="threePt" dir="t"/>
+    </dgm:scene3d>
+    <dgm:sp3d/>
+    <dgm:txPr/>
+    <dgm:style>
+      <a:lnRef idx="2">
+        <a:scrgbClr r="0" g="0" b="0"/>
+      </a:lnRef>
+      <a:fillRef idx="1">
+        <a:scrgbClr r="0" g="0" b="0"/>
+      </a:fillRef>
+      <a:effectRef idx="0">
+        <a:scrgbClr r="0" g="0" b="0"/>
+      </a:effectRef>
+      <a:fontRef idx="minor"/>
+    </dgm:style>
+  </dgm:styleLbl>
+  <dgm:styleLbl name="fgAcc2">
+    <dgm:scene3d>
+      <a:camera prst="orthographicFront"/>
+      <a:lightRig rig="threePt" dir="t"/>
+    </dgm:scene3d>
+    <dgm:sp3d/>
+    <dgm:txPr/>
+    <dgm:style>
+      <a:lnRef idx="2">
+        <a:scrgbClr r="0" g="0" b="0"/>
+      </a:lnRef>
+      <a:fillRef idx="1">
+        <a:scrgbClr r="0" g="0" b="0"/>
+      </a:fillRef>
+      <a:effectRef idx="0">
+        <a:scrgbClr r="0" g="0" b="0"/>
+      </a:effectRef>
+      <a:fontRef idx="minor"/>
+    </dgm:style>
+  </dgm:styleLbl>
+  <dgm:styleLbl name="fgAcc3">
+    <dgm:scene3d>
+      <a:camera prst="orthographicFront"/>
+      <a:lightRig rig="threePt" dir="t"/>
+    </dgm:scene3d>
+    <dgm:sp3d/>
+    <dgm:txPr/>
+    <dgm:style>
+      <a:lnRef idx="2">
+        <a:scrgbClr r="0" g="0" b="0"/>
+      </a:lnRef>
+      <a:fillRef idx="1">
+        <a:scrgbClr r="0" g="0" b="0"/>
+      </a:fillRef>
+      <a:effectRef idx="0">
+        <a:scrgbClr r="0" g="0" b="0"/>
+      </a:effectRef>
+      <a:fontRef idx="minor"/>
+    </dgm:style>
+  </dgm:styleLbl>
+  <dgm:styleLbl name="fgAcc4">
+    <dgm:scene3d>
+      <a:camera prst="orthographicFront"/>
+      <a:lightRig rig="threePt" dir="t"/>
+    </dgm:scene3d>
+    <dgm:sp3d/>
+    <dgm:txPr/>
+    <dgm:style>
+      <a:lnRef idx="2">
+        <a:scrgbClr r="0" g="0" b="0"/>
+      </a:lnRef>
+      <a:fillRef idx="1">
+        <a:scrgbClr r="0" g="0" b="0"/>
+      </a:fillRef>
+      <a:effectRef idx="0">
+        <a:scrgbClr r="0" g="0" b="0"/>
+      </a:effectRef>
+      <a:fontRef idx="minor"/>
+    </dgm:style>
+  </dgm:styleLbl>
+  <dgm:styleLbl name="bgShp">
+    <dgm:scene3d>
+      <a:camera prst="orthographicFront"/>
+      <a:lightRig rig="threePt" dir="t"/>
+    </dgm:scene3d>
+    <dgm:sp3d/>
+    <dgm:txPr/>
+    <dgm:style>
+      <a:lnRef idx="0">
+        <a:scrgbClr r="0" g="0" b="0"/>
+      </a:lnRef>
+      <a:fillRef idx="1">
+        <a:scrgbClr r="0" g="0" b="0"/>
+      </a:fillRef>
+      <a:effectRef idx="0">
+        <a:scrgbClr r="0" g="0" b="0"/>
+      </a:effectRef>
+      <a:fontRef idx="minor"/>
+    </dgm:style>
+  </dgm:styleLbl>
+  <dgm:styleLbl name="dkBgShp">
+    <dgm:scene3d>
+      <a:camera prst="orthographicFront"/>
+      <a:lightRig rig="threePt" dir="t"/>
+    </dgm:scene3d>
+    <dgm:sp3d/>
+    <dgm:txPr/>
+    <dgm:style>
+      <a:lnRef idx="0">
+        <a:scrgbClr r="0" g="0" b="0"/>
+      </a:lnRef>
+      <a:fillRef idx="1">
+        <a:scrgbClr r="0" g="0" b="0"/>
+      </a:fillRef>
+      <a:effectRef idx="0">
+        <a:scrgbClr r="0" g="0" b="0"/>
+      </a:effectRef>
+      <a:fontRef idx="minor"/>
+    </dgm:style>
+  </dgm:styleLbl>
+  <dgm:styleLbl name="trBgShp">
+    <dgm:scene3d>
+      <a:camera prst="orthographicFront"/>
+      <a:lightRig rig="threePt" dir="t"/>
+    </dgm:scene3d>
+    <dgm:sp3d/>
+    <dgm:txPr/>
+    <dgm:style>
+      <a:lnRef idx="0">
+        <a:scrgbClr r="0" g="0" b="0"/>
+      </a:lnRef>
+      <a:fillRef idx="1">
+        <a:scrgbClr r="0" g="0" b="0"/>
+      </a:fillRef>
+      <a:effectRef idx="0">
+        <a:scrgbClr r="0" g="0" b="0"/>
+      </a:effectRef>
+      <a:fontRef idx="minor"/>
+    </dgm:style>
+  </dgm:styleLbl>
+  <dgm:styleLbl name="fgShp">
+    <dgm:scene3d>
+      <a:camera prst="orthographicFront"/>
+      <a:lightRig rig="threePt" dir="t"/>
+    </dgm:scene3d>
+    <dgm:sp3d/>
+    <dgm:txPr/>
+    <dgm:style>
+      <a:lnRef idx="2">
+        <a:scrgbClr r="0" g="0" b="0"/>
+      </a:lnRef>
+      <a:fillRef idx="1">
+        <a:scrgbClr r="0" g="0" b="0"/>
+      </a:fillRef>
+      <a:effectRef idx="0">
+        <a:scrgbClr r="0" g="0" b="0"/>
+      </a:effectRef>
+      <a:fontRef idx="minor"/>
+    </dgm:style>
+  </dgm:styleLbl>
+  <dgm:styleLbl name="revTx">
+    <dgm:scene3d>
+      <a:camera prst="orthographicFront"/>
+      <a:lightRig rig="threePt" dir="t"/>
+    </dgm:scene3d>
+    <dgm:sp3d/>
+    <dgm:txPr/>
+    <dgm:style>
+      <a:lnRef idx="0">
+        <a:scrgbClr r="0" g="0" b="0"/>
+      </a:lnRef>
+      <a:fillRef idx="0">
+        <a:scrgbClr r="0" g="0" b="0"/>
+      </a:fillRef>
+      <a:effectRef idx="0">
+        <a:scrgbClr r="0" g="0" b="0"/>
+      </a:effectRef>
+      <a:fontRef idx="minor"/>
+    </dgm:style>
+  </dgm:styleLbl>
+</dgm:styleDef>
+</file>
+
 <file path=ppt/slideLayouts/slideLayout1.xml><?xml version="1.0" encoding="utf-8"?>
 <p:sldLayout xmlns:a="http://schemas.openxmlformats.org/drawingml/2006/main" xmlns:r="http://schemas.openxmlformats.org/officeDocument/2006/relationships" xmlns:p="http://schemas.openxmlformats.org/presentationml/2006/main" type="title" preserve="1">
   <p:cSld name="Title Slide">
@@ -2936,10 +5553,9 @@
           </a:lstStyle>
           <a:p>
             <a:r>
-              <a:rPr lang="en-US" smtClean="0"/>
+              <a:rPr lang="en-US"/>
               <a:t>Click to edit Master title style</a:t>
             </a:r>
-            <a:endParaRPr lang="en-US"/>
           </a:p>
         </p:txBody>
       </p:sp>
@@ -3001,10 +5617,9 @@
           </a:lstStyle>
           <a:p>
             <a:r>
-              <a:rPr lang="en-US" smtClean="0"/>
+              <a:rPr lang="en-US"/>
               <a:t>Click to edit Master subtitle style</a:t>
             </a:r>
-            <a:endParaRPr lang="en-US"/>
           </a:p>
         </p:txBody>
       </p:sp>
@@ -3025,7 +5640,7 @@
           <a:p>
             <a:fld id="{38B90964-C4C1-48A0-9FA8-A9FF76DAE113}" type="datetimeFigureOut">
               <a:rPr lang="en-US" smtClean="0"/>
-              <a:t>8/12/2020</a:t>
+              <a:t>10/1/2021</a:t>
             </a:fld>
             <a:endParaRPr lang="en-US"/>
           </a:p>
@@ -3119,10 +5734,9 @@
           <a:lstStyle/>
           <a:p>
             <a:r>
-              <a:rPr lang="en-US" smtClean="0"/>
+              <a:rPr lang="en-US"/>
               <a:t>Click to edit Master title style</a:t>
             </a:r>
-            <a:endParaRPr lang="en-US"/>
           </a:p>
         </p:txBody>
       </p:sp>
@@ -3143,38 +5757,37 @@
           <a:p>
             <a:pPr lvl="0"/>
             <a:r>
-              <a:rPr lang="en-US" smtClean="0"/>
+              <a:rPr lang="en-US"/>
               <a:t>Edit Master text styles</a:t>
             </a:r>
           </a:p>
           <a:p>
             <a:pPr lvl="1"/>
             <a:r>
-              <a:rPr lang="en-US" smtClean="0"/>
+              <a:rPr lang="en-US"/>
               <a:t>Second level</a:t>
             </a:r>
           </a:p>
           <a:p>
             <a:pPr lvl="2"/>
             <a:r>
-              <a:rPr lang="en-US" smtClean="0"/>
+              <a:rPr lang="en-US"/>
               <a:t>Third level</a:t>
             </a:r>
           </a:p>
           <a:p>
             <a:pPr lvl="3"/>
             <a:r>
-              <a:rPr lang="en-US" smtClean="0"/>
+              <a:rPr lang="en-US"/>
               <a:t>Fourth level</a:t>
             </a:r>
           </a:p>
           <a:p>
             <a:pPr lvl="4"/>
             <a:r>
-              <a:rPr lang="en-US" smtClean="0"/>
+              <a:rPr lang="en-US"/>
               <a:t>Fifth level</a:t>
             </a:r>
-            <a:endParaRPr lang="en-US"/>
           </a:p>
         </p:txBody>
       </p:sp>
@@ -3195,7 +5808,7 @@
           <a:p>
             <a:fld id="{38B90964-C4C1-48A0-9FA8-A9FF76DAE113}" type="datetimeFigureOut">
               <a:rPr lang="en-US" smtClean="0"/>
-              <a:t>8/12/2020</a:t>
+              <a:t>10/1/2021</a:t>
             </a:fld>
             <a:endParaRPr lang="en-US"/>
           </a:p>
@@ -3294,10 +5907,9 @@
           <a:lstStyle/>
           <a:p>
             <a:r>
-              <a:rPr lang="en-US" smtClean="0"/>
+              <a:rPr lang="en-US"/>
               <a:t>Click to edit Master title style</a:t>
             </a:r>
-            <a:endParaRPr lang="en-US"/>
           </a:p>
         </p:txBody>
       </p:sp>
@@ -3323,38 +5935,37 @@
           <a:p>
             <a:pPr lvl="0"/>
             <a:r>
-              <a:rPr lang="en-US" smtClean="0"/>
+              <a:rPr lang="en-US"/>
               <a:t>Edit Master text styles</a:t>
             </a:r>
           </a:p>
           <a:p>
             <a:pPr lvl="1"/>
             <a:r>
-              <a:rPr lang="en-US" smtClean="0"/>
+              <a:rPr lang="en-US"/>
               <a:t>Second level</a:t>
             </a:r>
           </a:p>
           <a:p>
             <a:pPr lvl="2"/>
             <a:r>
-              <a:rPr lang="en-US" smtClean="0"/>
+              <a:rPr lang="en-US"/>
               <a:t>Third level</a:t>
             </a:r>
           </a:p>
           <a:p>
             <a:pPr lvl="3"/>
             <a:r>
-              <a:rPr lang="en-US" smtClean="0"/>
+              <a:rPr lang="en-US"/>
               <a:t>Fourth level</a:t>
             </a:r>
           </a:p>
           <a:p>
             <a:pPr lvl="4"/>
             <a:r>
-              <a:rPr lang="en-US" smtClean="0"/>
+              <a:rPr lang="en-US"/>
               <a:t>Fifth level</a:t>
             </a:r>
-            <a:endParaRPr lang="en-US"/>
           </a:p>
         </p:txBody>
       </p:sp>
@@ -3375,7 +5986,7 @@
           <a:p>
             <a:fld id="{38B90964-C4C1-48A0-9FA8-A9FF76DAE113}" type="datetimeFigureOut">
               <a:rPr lang="en-US" smtClean="0"/>
-              <a:t>8/12/2020</a:t>
+              <a:t>10/1/2021</a:t>
             </a:fld>
             <a:endParaRPr lang="en-US"/>
           </a:p>
@@ -3469,10 +6080,9 @@
           <a:lstStyle/>
           <a:p>
             <a:r>
-              <a:rPr lang="en-US" smtClean="0"/>
+              <a:rPr lang="en-US"/>
               <a:t>Click to edit Master title style</a:t>
             </a:r>
-            <a:endParaRPr lang="en-US"/>
           </a:p>
         </p:txBody>
       </p:sp>
@@ -3493,38 +6103,37 @@
           <a:p>
             <a:pPr lvl="0"/>
             <a:r>
-              <a:rPr lang="en-US" smtClean="0"/>
+              <a:rPr lang="en-US"/>
               <a:t>Edit Master text styles</a:t>
             </a:r>
           </a:p>
           <a:p>
             <a:pPr lvl="1"/>
             <a:r>
-              <a:rPr lang="en-US" smtClean="0"/>
+              <a:rPr lang="en-US"/>
               <a:t>Second level</a:t>
             </a:r>
           </a:p>
           <a:p>
             <a:pPr lvl="2"/>
             <a:r>
-              <a:rPr lang="en-US" smtClean="0"/>
+              <a:rPr lang="en-US"/>
               <a:t>Third level</a:t>
             </a:r>
           </a:p>
           <a:p>
             <a:pPr lvl="3"/>
             <a:r>
-              <a:rPr lang="en-US" smtClean="0"/>
+              <a:rPr lang="en-US"/>
               <a:t>Fourth level</a:t>
             </a:r>
           </a:p>
           <a:p>
             <a:pPr lvl="4"/>
             <a:r>
-              <a:rPr lang="en-US" smtClean="0"/>
+              <a:rPr lang="en-US"/>
               <a:t>Fifth level</a:t>
             </a:r>
-            <a:endParaRPr lang="en-US"/>
           </a:p>
         </p:txBody>
       </p:sp>
@@ -3545,7 +6154,7 @@
           <a:p>
             <a:fld id="{38B90964-C4C1-48A0-9FA8-A9FF76DAE113}" type="datetimeFigureOut">
               <a:rPr lang="en-US" smtClean="0"/>
-              <a:t>8/12/2020</a:t>
+              <a:t>10/1/2021</a:t>
             </a:fld>
             <a:endParaRPr lang="en-US"/>
           </a:p>
@@ -3648,10 +6257,9 @@
           </a:lstStyle>
           <a:p>
             <a:r>
-              <a:rPr lang="en-US" smtClean="0"/>
+              <a:rPr lang="en-US"/>
               <a:t>Click to edit Master title style</a:t>
             </a:r>
-            <a:endParaRPr lang="en-US"/>
           </a:p>
         </p:txBody>
       </p:sp>
@@ -3768,7 +6376,7 @@
           <a:p>
             <a:pPr lvl="0"/>
             <a:r>
-              <a:rPr lang="en-US" smtClean="0"/>
+              <a:rPr lang="en-US"/>
               <a:t>Edit Master text styles</a:t>
             </a:r>
           </a:p>
@@ -3791,7 +6399,7 @@
           <a:p>
             <a:fld id="{38B90964-C4C1-48A0-9FA8-A9FF76DAE113}" type="datetimeFigureOut">
               <a:rPr lang="en-US" smtClean="0"/>
-              <a:t>8/12/2020</a:t>
+              <a:t>10/1/2021</a:t>
             </a:fld>
             <a:endParaRPr lang="en-US"/>
           </a:p>
@@ -3885,10 +6493,9 @@
           <a:lstStyle/>
           <a:p>
             <a:r>
-              <a:rPr lang="en-US" smtClean="0"/>
+              <a:rPr lang="en-US"/>
               <a:t>Click to edit Master title style</a:t>
             </a:r>
-            <a:endParaRPr lang="en-US"/>
           </a:p>
         </p:txBody>
       </p:sp>
@@ -3914,38 +6521,37 @@
           <a:p>
             <a:pPr lvl="0"/>
             <a:r>
-              <a:rPr lang="en-US" smtClean="0"/>
+              <a:rPr lang="en-US"/>
               <a:t>Edit Master text styles</a:t>
             </a:r>
           </a:p>
           <a:p>
             <a:pPr lvl="1"/>
             <a:r>
-              <a:rPr lang="en-US" smtClean="0"/>
+              <a:rPr lang="en-US"/>
               <a:t>Second level</a:t>
             </a:r>
           </a:p>
           <a:p>
             <a:pPr lvl="2"/>
             <a:r>
-              <a:rPr lang="en-US" smtClean="0"/>
+              <a:rPr lang="en-US"/>
               <a:t>Third level</a:t>
             </a:r>
           </a:p>
           <a:p>
             <a:pPr lvl="3"/>
             <a:r>
-              <a:rPr lang="en-US" smtClean="0"/>
+              <a:rPr lang="en-US"/>
               <a:t>Fourth level</a:t>
             </a:r>
           </a:p>
           <a:p>
             <a:pPr lvl="4"/>
             <a:r>
-              <a:rPr lang="en-US" smtClean="0"/>
+              <a:rPr lang="en-US"/>
               <a:t>Fifth level</a:t>
             </a:r>
-            <a:endParaRPr lang="en-US"/>
           </a:p>
         </p:txBody>
       </p:sp>
@@ -3971,38 +6577,37 @@
           <a:p>
             <a:pPr lvl="0"/>
             <a:r>
-              <a:rPr lang="en-US" smtClean="0"/>
+              <a:rPr lang="en-US"/>
               <a:t>Edit Master text styles</a:t>
             </a:r>
           </a:p>
           <a:p>
             <a:pPr lvl="1"/>
             <a:r>
-              <a:rPr lang="en-US" smtClean="0"/>
+              <a:rPr lang="en-US"/>
               <a:t>Second level</a:t>
             </a:r>
           </a:p>
           <a:p>
             <a:pPr lvl="2"/>
             <a:r>
-              <a:rPr lang="en-US" smtClean="0"/>
+              <a:rPr lang="en-US"/>
               <a:t>Third level</a:t>
             </a:r>
           </a:p>
           <a:p>
             <a:pPr lvl="3"/>
             <a:r>
-              <a:rPr lang="en-US" smtClean="0"/>
+              <a:rPr lang="en-US"/>
               <a:t>Fourth level</a:t>
             </a:r>
           </a:p>
           <a:p>
             <a:pPr lvl="4"/>
             <a:r>
-              <a:rPr lang="en-US" smtClean="0"/>
+              <a:rPr lang="en-US"/>
               <a:t>Fifth level</a:t>
             </a:r>
-            <a:endParaRPr lang="en-US"/>
           </a:p>
         </p:txBody>
       </p:sp>
@@ -4023,7 +6628,7 @@
           <a:p>
             <a:fld id="{38B90964-C4C1-48A0-9FA8-A9FF76DAE113}" type="datetimeFigureOut">
               <a:rPr lang="en-US" smtClean="0"/>
-              <a:t>8/12/2020</a:t>
+              <a:t>10/1/2021</a:t>
             </a:fld>
             <a:endParaRPr lang="en-US"/>
           </a:p>
@@ -4122,10 +6727,9 @@
           <a:lstStyle/>
           <a:p>
             <a:r>
-              <a:rPr lang="en-US" smtClean="0"/>
+              <a:rPr lang="en-US"/>
               <a:t>Click to edit Master title style</a:t>
             </a:r>
-            <a:endParaRPr lang="en-US"/>
           </a:p>
         </p:txBody>
       </p:sp>
@@ -4188,7 +6792,7 @@
           <a:p>
             <a:pPr lvl="0"/>
             <a:r>
-              <a:rPr lang="en-US" smtClean="0"/>
+              <a:rPr lang="en-US"/>
               <a:t>Edit Master text styles</a:t>
             </a:r>
           </a:p>
@@ -4216,38 +6820,37 @@
           <a:p>
             <a:pPr lvl="0"/>
             <a:r>
-              <a:rPr lang="en-US" smtClean="0"/>
+              <a:rPr lang="en-US"/>
               <a:t>Edit Master text styles</a:t>
             </a:r>
           </a:p>
           <a:p>
             <a:pPr lvl="1"/>
             <a:r>
-              <a:rPr lang="en-US" smtClean="0"/>
+              <a:rPr lang="en-US"/>
               <a:t>Second level</a:t>
             </a:r>
           </a:p>
           <a:p>
             <a:pPr lvl="2"/>
             <a:r>
-              <a:rPr lang="en-US" smtClean="0"/>
+              <a:rPr lang="en-US"/>
               <a:t>Third level</a:t>
             </a:r>
           </a:p>
           <a:p>
             <a:pPr lvl="3"/>
             <a:r>
-              <a:rPr lang="en-US" smtClean="0"/>
+              <a:rPr lang="en-US"/>
               <a:t>Fourth level</a:t>
             </a:r>
           </a:p>
           <a:p>
             <a:pPr lvl="4"/>
             <a:r>
-              <a:rPr lang="en-US" smtClean="0"/>
+              <a:rPr lang="en-US"/>
               <a:t>Fifth level</a:t>
             </a:r>
-            <a:endParaRPr lang="en-US"/>
           </a:p>
         </p:txBody>
       </p:sp>
@@ -4310,7 +6913,7 @@
           <a:p>
             <a:pPr lvl="0"/>
             <a:r>
-              <a:rPr lang="en-US" smtClean="0"/>
+              <a:rPr lang="en-US"/>
               <a:t>Edit Master text styles</a:t>
             </a:r>
           </a:p>
@@ -4338,38 +6941,37 @@
           <a:p>
             <a:pPr lvl="0"/>
             <a:r>
-              <a:rPr lang="en-US" smtClean="0"/>
+              <a:rPr lang="en-US"/>
               <a:t>Edit Master text styles</a:t>
             </a:r>
           </a:p>
           <a:p>
             <a:pPr lvl="1"/>
             <a:r>
-              <a:rPr lang="en-US" smtClean="0"/>
+              <a:rPr lang="en-US"/>
               <a:t>Second level</a:t>
             </a:r>
           </a:p>
           <a:p>
             <a:pPr lvl="2"/>
             <a:r>
-              <a:rPr lang="en-US" smtClean="0"/>
+              <a:rPr lang="en-US"/>
               <a:t>Third level</a:t>
             </a:r>
           </a:p>
           <a:p>
             <a:pPr lvl="3"/>
             <a:r>
-              <a:rPr lang="en-US" smtClean="0"/>
+              <a:rPr lang="en-US"/>
               <a:t>Fourth level</a:t>
             </a:r>
           </a:p>
           <a:p>
             <a:pPr lvl="4"/>
             <a:r>
-              <a:rPr lang="en-US" smtClean="0"/>
+              <a:rPr lang="en-US"/>
               <a:t>Fifth level</a:t>
             </a:r>
-            <a:endParaRPr lang="en-US"/>
           </a:p>
         </p:txBody>
       </p:sp>
@@ -4390,7 +6992,7 @@
           <a:p>
             <a:fld id="{38B90964-C4C1-48A0-9FA8-A9FF76DAE113}" type="datetimeFigureOut">
               <a:rPr lang="en-US" smtClean="0"/>
-              <a:t>8/12/2020</a:t>
+              <a:t>10/1/2021</a:t>
             </a:fld>
             <a:endParaRPr lang="en-US"/>
           </a:p>
@@ -4484,10 +7086,9 @@
           <a:lstStyle/>
           <a:p>
             <a:r>
-              <a:rPr lang="en-US" smtClean="0"/>
+              <a:rPr lang="en-US"/>
               <a:t>Click to edit Master title style</a:t>
             </a:r>
-            <a:endParaRPr lang="en-US"/>
           </a:p>
         </p:txBody>
       </p:sp>
@@ -4508,7 +7109,7 @@
           <a:p>
             <a:fld id="{38B90964-C4C1-48A0-9FA8-A9FF76DAE113}" type="datetimeFigureOut">
               <a:rPr lang="en-US" smtClean="0"/>
-              <a:t>8/12/2020</a:t>
+              <a:t>10/1/2021</a:t>
             </a:fld>
             <a:endParaRPr lang="en-US"/>
           </a:p>
@@ -4603,7 +7204,7 @@
           <a:p>
             <a:fld id="{38B90964-C4C1-48A0-9FA8-A9FF76DAE113}" type="datetimeFigureOut">
               <a:rPr lang="en-US" smtClean="0"/>
-              <a:t>8/12/2020</a:t>
+              <a:t>10/1/2021</a:t>
             </a:fld>
             <a:endParaRPr lang="en-US"/>
           </a:p>
@@ -4706,10 +7307,9 @@
           </a:lstStyle>
           <a:p>
             <a:r>
-              <a:rPr lang="en-US" smtClean="0"/>
+              <a:rPr lang="en-US"/>
               <a:t>Click to edit Master title style</a:t>
             </a:r>
-            <a:endParaRPr lang="en-US"/>
           </a:p>
         </p:txBody>
       </p:sp>
@@ -4763,38 +7363,37 @@
           <a:p>
             <a:pPr lvl="0"/>
             <a:r>
-              <a:rPr lang="en-US" smtClean="0"/>
+              <a:rPr lang="en-US"/>
               <a:t>Edit Master text styles</a:t>
             </a:r>
           </a:p>
           <a:p>
             <a:pPr lvl="1"/>
             <a:r>
-              <a:rPr lang="en-US" smtClean="0"/>
+              <a:rPr lang="en-US"/>
               <a:t>Second level</a:t>
             </a:r>
           </a:p>
           <a:p>
             <a:pPr lvl="2"/>
             <a:r>
-              <a:rPr lang="en-US" smtClean="0"/>
+              <a:rPr lang="en-US"/>
               <a:t>Third level</a:t>
             </a:r>
           </a:p>
           <a:p>
             <a:pPr lvl="3"/>
             <a:r>
-              <a:rPr lang="en-US" smtClean="0"/>
+              <a:rPr lang="en-US"/>
               <a:t>Fourth level</a:t>
             </a:r>
           </a:p>
           <a:p>
             <a:pPr lvl="4"/>
             <a:r>
-              <a:rPr lang="en-US" smtClean="0"/>
+              <a:rPr lang="en-US"/>
               <a:t>Fifth level</a:t>
             </a:r>
-            <a:endParaRPr lang="en-US"/>
           </a:p>
         </p:txBody>
       </p:sp>
@@ -4857,7 +7456,7 @@
           <a:p>
             <a:pPr lvl="0"/>
             <a:r>
-              <a:rPr lang="en-US" smtClean="0"/>
+              <a:rPr lang="en-US"/>
               <a:t>Edit Master text styles</a:t>
             </a:r>
           </a:p>
@@ -4880,7 +7479,7 @@
           <a:p>
             <a:fld id="{38B90964-C4C1-48A0-9FA8-A9FF76DAE113}" type="datetimeFigureOut">
               <a:rPr lang="en-US" smtClean="0"/>
-              <a:t>8/12/2020</a:t>
+              <a:t>10/1/2021</a:t>
             </a:fld>
             <a:endParaRPr lang="en-US"/>
           </a:p>
@@ -4983,10 +7582,9 @@
           </a:lstStyle>
           <a:p>
             <a:r>
-              <a:rPr lang="en-US" smtClean="0"/>
+              <a:rPr lang="en-US"/>
               <a:t>Click to edit Master title style</a:t>
             </a:r>
-            <a:endParaRPr lang="en-US"/>
           </a:p>
         </p:txBody>
       </p:sp>
@@ -5110,7 +7708,7 @@
           <a:p>
             <a:pPr lvl="0"/>
             <a:r>
-              <a:rPr lang="en-US" smtClean="0"/>
+              <a:rPr lang="en-US"/>
               <a:t>Edit Master text styles</a:t>
             </a:r>
           </a:p>
@@ -5133,7 +7731,7 @@
           <a:p>
             <a:fld id="{38B90964-C4C1-48A0-9FA8-A9FF76DAE113}" type="datetimeFigureOut">
               <a:rPr lang="en-US" smtClean="0"/>
-              <a:t>8/12/2020</a:t>
+              <a:t>10/1/2021</a:t>
             </a:fld>
             <a:endParaRPr lang="en-US"/>
           </a:p>
@@ -5242,10 +7840,9 @@
           <a:lstStyle/>
           <a:p>
             <a:r>
-              <a:rPr lang="en-US" smtClean="0"/>
+              <a:rPr lang="en-US"/>
               <a:t>Click to edit Master title style</a:t>
             </a:r>
-            <a:endParaRPr lang="en-US"/>
           </a:p>
         </p:txBody>
       </p:sp>
@@ -5276,38 +7873,37 @@
           <a:p>
             <a:pPr lvl="0"/>
             <a:r>
-              <a:rPr lang="en-US" smtClean="0"/>
+              <a:rPr lang="en-US"/>
               <a:t>Edit Master text styles</a:t>
             </a:r>
           </a:p>
           <a:p>
             <a:pPr lvl="1"/>
             <a:r>
-              <a:rPr lang="en-US" smtClean="0"/>
+              <a:rPr lang="en-US"/>
               <a:t>Second level</a:t>
             </a:r>
           </a:p>
           <a:p>
             <a:pPr lvl="2"/>
             <a:r>
-              <a:rPr lang="en-US" smtClean="0"/>
+              <a:rPr lang="en-US"/>
               <a:t>Third level</a:t>
             </a:r>
           </a:p>
           <a:p>
             <a:pPr lvl="3"/>
             <a:r>
-              <a:rPr lang="en-US" smtClean="0"/>
+              <a:rPr lang="en-US"/>
               <a:t>Fourth level</a:t>
             </a:r>
           </a:p>
           <a:p>
             <a:pPr lvl="4"/>
             <a:r>
-              <a:rPr lang="en-US" smtClean="0"/>
+              <a:rPr lang="en-US"/>
               <a:t>Fifth level</a:t>
             </a:r>
-            <a:endParaRPr lang="en-US"/>
           </a:p>
         </p:txBody>
       </p:sp>
@@ -5346,7 +7942,7 @@
           <a:p>
             <a:fld id="{38B90964-C4C1-48A0-9FA8-A9FF76DAE113}" type="datetimeFigureOut">
               <a:rPr lang="en-US" smtClean="0"/>
-              <a:t>8/12/2020</a:t>
+              <a:t>10/1/2021</a:t>
             </a:fld>
             <a:endParaRPr lang="en-US"/>
           </a:p>
@@ -5801,7 +8397,7 @@
         </p:blipFill>
         <p:spPr>
           <a:xfrm>
-            <a:off x="3337546" y="4359282"/>
+            <a:off x="7792673" y="4442363"/>
             <a:ext cx="824937" cy="1460436"/>
           </a:xfrm>
           <a:prstGeom prst="rect">
@@ -5846,43 +8442,6 @@
           </a:prstGeom>
         </p:spPr>
       </p:pic>
-      <p:pic>
-        <p:nvPicPr>
-          <p:cNvPr id="10" name="Picture 9"/>
-          <p:cNvPicPr>
-            <a:picLocks noChangeAspect="1"/>
-          </p:cNvPicPr>
-          <p:nvPr/>
-        </p:nvPicPr>
-        <p:blipFill>
-          <a:blip r:embed="rId4" cstate="print">
-            <a:duotone>
-              <a:prstClr val="black"/>
-              <a:schemeClr val="bg1">
-                <a:tint val="45000"/>
-                <a:satMod val="400000"/>
-              </a:schemeClr>
-            </a:duotone>
-            <a:extLst>
-              <a:ext uri="{28A0092B-C50C-407E-A947-70E740481C1C}">
-                <a14:useLocalDpi xmlns:a14="http://schemas.microsoft.com/office/drawing/2010/main" val="0"/>
-              </a:ext>
-            </a:extLst>
-          </a:blip>
-          <a:stretch>
-            <a:fillRect/>
-          </a:stretch>
-        </p:blipFill>
-        <p:spPr>
-          <a:xfrm rot="16200000">
-            <a:off x="7133363" y="3500520"/>
-            <a:ext cx="1035738" cy="2402120"/>
-          </a:xfrm>
-          <a:prstGeom prst="rect">
-            <a:avLst/>
-          </a:prstGeom>
-        </p:spPr>
-      </p:pic>
       <p:sp>
         <p:nvSpPr>
           <p:cNvPr id="13" name="TextBox 12"/>
@@ -5892,7 +8451,7 @@
         <p:spPr>
           <a:xfrm>
             <a:off x="2060293" y="763929"/>
-            <a:ext cx="1116957" cy="923330"/>
+            <a:ext cx="1116957" cy="1200329"/>
           </a:xfrm>
           <a:prstGeom prst="rect">
             <a:avLst/>
@@ -5909,96 +8468,16 @@
           <a:p>
             <a:pPr algn="ctr"/>
             <a:r>
-              <a:rPr lang="en-US" b="1" dirty="0" smtClean="0"/>
-              <a:t>North-South </a:t>
-            </a:r>
-            <a:r>
-              <a:rPr lang="en-US" b="1" dirty="0" smtClean="0"/>
-              <a:t>GREEN</a:t>
-            </a:r>
-            <a:endParaRPr lang="en-US" b="1" dirty="0"/>
-          </a:p>
-        </p:txBody>
-      </p:sp>
-      <p:cxnSp>
-        <p:nvCxnSpPr>
-          <p:cNvPr id="15" name="Straight Arrow Connector 14"/>
-          <p:cNvCxnSpPr/>
-          <p:nvPr/>
-        </p:nvCxnSpPr>
-        <p:spPr>
-          <a:xfrm flipH="1" flipV="1">
-            <a:off x="5545273" y="259068"/>
-            <a:ext cx="19166" cy="6284965"/>
-          </a:xfrm>
-          <a:prstGeom prst="straightConnector1">
-            <a:avLst/>
-          </a:prstGeom>
-          <a:ln w="76200">
-            <a:solidFill>
-              <a:srgbClr val="FFCC00"/>
-            </a:solidFill>
-            <a:prstDash val="solid"/>
-            <a:headEnd type="triangle" w="med" len="med"/>
-            <a:tailEnd type="triangle" w="med" len="med"/>
-          </a:ln>
-        </p:spPr>
-        <p:style>
-          <a:lnRef idx="1">
-            <a:schemeClr val="accent1"/>
-          </a:lnRef>
-          <a:fillRef idx="0">
-            <a:schemeClr val="accent1"/>
-          </a:fillRef>
-          <a:effectRef idx="0">
-            <a:schemeClr val="accent1"/>
-          </a:effectRef>
-          <a:fontRef idx="minor">
-            <a:schemeClr val="tx1"/>
-          </a:fontRef>
-        </p:style>
-      </p:cxnSp>
-      <p:sp>
-        <p:nvSpPr>
-          <p:cNvPr id="20" name="TextBox 19"/>
-          <p:cNvSpPr txBox="1"/>
-          <p:nvPr/>
-        </p:nvSpPr>
-        <p:spPr>
-          <a:xfrm>
-            <a:off x="6612218" y="5115841"/>
-            <a:ext cx="1116957" cy="923330"/>
-          </a:xfrm>
-          <a:prstGeom prst="rect">
-            <a:avLst/>
-          </a:prstGeom>
-          <a:solidFill>
-            <a:srgbClr val="FFCC00"/>
-          </a:solidFill>
-        </p:spPr>
-        <p:txBody>
-          <a:bodyPr wrap="square" rtlCol="0">
-            <a:spAutoFit/>
-          </a:bodyPr>
-          <a:lstStyle/>
-          <a:p>
-            <a:pPr algn="ctr"/>
-            <a:r>
-              <a:rPr lang="en-US" b="1" dirty="0" smtClean="0"/>
-              <a:t>East-West </a:t>
-            </a:r>
-            <a:r>
-              <a:rPr lang="en-US" b="1" dirty="0" smtClean="0"/>
-              <a:t/>
+              <a:rPr lang="en-US" b="1" dirty="0"/>
+              <a:t>North-South</a:t>
             </a:r>
             <a:br>
-              <a:rPr lang="en-US" b="1" dirty="0" smtClean="0"/>
+              <a:rPr lang="en-US" b="1" dirty="0"/>
             </a:br>
             <a:r>
-              <a:rPr lang="en-US" b="1" dirty="0" smtClean="0"/>
-              <a:t>RED</a:t>
+              <a:rPr lang="en-US" b="1" dirty="0"/>
+              <a:t>TRAFFIC GO</a:t>
             </a:r>
-            <a:endParaRPr lang="en-US" b="1" dirty="0"/>
           </a:p>
         </p:txBody>
       </p:sp>
@@ -6010,14 +8489,14 @@
         </p:nvSpPr>
         <p:spPr>
           <a:xfrm>
-            <a:off x="2050818" y="4468048"/>
+            <a:off x="6505945" y="4551129"/>
             <a:ext cx="1225932" cy="1200329"/>
           </a:xfrm>
           <a:prstGeom prst="rect">
             <a:avLst/>
           </a:prstGeom>
           <a:solidFill>
-            <a:srgbClr val="FFCC00"/>
+            <a:srgbClr val="00B0F0"/>
           </a:solidFill>
         </p:spPr>
         <p:txBody>
@@ -6028,70 +8507,23 @@
           <a:p>
             <a:pPr algn="ctr"/>
             <a:r>
-              <a:rPr lang="en-US" b="1" dirty="0" smtClean="0"/>
+              <a:rPr lang="en-US" b="1" dirty="0"/>
               <a:t>Pedestrian Crossing</a:t>
             </a:r>
             <a:br>
-              <a:rPr lang="en-US" b="1" dirty="0" smtClean="0"/>
+              <a:rPr lang="en-US" b="1" dirty="0"/>
             </a:br>
             <a:r>
-              <a:rPr lang="en-US" b="1" dirty="0" smtClean="0"/>
+              <a:rPr lang="en-US" b="1" dirty="0"/>
               <a:t>DON'T</a:t>
             </a:r>
             <a:br>
-              <a:rPr lang="en-US" b="1" dirty="0" smtClean="0"/>
+              <a:rPr lang="en-US" b="1" dirty="0"/>
             </a:br>
             <a:r>
-              <a:rPr lang="en-US" b="1" dirty="0" smtClean="0"/>
+              <a:rPr lang="en-US" b="1" dirty="0"/>
               <a:t>WALK</a:t>
             </a:r>
-            <a:endParaRPr lang="en-US" b="1" dirty="0"/>
-          </a:p>
-        </p:txBody>
-      </p:sp>
-      <p:sp>
-        <p:nvSpPr>
-          <p:cNvPr id="18" name="Oval 17"/>
-          <p:cNvSpPr/>
-          <p:nvPr/>
-        </p:nvSpPr>
-        <p:spPr>
-          <a:xfrm>
-            <a:off x="6704665" y="4458489"/>
-            <a:ext cx="532932" cy="471224"/>
-          </a:xfrm>
-          <a:prstGeom prst="ellipse">
-            <a:avLst/>
-          </a:prstGeom>
-          <a:solidFill>
-            <a:srgbClr val="FF0000"/>
-          </a:solidFill>
-          <a:ln>
-            <a:noFill/>
-          </a:ln>
-        </p:spPr>
-        <p:style>
-          <a:lnRef idx="2">
-            <a:schemeClr val="accent1">
-              <a:shade val="50000"/>
-            </a:schemeClr>
-          </a:lnRef>
-          <a:fillRef idx="1">
-            <a:schemeClr val="accent1"/>
-          </a:fillRef>
-          <a:effectRef idx="0">
-            <a:schemeClr val="accent1"/>
-          </a:effectRef>
-          <a:fontRef idx="minor">
-            <a:schemeClr val="lt1"/>
-          </a:fontRef>
-        </p:style>
-        <p:txBody>
-          <a:bodyPr rtlCol="0" anchor="ctr"/>
-          <a:lstStyle/>
-          <a:p>
-            <a:pPr algn="ctr"/>
-            <a:endParaRPr lang="en-US"/>
           </a:p>
         </p:txBody>
       </p:sp>
@@ -6141,232 +8573,34 @@
           </a:p>
         </p:txBody>
       </p:sp>
-    </p:spTree>
-    <p:extLst>
-      <p:ext uri="{BB962C8B-B14F-4D97-AF65-F5344CB8AC3E}">
-        <p14:creationId xmlns:p14="http://schemas.microsoft.com/office/powerpoint/2010/main" val="3543779795"/>
-      </p:ext>
-    </p:extLst>
-  </p:cSld>
-  <p:clrMapOvr>
-    <a:masterClrMapping/>
-  </p:clrMapOvr>
-  <p:timing>
-    <p:tnLst>
-      <p:par>
-        <p:cTn id="1" dur="indefinite" restart="never" nodeType="tmRoot"/>
-      </p:par>
-    </p:tnLst>
-  </p:timing>
-</p:sld>
-</file>
-
-<file path=ppt/slides/slide2.xml><?xml version="1.0" encoding="utf-8"?>
-<p:sld xmlns:a="http://schemas.openxmlformats.org/drawingml/2006/main" xmlns:r="http://schemas.openxmlformats.org/officeDocument/2006/relationships" xmlns:p="http://schemas.openxmlformats.org/presentationml/2006/main">
-  <p:cSld>
-    <p:spTree>
-      <p:nvGrpSpPr>
-        <p:cNvPr id="1" name=""/>
-        <p:cNvGrpSpPr/>
-        <p:nvPr/>
-      </p:nvGrpSpPr>
-      <p:grpSpPr>
-        <a:xfrm>
-          <a:off x="0" y="0"/>
-          <a:ext cx="0" cy="0"/>
-          <a:chOff x="0" y="0"/>
-          <a:chExt cx="0" cy="0"/>
-        </a:xfrm>
-      </p:grpSpPr>
-      <p:pic>
-        <p:nvPicPr>
-          <p:cNvPr id="5" name="Picture 4"/>
-          <p:cNvPicPr>
-            <a:picLocks noChangeAspect="1"/>
-          </p:cNvPicPr>
-          <p:nvPr/>
-        </p:nvPicPr>
-        <p:blipFill rotWithShape="1">
-          <a:blip r:embed="rId2" cstate="print">
+      <p:cxnSp>
+        <p:nvCxnSpPr>
+          <p:cNvPr id="26" name="Straight Arrow Connector 25">
             <a:extLst>
-              <a:ext uri="{28A0092B-C50C-407E-A947-70E740481C1C}">
-                <a14:useLocalDpi xmlns:a14="http://schemas.microsoft.com/office/drawing/2010/main" val="0"/>
+              <a:ext uri="{FF2B5EF4-FFF2-40B4-BE49-F238E27FC236}">
+                <a16:creationId xmlns:a16="http://schemas.microsoft.com/office/drawing/2014/main" id="{8C316641-1BA7-4ECE-BA42-A49B808050F4}"/>
               </a:ext>
             </a:extLst>
-          </a:blip>
-          <a:srcRect l="23951" t="22331" r="24891" b="14519"/>
-          <a:stretch/>
-        </p:blipFill>
-        <p:spPr>
-          <a:xfrm>
-            <a:off x="1985875" y="187747"/>
-            <a:ext cx="6866417" cy="6356286"/>
-          </a:xfrm>
-          <a:prstGeom prst="rect">
-            <a:avLst/>
-          </a:prstGeom>
-        </p:spPr>
-      </p:pic>
-      <p:pic>
-        <p:nvPicPr>
-          <p:cNvPr id="6" name="Picture 5"/>
-          <p:cNvPicPr>
-            <a:picLocks noChangeAspect="1"/>
-          </p:cNvPicPr>
-          <p:nvPr/>
-        </p:nvPicPr>
-        <p:blipFill rotWithShape="1">
-          <a:blip r:embed="rId3" cstate="print">
-            <a:extLst>
-              <a:ext uri="{28A0092B-C50C-407E-A947-70E740481C1C}">
-                <a14:useLocalDpi xmlns:a14="http://schemas.microsoft.com/office/drawing/2010/main" val="0"/>
-              </a:ext>
-            </a:extLst>
-          </a:blip>
-          <a:srcRect r="47933"/>
-          <a:stretch/>
-        </p:blipFill>
-        <p:spPr>
-          <a:xfrm>
-            <a:off x="3337546" y="4359282"/>
-            <a:ext cx="824937" cy="1460436"/>
-          </a:xfrm>
-          <a:prstGeom prst="rect">
-            <a:avLst/>
-          </a:prstGeom>
-        </p:spPr>
-      </p:pic>
-      <p:pic>
-        <p:nvPicPr>
-          <p:cNvPr id="9" name="Picture 8"/>
-          <p:cNvPicPr>
-            <a:picLocks noChangeAspect="1"/>
-          </p:cNvPicPr>
-          <p:nvPr/>
-        </p:nvPicPr>
-        <p:blipFill>
-          <a:blip r:embed="rId4" cstate="print">
-            <a:duotone>
-              <a:prstClr val="black"/>
-              <a:schemeClr val="bg1">
-                <a:tint val="45000"/>
-                <a:satMod val="400000"/>
-              </a:schemeClr>
-            </a:duotone>
-            <a:extLst>
-              <a:ext uri="{28A0092B-C50C-407E-A947-70E740481C1C}">
-                <a14:useLocalDpi xmlns:a14="http://schemas.microsoft.com/office/drawing/2010/main" val="0"/>
-              </a:ext>
-            </a:extLst>
-          </a:blip>
-          <a:stretch>
-            <a:fillRect/>
-          </a:stretch>
-        </p:blipFill>
-        <p:spPr>
-          <a:xfrm>
-            <a:off x="3276750" y="189614"/>
-            <a:ext cx="1035738" cy="2402121"/>
-          </a:xfrm>
-          <a:prstGeom prst="rect">
-            <a:avLst/>
-          </a:prstGeom>
-        </p:spPr>
-      </p:pic>
-      <p:pic>
-        <p:nvPicPr>
-          <p:cNvPr id="10" name="Picture 9"/>
-          <p:cNvPicPr>
-            <a:picLocks noChangeAspect="1"/>
-          </p:cNvPicPr>
-          <p:nvPr/>
-        </p:nvPicPr>
-        <p:blipFill>
-          <a:blip r:embed="rId4" cstate="print">
-            <a:duotone>
-              <a:prstClr val="black"/>
-              <a:schemeClr val="bg1">
-                <a:tint val="45000"/>
-                <a:satMod val="400000"/>
-              </a:schemeClr>
-            </a:duotone>
-            <a:extLst>
-              <a:ext uri="{28A0092B-C50C-407E-A947-70E740481C1C}">
-                <a14:useLocalDpi xmlns:a14="http://schemas.microsoft.com/office/drawing/2010/main" val="0"/>
-              </a:ext>
-            </a:extLst>
-          </a:blip>
-          <a:stretch>
-            <a:fillRect/>
-          </a:stretch>
-        </p:blipFill>
-        <p:spPr>
-          <a:xfrm rot="16200000">
-            <a:off x="7133363" y="3500520"/>
-            <a:ext cx="1035738" cy="2402120"/>
-          </a:xfrm>
-          <a:prstGeom prst="rect">
-            <a:avLst/>
-          </a:prstGeom>
-        </p:spPr>
-      </p:pic>
-      <p:sp>
-        <p:nvSpPr>
-          <p:cNvPr id="13" name="TextBox 12"/>
-          <p:cNvSpPr txBox="1"/>
-          <p:nvPr/>
-        </p:nvSpPr>
-        <p:spPr>
-          <a:xfrm>
-            <a:off x="2060293" y="763929"/>
-            <a:ext cx="1116957" cy="923330"/>
-          </a:xfrm>
-          <a:prstGeom prst="rect">
-            <a:avLst/>
-          </a:prstGeom>
-          <a:solidFill>
-            <a:srgbClr val="FFCC00"/>
-          </a:solidFill>
-        </p:spPr>
-        <p:txBody>
-          <a:bodyPr wrap="square" rtlCol="0">
-            <a:spAutoFit/>
-          </a:bodyPr>
-          <a:lstStyle/>
-          <a:p>
-            <a:pPr algn="ctr"/>
-            <a:r>
-              <a:rPr lang="en-US" b="1" dirty="0" smtClean="0"/>
-              <a:t>North-South </a:t>
-            </a:r>
-            <a:r>
-              <a:rPr lang="en-US" b="1" dirty="0" smtClean="0"/>
-              <a:t>YELLOW</a:t>
-            </a:r>
-            <a:endParaRPr lang="en-US" b="1" dirty="0"/>
-          </a:p>
-        </p:txBody>
-      </p:sp>
-      <p:cxnSp>
-        <p:nvCxnSpPr>
-          <p:cNvPr id="15" name="Straight Arrow Connector 14"/>
-          <p:cNvCxnSpPr/>
+          </p:cNvPr>
+          <p:cNvCxnSpPr>
+            <a:cxnSpLocks/>
+          </p:cNvCxnSpPr>
           <p:nvPr/>
         </p:nvCxnSpPr>
         <p:spPr>
           <a:xfrm flipH="1" flipV="1">
-            <a:off x="5545273" y="259068"/>
-            <a:ext cx="19166" cy="6284965"/>
+            <a:off x="6017952" y="2058422"/>
+            <a:ext cx="11723" cy="3844377"/>
           </a:xfrm>
           <a:prstGeom prst="straightConnector1">
             <a:avLst/>
           </a:prstGeom>
-          <a:ln w="76200">
+          <a:ln w="98425">
             <a:solidFill>
               <a:srgbClr val="FFCC00"/>
             </a:solidFill>
             <a:prstDash val="solid"/>
-            <a:headEnd type="triangle" w="med" len="med"/>
+            <a:headEnd type="none" w="med" len="med"/>
             <a:tailEnd type="triangle" w="med" len="med"/>
           </a:ln>
         </p:spPr>
@@ -6385,500 +8619,35 @@
           </a:fontRef>
         </p:style>
       </p:cxnSp>
-      <p:sp>
-        <p:nvSpPr>
-          <p:cNvPr id="20" name="TextBox 19"/>
-          <p:cNvSpPr txBox="1"/>
-          <p:nvPr/>
-        </p:nvSpPr>
-        <p:spPr>
-          <a:xfrm>
-            <a:off x="6612218" y="5115841"/>
-            <a:ext cx="1116957" cy="923330"/>
-          </a:xfrm>
-          <a:prstGeom prst="rect">
-            <a:avLst/>
-          </a:prstGeom>
-          <a:solidFill>
-            <a:srgbClr val="FFCC00"/>
-          </a:solidFill>
-        </p:spPr>
-        <p:txBody>
-          <a:bodyPr wrap="square" rtlCol="0">
-            <a:spAutoFit/>
-          </a:bodyPr>
-          <a:lstStyle/>
-          <a:p>
-            <a:pPr algn="ctr"/>
-            <a:r>
-              <a:rPr lang="en-US" b="1" dirty="0" smtClean="0"/>
-              <a:t>East-West </a:t>
-            </a:r>
-            <a:r>
-              <a:rPr lang="en-US" b="1" dirty="0" smtClean="0"/>
-              <a:t/>
-            </a:r>
-            <a:br>
-              <a:rPr lang="en-US" b="1" dirty="0" smtClean="0"/>
-            </a:br>
-            <a:r>
-              <a:rPr lang="en-US" b="1" dirty="0" smtClean="0"/>
-              <a:t>RED</a:t>
-            </a:r>
-            <a:endParaRPr lang="en-US" b="1" dirty="0"/>
-          </a:p>
-        </p:txBody>
-      </p:sp>
-      <p:sp>
-        <p:nvSpPr>
-          <p:cNvPr id="24" name="TextBox 23"/>
-          <p:cNvSpPr txBox="1"/>
-          <p:nvPr/>
-        </p:nvSpPr>
-        <p:spPr>
-          <a:xfrm>
-            <a:off x="2050818" y="4468048"/>
-            <a:ext cx="1225932" cy="1200329"/>
-          </a:xfrm>
-          <a:prstGeom prst="rect">
-            <a:avLst/>
-          </a:prstGeom>
-          <a:solidFill>
-            <a:srgbClr val="FFCC00"/>
-          </a:solidFill>
-        </p:spPr>
-        <p:txBody>
-          <a:bodyPr wrap="square" rtlCol="0">
-            <a:spAutoFit/>
-          </a:bodyPr>
-          <a:lstStyle/>
-          <a:p>
-            <a:pPr algn="ctr"/>
-            <a:r>
-              <a:rPr lang="en-US" b="1" dirty="0" smtClean="0"/>
-              <a:t>Pedestrian Crossing</a:t>
-            </a:r>
-            <a:br>
-              <a:rPr lang="en-US" b="1" dirty="0" smtClean="0"/>
-            </a:br>
-            <a:r>
-              <a:rPr lang="en-US" b="1" dirty="0" smtClean="0"/>
-              <a:t>DON'T</a:t>
-            </a:r>
-            <a:br>
-              <a:rPr lang="en-US" b="1" dirty="0" smtClean="0"/>
-            </a:br>
-            <a:r>
-              <a:rPr lang="en-US" b="1" dirty="0" smtClean="0"/>
-              <a:t>WALK</a:t>
-            </a:r>
-            <a:endParaRPr lang="en-US" b="1" dirty="0"/>
-          </a:p>
-        </p:txBody>
-      </p:sp>
-      <p:sp>
-        <p:nvSpPr>
-          <p:cNvPr id="18" name="Oval 17"/>
-          <p:cNvSpPr/>
-          <p:nvPr/>
-        </p:nvSpPr>
-        <p:spPr>
-          <a:xfrm>
-            <a:off x="6704665" y="4458489"/>
-            <a:ext cx="532932" cy="471224"/>
-          </a:xfrm>
-          <a:prstGeom prst="ellipse">
-            <a:avLst/>
-          </a:prstGeom>
-          <a:solidFill>
-            <a:srgbClr val="FF0000"/>
-          </a:solidFill>
-          <a:ln>
-            <a:noFill/>
-          </a:ln>
-        </p:spPr>
-        <p:style>
-          <a:lnRef idx="2">
-            <a:schemeClr val="accent1">
-              <a:shade val="50000"/>
-            </a:schemeClr>
-          </a:lnRef>
-          <a:fillRef idx="1">
-            <a:schemeClr val="accent1"/>
-          </a:fillRef>
-          <a:effectRef idx="0">
-            <a:schemeClr val="accent1"/>
-          </a:effectRef>
-          <a:fontRef idx="minor">
-            <a:schemeClr val="lt1"/>
-          </a:fontRef>
-        </p:style>
-        <p:txBody>
-          <a:bodyPr rtlCol="0" anchor="ctr"/>
-          <a:lstStyle/>
-          <a:p>
-            <a:pPr algn="ctr"/>
-            <a:endParaRPr lang="en-US"/>
-          </a:p>
-        </p:txBody>
-      </p:sp>
-      <p:sp>
-        <p:nvSpPr>
-          <p:cNvPr id="22" name="Oval 21"/>
-          <p:cNvSpPr/>
-          <p:nvPr/>
-        </p:nvSpPr>
-        <p:spPr>
-          <a:xfrm>
-            <a:off x="3499108" y="1155062"/>
-            <a:ext cx="532932" cy="471224"/>
-          </a:xfrm>
-          <a:prstGeom prst="ellipse">
-            <a:avLst/>
-          </a:prstGeom>
-          <a:solidFill>
-            <a:srgbClr val="FFFF00"/>
-          </a:solidFill>
-          <a:ln>
-            <a:noFill/>
-          </a:ln>
-        </p:spPr>
-        <p:style>
-          <a:lnRef idx="2">
-            <a:schemeClr val="accent1">
-              <a:shade val="50000"/>
-            </a:schemeClr>
-          </a:lnRef>
-          <a:fillRef idx="1">
-            <a:schemeClr val="accent1"/>
-          </a:fillRef>
-          <a:effectRef idx="0">
-            <a:schemeClr val="accent1"/>
-          </a:effectRef>
-          <a:fontRef idx="minor">
-            <a:schemeClr val="lt1"/>
-          </a:fontRef>
-        </p:style>
-        <p:txBody>
-          <a:bodyPr rtlCol="0" anchor="ctr"/>
-          <a:lstStyle/>
-          <a:p>
-            <a:pPr algn="ctr"/>
-            <a:endParaRPr lang="en-US"/>
-          </a:p>
-        </p:txBody>
-      </p:sp>
-    </p:spTree>
-    <p:extLst>
-      <p:ext uri="{BB962C8B-B14F-4D97-AF65-F5344CB8AC3E}">
-        <p14:creationId xmlns:p14="http://schemas.microsoft.com/office/powerpoint/2010/main" val="3083858105"/>
-      </p:ext>
-    </p:extLst>
-  </p:cSld>
-  <p:clrMapOvr>
-    <a:masterClrMapping/>
-  </p:clrMapOvr>
-  <p:timing>
-    <p:tnLst>
-      <p:par>
-        <p:cTn id="1" dur="indefinite" restart="never" nodeType="tmRoot"/>
-      </p:par>
-    </p:tnLst>
-  </p:timing>
-</p:sld>
-</file>
-
-<file path=ppt/slides/slide3.xml><?xml version="1.0" encoding="utf-8"?>
-<p:sld xmlns:a="http://schemas.openxmlformats.org/drawingml/2006/main" xmlns:r="http://schemas.openxmlformats.org/officeDocument/2006/relationships" xmlns:p="http://schemas.openxmlformats.org/presentationml/2006/main">
-  <p:cSld>
-    <p:spTree>
-      <p:nvGrpSpPr>
-        <p:cNvPr id="1" name=""/>
-        <p:cNvGrpSpPr/>
-        <p:nvPr/>
-      </p:nvGrpSpPr>
-      <p:grpSpPr>
-        <a:xfrm>
-          <a:off x="0" y="0"/>
-          <a:ext cx="0" cy="0"/>
-          <a:chOff x="0" y="0"/>
-          <a:chExt cx="0" cy="0"/>
-        </a:xfrm>
-      </p:grpSpPr>
-      <p:pic>
-        <p:nvPicPr>
-          <p:cNvPr id="5" name="Picture 4"/>
-          <p:cNvPicPr>
-            <a:picLocks noChangeAspect="1"/>
-          </p:cNvPicPr>
-          <p:nvPr/>
-        </p:nvPicPr>
-        <p:blipFill rotWithShape="1">
-          <a:blip r:embed="rId2" cstate="print">
+      <p:cxnSp>
+        <p:nvCxnSpPr>
+          <p:cNvPr id="27" name="Straight Arrow Connector 26">
             <a:extLst>
-              <a:ext uri="{28A0092B-C50C-407E-A947-70E740481C1C}">
-                <a14:useLocalDpi xmlns:a14="http://schemas.microsoft.com/office/drawing/2010/main" val="0"/>
+              <a:ext uri="{FF2B5EF4-FFF2-40B4-BE49-F238E27FC236}">
+                <a16:creationId xmlns:a16="http://schemas.microsoft.com/office/drawing/2014/main" id="{B452E0E9-0D8B-49AA-9EFC-076CE9A221D9}"/>
               </a:ext>
             </a:extLst>
-          </a:blip>
-          <a:srcRect l="23951" t="22331" r="24891" b="14519"/>
-          <a:stretch/>
-        </p:blipFill>
-        <p:spPr>
-          <a:xfrm>
-            <a:off x="1985875" y="187747"/>
-            <a:ext cx="6866417" cy="6356286"/>
-          </a:xfrm>
-          <a:prstGeom prst="rect">
-            <a:avLst/>
-          </a:prstGeom>
-        </p:spPr>
-      </p:pic>
-      <p:pic>
-        <p:nvPicPr>
-          <p:cNvPr id="6" name="Picture 5"/>
-          <p:cNvPicPr>
-            <a:picLocks noChangeAspect="1"/>
-          </p:cNvPicPr>
-          <p:nvPr/>
-        </p:nvPicPr>
-        <p:blipFill rotWithShape="1">
-          <a:blip r:embed="rId3" cstate="print">
-            <a:extLst>
-              <a:ext uri="{28A0092B-C50C-407E-A947-70E740481C1C}">
-                <a14:useLocalDpi xmlns:a14="http://schemas.microsoft.com/office/drawing/2010/main" val="0"/>
-              </a:ext>
-            </a:extLst>
-          </a:blip>
-          <a:srcRect r="47933"/>
-          <a:stretch/>
-        </p:blipFill>
-        <p:spPr>
-          <a:xfrm>
-            <a:off x="3337546" y="4359282"/>
-            <a:ext cx="824937" cy="1460436"/>
-          </a:xfrm>
-          <a:prstGeom prst="rect">
-            <a:avLst/>
-          </a:prstGeom>
-        </p:spPr>
-      </p:pic>
-      <p:pic>
-        <p:nvPicPr>
-          <p:cNvPr id="9" name="Picture 8"/>
-          <p:cNvPicPr>
-            <a:picLocks noChangeAspect="1"/>
-          </p:cNvPicPr>
-          <p:nvPr/>
-        </p:nvPicPr>
-        <p:blipFill>
-          <a:blip r:embed="rId4" cstate="print">
-            <a:duotone>
-              <a:prstClr val="black"/>
-              <a:schemeClr val="bg1">
-                <a:tint val="45000"/>
-                <a:satMod val="400000"/>
-              </a:schemeClr>
-            </a:duotone>
-            <a:extLst>
-              <a:ext uri="{28A0092B-C50C-407E-A947-70E740481C1C}">
-                <a14:useLocalDpi xmlns:a14="http://schemas.microsoft.com/office/drawing/2010/main" val="0"/>
-              </a:ext>
-            </a:extLst>
-          </a:blip>
-          <a:stretch>
-            <a:fillRect/>
-          </a:stretch>
-        </p:blipFill>
-        <p:spPr>
-          <a:xfrm>
-            <a:off x="3276750" y="189614"/>
-            <a:ext cx="1035738" cy="2402121"/>
-          </a:xfrm>
-          <a:prstGeom prst="rect">
-            <a:avLst/>
-          </a:prstGeom>
-        </p:spPr>
-      </p:pic>
-      <p:pic>
-        <p:nvPicPr>
-          <p:cNvPr id="10" name="Picture 9"/>
-          <p:cNvPicPr>
-            <a:picLocks noChangeAspect="1"/>
-          </p:cNvPicPr>
-          <p:nvPr/>
-        </p:nvPicPr>
-        <p:blipFill>
-          <a:blip r:embed="rId4" cstate="print">
-            <a:duotone>
-              <a:prstClr val="black"/>
-              <a:schemeClr val="bg1">
-                <a:tint val="45000"/>
-                <a:satMod val="400000"/>
-              </a:schemeClr>
-            </a:duotone>
-            <a:extLst>
-              <a:ext uri="{28A0092B-C50C-407E-A947-70E740481C1C}">
-                <a14:useLocalDpi xmlns:a14="http://schemas.microsoft.com/office/drawing/2010/main" val="0"/>
-              </a:ext>
-            </a:extLst>
-          </a:blip>
-          <a:stretch>
-            <a:fillRect/>
-          </a:stretch>
-        </p:blipFill>
-        <p:spPr>
-          <a:xfrm rot="16200000">
-            <a:off x="7133363" y="3500520"/>
-            <a:ext cx="1035738" cy="2402120"/>
-          </a:xfrm>
-          <a:prstGeom prst="rect">
-            <a:avLst/>
-          </a:prstGeom>
-        </p:spPr>
-      </p:pic>
-      <p:sp>
-        <p:nvSpPr>
-          <p:cNvPr id="13" name="TextBox 12"/>
-          <p:cNvSpPr txBox="1"/>
-          <p:nvPr/>
-        </p:nvSpPr>
-        <p:spPr>
-          <a:xfrm>
-            <a:off x="2060293" y="763929"/>
-            <a:ext cx="1116957" cy="923330"/>
-          </a:xfrm>
-          <a:prstGeom prst="rect">
-            <a:avLst/>
-          </a:prstGeom>
-          <a:solidFill>
-            <a:srgbClr val="FFCC00"/>
-          </a:solidFill>
-        </p:spPr>
-        <p:txBody>
-          <a:bodyPr wrap="square" rtlCol="0">
-            <a:spAutoFit/>
-          </a:bodyPr>
-          <a:lstStyle/>
-          <a:p>
-            <a:pPr algn="ctr"/>
-            <a:r>
-              <a:rPr lang="en-US" b="1" dirty="0" smtClean="0"/>
-              <a:t>North-South </a:t>
-            </a:r>
-            <a:r>
-              <a:rPr lang="en-US" b="1" dirty="0" smtClean="0"/>
-              <a:t>RED</a:t>
-            </a:r>
-            <a:endParaRPr lang="en-US" b="1" dirty="0"/>
-          </a:p>
-        </p:txBody>
-      </p:sp>
-      <p:sp>
-        <p:nvSpPr>
-          <p:cNvPr id="20" name="TextBox 19"/>
-          <p:cNvSpPr txBox="1"/>
-          <p:nvPr/>
-        </p:nvSpPr>
-        <p:spPr>
-          <a:xfrm>
-            <a:off x="6612218" y="5115841"/>
-            <a:ext cx="1116957" cy="923330"/>
-          </a:xfrm>
-          <a:prstGeom prst="rect">
-            <a:avLst/>
-          </a:prstGeom>
-          <a:solidFill>
-            <a:srgbClr val="FFCC00"/>
-          </a:solidFill>
-        </p:spPr>
-        <p:txBody>
-          <a:bodyPr wrap="square" rtlCol="0">
-            <a:spAutoFit/>
-          </a:bodyPr>
-          <a:lstStyle/>
-          <a:p>
-            <a:pPr algn="ctr"/>
-            <a:r>
-              <a:rPr lang="en-US" b="1" dirty="0" smtClean="0"/>
-              <a:t>East-West </a:t>
-            </a:r>
-            <a:r>
-              <a:rPr lang="en-US" b="1" dirty="0" smtClean="0"/>
-              <a:t>GREEN</a:t>
-            </a:r>
-            <a:endParaRPr lang="en-US" b="1" dirty="0"/>
-          </a:p>
-        </p:txBody>
-      </p:sp>
-      <p:sp>
-        <p:nvSpPr>
-          <p:cNvPr id="24" name="TextBox 23"/>
-          <p:cNvSpPr txBox="1"/>
-          <p:nvPr/>
-        </p:nvSpPr>
-        <p:spPr>
-          <a:xfrm>
-            <a:off x="2050818" y="4468048"/>
-            <a:ext cx="1225932" cy="1200329"/>
-          </a:xfrm>
-          <a:prstGeom prst="rect">
-            <a:avLst/>
-          </a:prstGeom>
-          <a:solidFill>
-            <a:srgbClr val="FFCC00"/>
-          </a:solidFill>
-        </p:spPr>
-        <p:txBody>
-          <a:bodyPr wrap="square" rtlCol="0">
-            <a:spAutoFit/>
-          </a:bodyPr>
-          <a:lstStyle/>
-          <a:p>
-            <a:pPr algn="ctr"/>
-            <a:r>
-              <a:rPr lang="en-US" b="1" dirty="0"/>
-              <a:t>Pedestrian Crossing</a:t>
-            </a:r>
-            <a:br>
-              <a:rPr lang="en-US" b="1" dirty="0"/>
-            </a:br>
-            <a:r>
-              <a:rPr lang="en-US" b="1" dirty="0"/>
-              <a:t>DON'T</a:t>
-            </a:r>
-            <a:br>
-              <a:rPr lang="en-US" b="1" dirty="0"/>
-            </a:br>
-            <a:r>
-              <a:rPr lang="en-US" b="1" dirty="0"/>
-              <a:t>WALK</a:t>
-            </a:r>
-            <a:endParaRPr lang="en-US" b="1" dirty="0"/>
-          </a:p>
-        </p:txBody>
-      </p:sp>
-      <p:cxnSp>
-        <p:nvCxnSpPr>
-          <p:cNvPr id="25" name="Straight Arrow Connector 24"/>
-          <p:cNvCxnSpPr/>
+          </p:cNvPr>
+          <p:cNvCxnSpPr>
+            <a:cxnSpLocks/>
+          </p:cNvCxnSpPr>
           <p:nvPr/>
         </p:nvCxnSpPr>
         <p:spPr>
-          <a:xfrm>
-            <a:off x="2120630" y="3476017"/>
-            <a:ext cx="6884062" cy="474731"/>
+          <a:xfrm flipH="1" flipV="1">
+            <a:off x="5403355" y="905443"/>
+            <a:ext cx="11723" cy="3844377"/>
           </a:xfrm>
           <a:prstGeom prst="straightConnector1">
             <a:avLst/>
           </a:prstGeom>
-          <a:ln w="76200">
+          <a:ln w="98425">
             <a:solidFill>
               <a:srgbClr val="FFCC00"/>
             </a:solidFill>
             <a:prstDash val="solid"/>
             <a:headEnd type="triangle" w="med" len="med"/>
-            <a:tailEnd type="triangle" w="med" len="med"/>
+            <a:tailEnd type="none" w="med" len="med"/>
           </a:ln>
         </p:spPr>
         <p:style>
@@ -6896,539 +8665,20 @@
           </a:fontRef>
         </p:style>
       </p:cxnSp>
-      <p:sp>
-        <p:nvSpPr>
-          <p:cNvPr id="2" name="Oval 1"/>
-          <p:cNvSpPr/>
-          <p:nvPr/>
-        </p:nvSpPr>
-        <p:spPr>
-          <a:xfrm>
-            <a:off x="3511745" y="493664"/>
-            <a:ext cx="532932" cy="471224"/>
-          </a:xfrm>
-          <a:prstGeom prst="ellipse">
-            <a:avLst/>
-          </a:prstGeom>
-          <a:solidFill>
-            <a:srgbClr val="FF0000"/>
-          </a:solidFill>
-          <a:ln>
-            <a:noFill/>
-          </a:ln>
-        </p:spPr>
-        <p:style>
-          <a:lnRef idx="2">
-            <a:schemeClr val="accent1">
-              <a:shade val="50000"/>
-            </a:schemeClr>
-          </a:lnRef>
-          <a:fillRef idx="1">
-            <a:schemeClr val="accent1"/>
-          </a:fillRef>
-          <a:effectRef idx="0">
-            <a:schemeClr val="accent1"/>
-          </a:effectRef>
-          <a:fontRef idx="minor">
-            <a:schemeClr val="lt1"/>
-          </a:fontRef>
-        </p:style>
-        <p:txBody>
-          <a:bodyPr rtlCol="0" anchor="ctr"/>
-          <a:lstStyle/>
-          <a:p>
-            <a:pPr algn="ctr"/>
-            <a:endParaRPr lang="en-US"/>
-          </a:p>
-        </p:txBody>
-      </p:sp>
-      <p:sp>
-        <p:nvSpPr>
-          <p:cNvPr id="19" name="Oval 18"/>
-          <p:cNvSpPr/>
-          <p:nvPr/>
-        </p:nvSpPr>
-        <p:spPr>
-          <a:xfrm>
-            <a:off x="8083292" y="4458489"/>
-            <a:ext cx="532932" cy="471224"/>
-          </a:xfrm>
-          <a:prstGeom prst="ellipse">
-            <a:avLst/>
-          </a:prstGeom>
-          <a:solidFill>
-            <a:srgbClr val="00B050"/>
-          </a:solidFill>
-          <a:ln>
-            <a:noFill/>
-          </a:ln>
-        </p:spPr>
-        <p:style>
-          <a:lnRef idx="2">
-            <a:schemeClr val="accent1">
-              <a:shade val="50000"/>
-            </a:schemeClr>
-          </a:lnRef>
-          <a:fillRef idx="1">
-            <a:schemeClr val="accent1"/>
-          </a:fillRef>
-          <a:effectRef idx="0">
-            <a:schemeClr val="accent1"/>
-          </a:effectRef>
-          <a:fontRef idx="minor">
-            <a:schemeClr val="lt1"/>
-          </a:fontRef>
-        </p:style>
-        <p:txBody>
-          <a:bodyPr rtlCol="0" anchor="ctr"/>
-          <a:lstStyle/>
-          <a:p>
-            <a:pPr algn="ctr"/>
-            <a:endParaRPr lang="en-US"/>
-          </a:p>
-        </p:txBody>
-      </p:sp>
     </p:spTree>
     <p:extLst>
       <p:ext uri="{BB962C8B-B14F-4D97-AF65-F5344CB8AC3E}">
-        <p14:creationId xmlns:p14="http://schemas.microsoft.com/office/powerpoint/2010/main" val="752006648"/>
+        <p14:creationId xmlns:p14="http://schemas.microsoft.com/office/powerpoint/2010/main" val="3999788789"/>
       </p:ext>
     </p:extLst>
   </p:cSld>
   <p:clrMapOvr>
     <a:masterClrMapping/>
   </p:clrMapOvr>
-  <p:timing>
-    <p:tnLst>
-      <p:par>
-        <p:cTn id="1" dur="indefinite" restart="never" nodeType="tmRoot"/>
-      </p:par>
-    </p:tnLst>
-  </p:timing>
 </p:sld>
 </file>
 
-<file path=ppt/slides/slide4.xml><?xml version="1.0" encoding="utf-8"?>
-<p:sld xmlns:a="http://schemas.openxmlformats.org/drawingml/2006/main" xmlns:r="http://schemas.openxmlformats.org/officeDocument/2006/relationships" xmlns:p="http://schemas.openxmlformats.org/presentationml/2006/main">
-  <p:cSld>
-    <p:spTree>
-      <p:nvGrpSpPr>
-        <p:cNvPr id="1" name=""/>
-        <p:cNvGrpSpPr/>
-        <p:nvPr/>
-      </p:nvGrpSpPr>
-      <p:grpSpPr>
-        <a:xfrm>
-          <a:off x="0" y="0"/>
-          <a:ext cx="0" cy="0"/>
-          <a:chOff x="0" y="0"/>
-          <a:chExt cx="0" cy="0"/>
-        </a:xfrm>
-      </p:grpSpPr>
-      <p:pic>
-        <p:nvPicPr>
-          <p:cNvPr id="5" name="Picture 4"/>
-          <p:cNvPicPr>
-            <a:picLocks noChangeAspect="1"/>
-          </p:cNvPicPr>
-          <p:nvPr/>
-        </p:nvPicPr>
-        <p:blipFill rotWithShape="1">
-          <a:blip r:embed="rId2" cstate="print">
-            <a:extLst>
-              <a:ext uri="{28A0092B-C50C-407E-A947-70E740481C1C}">
-                <a14:useLocalDpi xmlns:a14="http://schemas.microsoft.com/office/drawing/2010/main" val="0"/>
-              </a:ext>
-            </a:extLst>
-          </a:blip>
-          <a:srcRect l="23951" t="22331" r="24891" b="14519"/>
-          <a:stretch/>
-        </p:blipFill>
-        <p:spPr>
-          <a:xfrm>
-            <a:off x="1985875" y="187747"/>
-            <a:ext cx="6866417" cy="6356286"/>
-          </a:xfrm>
-          <a:prstGeom prst="rect">
-            <a:avLst/>
-          </a:prstGeom>
-        </p:spPr>
-      </p:pic>
-      <p:pic>
-        <p:nvPicPr>
-          <p:cNvPr id="6" name="Picture 5"/>
-          <p:cNvPicPr>
-            <a:picLocks noChangeAspect="1"/>
-          </p:cNvPicPr>
-          <p:nvPr/>
-        </p:nvPicPr>
-        <p:blipFill rotWithShape="1">
-          <a:blip r:embed="rId3" cstate="print">
-            <a:extLst>
-              <a:ext uri="{28A0092B-C50C-407E-A947-70E740481C1C}">
-                <a14:useLocalDpi xmlns:a14="http://schemas.microsoft.com/office/drawing/2010/main" val="0"/>
-              </a:ext>
-            </a:extLst>
-          </a:blip>
-          <a:srcRect r="47933"/>
-          <a:stretch/>
-        </p:blipFill>
-        <p:spPr>
-          <a:xfrm>
-            <a:off x="3337546" y="4359282"/>
-            <a:ext cx="824937" cy="1460436"/>
-          </a:xfrm>
-          <a:prstGeom prst="rect">
-            <a:avLst/>
-          </a:prstGeom>
-        </p:spPr>
-      </p:pic>
-      <p:pic>
-        <p:nvPicPr>
-          <p:cNvPr id="9" name="Picture 8"/>
-          <p:cNvPicPr>
-            <a:picLocks noChangeAspect="1"/>
-          </p:cNvPicPr>
-          <p:nvPr/>
-        </p:nvPicPr>
-        <p:blipFill>
-          <a:blip r:embed="rId4" cstate="print">
-            <a:duotone>
-              <a:prstClr val="black"/>
-              <a:schemeClr val="bg1">
-                <a:tint val="45000"/>
-                <a:satMod val="400000"/>
-              </a:schemeClr>
-            </a:duotone>
-            <a:extLst>
-              <a:ext uri="{28A0092B-C50C-407E-A947-70E740481C1C}">
-                <a14:useLocalDpi xmlns:a14="http://schemas.microsoft.com/office/drawing/2010/main" val="0"/>
-              </a:ext>
-            </a:extLst>
-          </a:blip>
-          <a:stretch>
-            <a:fillRect/>
-          </a:stretch>
-        </p:blipFill>
-        <p:spPr>
-          <a:xfrm>
-            <a:off x="3276750" y="189614"/>
-            <a:ext cx="1035738" cy="2402121"/>
-          </a:xfrm>
-          <a:prstGeom prst="rect">
-            <a:avLst/>
-          </a:prstGeom>
-        </p:spPr>
-      </p:pic>
-      <p:pic>
-        <p:nvPicPr>
-          <p:cNvPr id="10" name="Picture 9"/>
-          <p:cNvPicPr>
-            <a:picLocks noChangeAspect="1"/>
-          </p:cNvPicPr>
-          <p:nvPr/>
-        </p:nvPicPr>
-        <p:blipFill>
-          <a:blip r:embed="rId4" cstate="print">
-            <a:duotone>
-              <a:prstClr val="black"/>
-              <a:schemeClr val="bg1">
-                <a:tint val="45000"/>
-                <a:satMod val="400000"/>
-              </a:schemeClr>
-            </a:duotone>
-            <a:extLst>
-              <a:ext uri="{28A0092B-C50C-407E-A947-70E740481C1C}">
-                <a14:useLocalDpi xmlns:a14="http://schemas.microsoft.com/office/drawing/2010/main" val="0"/>
-              </a:ext>
-            </a:extLst>
-          </a:blip>
-          <a:stretch>
-            <a:fillRect/>
-          </a:stretch>
-        </p:blipFill>
-        <p:spPr>
-          <a:xfrm rot="16200000">
-            <a:off x="7133363" y="3500520"/>
-            <a:ext cx="1035738" cy="2402120"/>
-          </a:xfrm>
-          <a:prstGeom prst="rect">
-            <a:avLst/>
-          </a:prstGeom>
-        </p:spPr>
-      </p:pic>
-      <p:sp>
-        <p:nvSpPr>
-          <p:cNvPr id="13" name="TextBox 12"/>
-          <p:cNvSpPr txBox="1"/>
-          <p:nvPr/>
-        </p:nvSpPr>
-        <p:spPr>
-          <a:xfrm>
-            <a:off x="2060293" y="763929"/>
-            <a:ext cx="1116957" cy="923330"/>
-          </a:xfrm>
-          <a:prstGeom prst="rect">
-            <a:avLst/>
-          </a:prstGeom>
-          <a:solidFill>
-            <a:srgbClr val="FFCC00"/>
-          </a:solidFill>
-        </p:spPr>
-        <p:txBody>
-          <a:bodyPr wrap="square" rtlCol="0">
-            <a:spAutoFit/>
-          </a:bodyPr>
-          <a:lstStyle/>
-          <a:p>
-            <a:pPr algn="ctr"/>
-            <a:r>
-              <a:rPr lang="en-US" b="1" dirty="0" smtClean="0"/>
-              <a:t>North-South </a:t>
-            </a:r>
-            <a:r>
-              <a:rPr lang="en-US" b="1" dirty="0" smtClean="0"/>
-              <a:t>RED</a:t>
-            </a:r>
-            <a:endParaRPr lang="en-US" b="1" dirty="0"/>
-          </a:p>
-        </p:txBody>
-      </p:sp>
-      <p:sp>
-        <p:nvSpPr>
-          <p:cNvPr id="20" name="TextBox 19"/>
-          <p:cNvSpPr txBox="1"/>
-          <p:nvPr/>
-        </p:nvSpPr>
-        <p:spPr>
-          <a:xfrm>
-            <a:off x="6612218" y="5115841"/>
-            <a:ext cx="1116957" cy="923330"/>
-          </a:xfrm>
-          <a:prstGeom prst="rect">
-            <a:avLst/>
-          </a:prstGeom>
-          <a:solidFill>
-            <a:srgbClr val="FFCC00"/>
-          </a:solidFill>
-        </p:spPr>
-        <p:txBody>
-          <a:bodyPr wrap="square" rtlCol="0">
-            <a:spAutoFit/>
-          </a:bodyPr>
-          <a:lstStyle/>
-          <a:p>
-            <a:pPr algn="ctr"/>
-            <a:r>
-              <a:rPr lang="en-US" b="1" dirty="0" smtClean="0"/>
-              <a:t>East-West </a:t>
-            </a:r>
-            <a:r>
-              <a:rPr lang="en-US" b="1" dirty="0" smtClean="0"/>
-              <a:t>YELLOW</a:t>
-            </a:r>
-            <a:endParaRPr lang="en-US" b="1" dirty="0"/>
-          </a:p>
-        </p:txBody>
-      </p:sp>
-      <p:sp>
-        <p:nvSpPr>
-          <p:cNvPr id="24" name="TextBox 23"/>
-          <p:cNvSpPr txBox="1"/>
-          <p:nvPr/>
-        </p:nvSpPr>
-        <p:spPr>
-          <a:xfrm>
-            <a:off x="2050818" y="4468048"/>
-            <a:ext cx="1225932" cy="1200329"/>
-          </a:xfrm>
-          <a:prstGeom prst="rect">
-            <a:avLst/>
-          </a:prstGeom>
-          <a:solidFill>
-            <a:srgbClr val="FFCC00"/>
-          </a:solidFill>
-        </p:spPr>
-        <p:txBody>
-          <a:bodyPr wrap="square" rtlCol="0">
-            <a:spAutoFit/>
-          </a:bodyPr>
-          <a:lstStyle/>
-          <a:p>
-            <a:pPr algn="ctr"/>
-            <a:r>
-              <a:rPr lang="en-US" b="1" dirty="0"/>
-              <a:t>Pedestrian Crossing</a:t>
-            </a:r>
-            <a:br>
-              <a:rPr lang="en-US" b="1" dirty="0"/>
-            </a:br>
-            <a:r>
-              <a:rPr lang="en-US" b="1" dirty="0"/>
-              <a:t>DON'T</a:t>
-            </a:r>
-            <a:br>
-              <a:rPr lang="en-US" b="1" dirty="0"/>
-            </a:br>
-            <a:r>
-              <a:rPr lang="en-US" b="1" dirty="0"/>
-              <a:t>WALK</a:t>
-            </a:r>
-            <a:endParaRPr lang="en-US" b="1" dirty="0"/>
-          </a:p>
-        </p:txBody>
-      </p:sp>
-      <p:cxnSp>
-        <p:nvCxnSpPr>
-          <p:cNvPr id="25" name="Straight Arrow Connector 24"/>
-          <p:cNvCxnSpPr/>
-          <p:nvPr/>
-        </p:nvCxnSpPr>
-        <p:spPr>
-          <a:xfrm>
-            <a:off x="2120630" y="3476017"/>
-            <a:ext cx="6884062" cy="474731"/>
-          </a:xfrm>
-          <a:prstGeom prst="straightConnector1">
-            <a:avLst/>
-          </a:prstGeom>
-          <a:ln w="76200">
-            <a:solidFill>
-              <a:srgbClr val="FFCC00"/>
-            </a:solidFill>
-            <a:prstDash val="solid"/>
-            <a:headEnd type="triangle" w="med" len="med"/>
-            <a:tailEnd type="triangle" w="med" len="med"/>
-          </a:ln>
-        </p:spPr>
-        <p:style>
-          <a:lnRef idx="1">
-            <a:schemeClr val="accent1"/>
-          </a:lnRef>
-          <a:fillRef idx="0">
-            <a:schemeClr val="accent1"/>
-          </a:fillRef>
-          <a:effectRef idx="0">
-            <a:schemeClr val="accent1"/>
-          </a:effectRef>
-          <a:fontRef idx="minor">
-            <a:schemeClr val="tx1"/>
-          </a:fontRef>
-        </p:style>
-      </p:cxnSp>
-      <p:sp>
-        <p:nvSpPr>
-          <p:cNvPr id="2" name="Oval 1"/>
-          <p:cNvSpPr/>
-          <p:nvPr/>
-        </p:nvSpPr>
-        <p:spPr>
-          <a:xfrm>
-            <a:off x="3511745" y="493664"/>
-            <a:ext cx="532932" cy="471224"/>
-          </a:xfrm>
-          <a:prstGeom prst="ellipse">
-            <a:avLst/>
-          </a:prstGeom>
-          <a:solidFill>
-            <a:srgbClr val="FF0000"/>
-          </a:solidFill>
-          <a:ln>
-            <a:noFill/>
-          </a:ln>
-        </p:spPr>
-        <p:style>
-          <a:lnRef idx="2">
-            <a:schemeClr val="accent1">
-              <a:shade val="50000"/>
-            </a:schemeClr>
-          </a:lnRef>
-          <a:fillRef idx="1">
-            <a:schemeClr val="accent1"/>
-          </a:fillRef>
-          <a:effectRef idx="0">
-            <a:schemeClr val="accent1"/>
-          </a:effectRef>
-          <a:fontRef idx="minor">
-            <a:schemeClr val="lt1"/>
-          </a:fontRef>
-        </p:style>
-        <p:txBody>
-          <a:bodyPr rtlCol="0" anchor="ctr"/>
-          <a:lstStyle/>
-          <a:p>
-            <a:pPr algn="ctr"/>
-            <a:endParaRPr lang="en-US"/>
-          </a:p>
-        </p:txBody>
-      </p:sp>
-      <p:sp>
-        <p:nvSpPr>
-          <p:cNvPr id="19" name="Oval 18"/>
-          <p:cNvSpPr/>
-          <p:nvPr/>
-        </p:nvSpPr>
-        <p:spPr>
-          <a:xfrm>
-            <a:off x="7319967" y="4465967"/>
-            <a:ext cx="532932" cy="471224"/>
-          </a:xfrm>
-          <a:prstGeom prst="ellipse">
-            <a:avLst/>
-          </a:prstGeom>
-          <a:solidFill>
-            <a:srgbClr val="FFFF00"/>
-          </a:solidFill>
-          <a:ln>
-            <a:noFill/>
-          </a:ln>
-        </p:spPr>
-        <p:style>
-          <a:lnRef idx="2">
-            <a:schemeClr val="accent1">
-              <a:shade val="50000"/>
-            </a:schemeClr>
-          </a:lnRef>
-          <a:fillRef idx="1">
-            <a:schemeClr val="accent1"/>
-          </a:fillRef>
-          <a:effectRef idx="0">
-            <a:schemeClr val="accent1"/>
-          </a:effectRef>
-          <a:fontRef idx="minor">
-            <a:schemeClr val="lt1"/>
-          </a:fontRef>
-        </p:style>
-        <p:txBody>
-          <a:bodyPr rtlCol="0" anchor="ctr"/>
-          <a:lstStyle/>
-          <a:p>
-            <a:pPr algn="ctr"/>
-            <a:endParaRPr lang="en-US"/>
-          </a:p>
-        </p:txBody>
-      </p:sp>
-    </p:spTree>
-    <p:extLst>
-      <p:ext uri="{BB962C8B-B14F-4D97-AF65-F5344CB8AC3E}">
-        <p14:creationId xmlns:p14="http://schemas.microsoft.com/office/powerpoint/2010/main" val="3147016167"/>
-      </p:ext>
-    </p:extLst>
-  </p:cSld>
-  <p:clrMapOvr>
-    <a:masterClrMapping/>
-  </p:clrMapOvr>
-  <p:timing>
-    <p:tnLst>
-      <p:par>
-        <p:cTn id="1" dur="indefinite" restart="never" nodeType="tmRoot"/>
-      </p:par>
-    </p:tnLst>
-  </p:timing>
-</p:sld>
-</file>
-
-<file path=ppt/slides/slide5.xml><?xml version="1.0" encoding="utf-8"?>
+<file path=ppt/slides/slide10.xml><?xml version="1.0" encoding="utf-8"?>
 <p:sld xmlns:a="http://schemas.openxmlformats.org/drawingml/2006/main" xmlns:r="http://schemas.openxmlformats.org/officeDocument/2006/relationships" xmlns:p="http://schemas.openxmlformats.org/presentationml/2006/main">
   <p:cSld>
     <p:spTree>
@@ -7603,14 +8853,9 @@
           <a:p>
             <a:pPr algn="ctr"/>
             <a:r>
-              <a:rPr lang="en-US" b="1" dirty="0" smtClean="0"/>
-              <a:t>North-South </a:t>
+              <a:rPr lang="en-US" b="1" dirty="0"/>
+              <a:t>North-South RED</a:t>
             </a:r>
-            <a:r>
-              <a:rPr lang="en-US" b="1" dirty="0" smtClean="0"/>
-              <a:t>RED</a:t>
-            </a:r>
-            <a:endParaRPr lang="en-US" b="1" dirty="0"/>
           </a:p>
         </p:txBody>
       </p:sp>
@@ -7640,21 +8885,16 @@
           <a:p>
             <a:pPr algn="ctr"/>
             <a:r>
-              <a:rPr lang="en-US" b="1" dirty="0" smtClean="0"/>
+              <a:rPr lang="en-US" b="1" dirty="0"/>
               <a:t>East-West </a:t>
             </a:r>
-            <a:r>
-              <a:rPr lang="en-US" b="1" dirty="0" smtClean="0"/>
-              <a:t/>
-            </a:r>
             <a:br>
-              <a:rPr lang="en-US" b="1" dirty="0" smtClean="0"/>
+              <a:rPr lang="en-US" b="1" dirty="0"/>
             </a:br>
             <a:r>
-              <a:rPr lang="en-US" b="1" dirty="0" smtClean="0"/>
+              <a:rPr lang="en-US" b="1" dirty="0"/>
               <a:t>RED</a:t>
             </a:r>
-            <a:endParaRPr lang="en-US" b="1" dirty="0"/>
           </a:p>
         </p:txBody>
       </p:sp>
@@ -7729,10 +8969,9 @@
               <a:rPr lang="en-US" b="1" dirty="0"/>
             </a:br>
             <a:r>
-              <a:rPr lang="en-US" b="1" dirty="0" smtClean="0"/>
+              <a:rPr lang="en-US" b="1" dirty="0"/>
               <a:t>WALK</a:t>
             </a:r>
-            <a:endParaRPr lang="en-US" b="1" dirty="0"/>
           </a:p>
         </p:txBody>
       </p:sp>
@@ -8028,17 +9267,10 @@
   <p:clrMapOvr>
     <a:masterClrMapping/>
   </p:clrMapOvr>
-  <p:timing>
-    <p:tnLst>
-      <p:par>
-        <p:cTn id="1" dur="indefinite" restart="never" nodeType="tmRoot"/>
-      </p:par>
-    </p:tnLst>
-  </p:timing>
 </p:sld>
 </file>
 
-<file path=ppt/slides/slide6.xml><?xml version="1.0" encoding="utf-8"?>
+<file path=ppt/slides/slide11.xml><?xml version="1.0" encoding="utf-8"?>
 <p:sld xmlns:a="http://schemas.openxmlformats.org/drawingml/2006/main" xmlns:r="http://schemas.openxmlformats.org/officeDocument/2006/relationships" xmlns:p="http://schemas.openxmlformats.org/presentationml/2006/main">
   <p:cSld>
     <p:spTree>
@@ -8087,13 +9319,2669 @@
   <p:clrMapOvr>
     <a:masterClrMapping/>
   </p:clrMapOvr>
-  <p:timing>
-    <p:tnLst>
-      <p:par>
-        <p:cTn id="1" dur="indefinite" restart="never" nodeType="tmRoot"/>
-      </p:par>
-    </p:tnLst>
-  </p:timing>
+</p:sld>
+</file>
+
+<file path=ppt/slides/slide2.xml><?xml version="1.0" encoding="utf-8"?>
+<p:sld xmlns:a="http://schemas.openxmlformats.org/drawingml/2006/main" xmlns:r="http://schemas.openxmlformats.org/officeDocument/2006/relationships" xmlns:p="http://schemas.openxmlformats.org/presentationml/2006/main">
+  <p:cSld>
+    <p:spTree>
+      <p:nvGrpSpPr>
+        <p:cNvPr id="1" name=""/>
+        <p:cNvGrpSpPr/>
+        <p:nvPr/>
+      </p:nvGrpSpPr>
+      <p:grpSpPr>
+        <a:xfrm>
+          <a:off x="0" y="0"/>
+          <a:ext cx="0" cy="0"/>
+          <a:chOff x="0" y="0"/>
+          <a:chExt cx="0" cy="0"/>
+        </a:xfrm>
+      </p:grpSpPr>
+      <p:pic>
+        <p:nvPicPr>
+          <p:cNvPr id="5" name="Picture 4"/>
+          <p:cNvPicPr>
+            <a:picLocks noChangeAspect="1"/>
+          </p:cNvPicPr>
+          <p:nvPr/>
+        </p:nvPicPr>
+        <p:blipFill rotWithShape="1">
+          <a:blip r:embed="rId2" cstate="print">
+            <a:extLst>
+              <a:ext uri="{28A0092B-C50C-407E-A947-70E740481C1C}">
+                <a14:useLocalDpi xmlns:a14="http://schemas.microsoft.com/office/drawing/2010/main" val="0"/>
+              </a:ext>
+            </a:extLst>
+          </a:blip>
+          <a:srcRect l="23951" t="22331" r="24891" b="14519"/>
+          <a:stretch/>
+        </p:blipFill>
+        <p:spPr>
+          <a:xfrm>
+            <a:off x="1985875" y="187747"/>
+            <a:ext cx="6866417" cy="6356286"/>
+          </a:xfrm>
+          <a:prstGeom prst="rect">
+            <a:avLst/>
+          </a:prstGeom>
+        </p:spPr>
+      </p:pic>
+      <p:pic>
+        <p:nvPicPr>
+          <p:cNvPr id="9" name="Picture 8"/>
+          <p:cNvPicPr>
+            <a:picLocks noChangeAspect="1"/>
+          </p:cNvPicPr>
+          <p:nvPr/>
+        </p:nvPicPr>
+        <p:blipFill>
+          <a:blip r:embed="rId3" cstate="print">
+            <a:duotone>
+              <a:prstClr val="black"/>
+              <a:schemeClr val="bg1">
+                <a:tint val="45000"/>
+                <a:satMod val="400000"/>
+              </a:schemeClr>
+            </a:duotone>
+            <a:extLst>
+              <a:ext uri="{28A0092B-C50C-407E-A947-70E740481C1C}">
+                <a14:useLocalDpi xmlns:a14="http://schemas.microsoft.com/office/drawing/2010/main" val="0"/>
+              </a:ext>
+            </a:extLst>
+          </a:blip>
+          <a:stretch>
+            <a:fillRect/>
+          </a:stretch>
+        </p:blipFill>
+        <p:spPr>
+          <a:xfrm>
+            <a:off x="3276750" y="189614"/>
+            <a:ext cx="1035738" cy="2402121"/>
+          </a:xfrm>
+          <a:prstGeom prst="rect">
+            <a:avLst/>
+          </a:prstGeom>
+        </p:spPr>
+      </p:pic>
+      <p:sp>
+        <p:nvSpPr>
+          <p:cNvPr id="13" name="TextBox 12"/>
+          <p:cNvSpPr txBox="1"/>
+          <p:nvPr/>
+        </p:nvSpPr>
+        <p:spPr>
+          <a:xfrm>
+            <a:off x="2060293" y="763929"/>
+            <a:ext cx="1116957" cy="1200329"/>
+          </a:xfrm>
+          <a:prstGeom prst="rect">
+            <a:avLst/>
+          </a:prstGeom>
+          <a:solidFill>
+            <a:srgbClr val="FFCC00"/>
+          </a:solidFill>
+        </p:spPr>
+        <p:txBody>
+          <a:bodyPr wrap="square" rtlCol="0">
+            <a:spAutoFit/>
+          </a:bodyPr>
+          <a:lstStyle/>
+          <a:p>
+            <a:pPr algn="ctr"/>
+            <a:r>
+              <a:rPr lang="en-US" b="1" dirty="0"/>
+              <a:t>North-South</a:t>
+            </a:r>
+            <a:br>
+              <a:rPr lang="en-US" b="1" dirty="0"/>
+            </a:br>
+            <a:r>
+              <a:rPr lang="en-US" b="1" dirty="0"/>
+              <a:t>TRAFFIC SLOW</a:t>
+            </a:r>
+          </a:p>
+        </p:txBody>
+      </p:sp>
+      <p:sp>
+        <p:nvSpPr>
+          <p:cNvPr id="22" name="Oval 21"/>
+          <p:cNvSpPr/>
+          <p:nvPr/>
+        </p:nvSpPr>
+        <p:spPr>
+          <a:xfrm>
+            <a:off x="3499108" y="1155062"/>
+            <a:ext cx="532932" cy="471224"/>
+          </a:xfrm>
+          <a:prstGeom prst="ellipse">
+            <a:avLst/>
+          </a:prstGeom>
+          <a:solidFill>
+            <a:srgbClr val="FFFF00"/>
+          </a:solidFill>
+          <a:ln>
+            <a:noFill/>
+          </a:ln>
+        </p:spPr>
+        <p:style>
+          <a:lnRef idx="2">
+            <a:schemeClr val="accent1">
+              <a:shade val="50000"/>
+            </a:schemeClr>
+          </a:lnRef>
+          <a:fillRef idx="1">
+            <a:schemeClr val="accent1"/>
+          </a:fillRef>
+          <a:effectRef idx="0">
+            <a:schemeClr val="accent1"/>
+          </a:effectRef>
+          <a:fontRef idx="minor">
+            <a:schemeClr val="lt1"/>
+          </a:fontRef>
+        </p:style>
+        <p:txBody>
+          <a:bodyPr rtlCol="0" anchor="ctr"/>
+          <a:lstStyle/>
+          <a:p>
+            <a:pPr algn="ctr"/>
+            <a:endParaRPr lang="en-US"/>
+          </a:p>
+        </p:txBody>
+      </p:sp>
+      <p:pic>
+        <p:nvPicPr>
+          <p:cNvPr id="16" name="Picture 15">
+            <a:extLst>
+              <a:ext uri="{FF2B5EF4-FFF2-40B4-BE49-F238E27FC236}">
+                <a16:creationId xmlns:a16="http://schemas.microsoft.com/office/drawing/2014/main" id="{4E767503-9D90-4FE7-A2F8-46F151899031}"/>
+              </a:ext>
+            </a:extLst>
+          </p:cNvPr>
+          <p:cNvPicPr>
+            <a:picLocks noChangeAspect="1"/>
+          </p:cNvPicPr>
+          <p:nvPr/>
+        </p:nvPicPr>
+        <p:blipFill rotWithShape="1">
+          <a:blip r:embed="rId4" cstate="print">
+            <a:extLst>
+              <a:ext uri="{28A0092B-C50C-407E-A947-70E740481C1C}">
+                <a14:useLocalDpi xmlns:a14="http://schemas.microsoft.com/office/drawing/2010/main" val="0"/>
+              </a:ext>
+            </a:extLst>
+          </a:blip>
+          <a:srcRect r="47933"/>
+          <a:stretch/>
+        </p:blipFill>
+        <p:spPr>
+          <a:xfrm>
+            <a:off x="7792673" y="4442363"/>
+            <a:ext cx="824937" cy="1460436"/>
+          </a:xfrm>
+          <a:prstGeom prst="rect">
+            <a:avLst/>
+          </a:prstGeom>
+        </p:spPr>
+      </p:pic>
+      <p:sp>
+        <p:nvSpPr>
+          <p:cNvPr id="17" name="TextBox 16">
+            <a:extLst>
+              <a:ext uri="{FF2B5EF4-FFF2-40B4-BE49-F238E27FC236}">
+                <a16:creationId xmlns:a16="http://schemas.microsoft.com/office/drawing/2014/main" id="{CE6CBD03-3584-45CF-BC40-1138C7D338F4}"/>
+              </a:ext>
+            </a:extLst>
+          </p:cNvPr>
+          <p:cNvSpPr txBox="1"/>
+          <p:nvPr/>
+        </p:nvSpPr>
+        <p:spPr>
+          <a:xfrm>
+            <a:off x="6505945" y="4551129"/>
+            <a:ext cx="1225932" cy="1200329"/>
+          </a:xfrm>
+          <a:prstGeom prst="rect">
+            <a:avLst/>
+          </a:prstGeom>
+          <a:solidFill>
+            <a:srgbClr val="00B0F0"/>
+          </a:solidFill>
+        </p:spPr>
+        <p:txBody>
+          <a:bodyPr wrap="square" rtlCol="0">
+            <a:spAutoFit/>
+          </a:bodyPr>
+          <a:lstStyle/>
+          <a:p>
+            <a:pPr algn="ctr"/>
+            <a:r>
+              <a:rPr lang="en-US" b="1" dirty="0"/>
+              <a:t>Pedestrian Crossing</a:t>
+            </a:r>
+            <a:br>
+              <a:rPr lang="en-US" b="1" dirty="0"/>
+            </a:br>
+            <a:r>
+              <a:rPr lang="en-US" b="1" dirty="0"/>
+              <a:t>DON'T</a:t>
+            </a:r>
+            <a:br>
+              <a:rPr lang="en-US" b="1" dirty="0"/>
+            </a:br>
+            <a:r>
+              <a:rPr lang="en-US" b="1" dirty="0"/>
+              <a:t>WALK</a:t>
+            </a:r>
+          </a:p>
+        </p:txBody>
+      </p:sp>
+      <p:cxnSp>
+        <p:nvCxnSpPr>
+          <p:cNvPr id="19" name="Straight Arrow Connector 18">
+            <a:extLst>
+              <a:ext uri="{FF2B5EF4-FFF2-40B4-BE49-F238E27FC236}">
+                <a16:creationId xmlns:a16="http://schemas.microsoft.com/office/drawing/2014/main" id="{3E0F8233-CC4A-4516-A0BA-3949A47CFEE6}"/>
+              </a:ext>
+            </a:extLst>
+          </p:cNvPr>
+          <p:cNvCxnSpPr>
+            <a:cxnSpLocks/>
+          </p:cNvCxnSpPr>
+          <p:nvPr/>
+        </p:nvCxnSpPr>
+        <p:spPr>
+          <a:xfrm flipH="1" flipV="1">
+            <a:off x="6017952" y="2058422"/>
+            <a:ext cx="11723" cy="3844377"/>
+          </a:xfrm>
+          <a:prstGeom prst="straightConnector1">
+            <a:avLst/>
+          </a:prstGeom>
+          <a:ln w="98425">
+            <a:solidFill>
+              <a:srgbClr val="FFCC00"/>
+            </a:solidFill>
+            <a:prstDash val="solid"/>
+            <a:headEnd type="none" w="med" len="med"/>
+            <a:tailEnd type="triangle" w="med" len="med"/>
+          </a:ln>
+        </p:spPr>
+        <p:style>
+          <a:lnRef idx="1">
+            <a:schemeClr val="accent1"/>
+          </a:lnRef>
+          <a:fillRef idx="0">
+            <a:schemeClr val="accent1"/>
+          </a:fillRef>
+          <a:effectRef idx="0">
+            <a:schemeClr val="accent1"/>
+          </a:effectRef>
+          <a:fontRef idx="minor">
+            <a:schemeClr val="tx1"/>
+          </a:fontRef>
+        </p:style>
+      </p:cxnSp>
+      <p:cxnSp>
+        <p:nvCxnSpPr>
+          <p:cNvPr id="21" name="Straight Arrow Connector 20">
+            <a:extLst>
+              <a:ext uri="{FF2B5EF4-FFF2-40B4-BE49-F238E27FC236}">
+                <a16:creationId xmlns:a16="http://schemas.microsoft.com/office/drawing/2014/main" id="{8BEA3CA3-3EC5-4B1F-933E-C31AB824486D}"/>
+              </a:ext>
+            </a:extLst>
+          </p:cNvPr>
+          <p:cNvCxnSpPr>
+            <a:cxnSpLocks/>
+          </p:cNvCxnSpPr>
+          <p:nvPr/>
+        </p:nvCxnSpPr>
+        <p:spPr>
+          <a:xfrm flipH="1" flipV="1">
+            <a:off x="5403355" y="905443"/>
+            <a:ext cx="11723" cy="3844377"/>
+          </a:xfrm>
+          <a:prstGeom prst="straightConnector1">
+            <a:avLst/>
+          </a:prstGeom>
+          <a:ln w="98425">
+            <a:solidFill>
+              <a:srgbClr val="FFCC00"/>
+            </a:solidFill>
+            <a:prstDash val="solid"/>
+            <a:headEnd type="triangle" w="med" len="med"/>
+            <a:tailEnd type="none" w="med" len="med"/>
+          </a:ln>
+        </p:spPr>
+        <p:style>
+          <a:lnRef idx="1">
+            <a:schemeClr val="accent1"/>
+          </a:lnRef>
+          <a:fillRef idx="0">
+            <a:schemeClr val="accent1"/>
+          </a:fillRef>
+          <a:effectRef idx="0">
+            <a:schemeClr val="accent1"/>
+          </a:effectRef>
+          <a:fontRef idx="minor">
+            <a:schemeClr val="tx1"/>
+          </a:fontRef>
+        </p:style>
+      </p:cxnSp>
+    </p:spTree>
+    <p:extLst>
+      <p:ext uri="{BB962C8B-B14F-4D97-AF65-F5344CB8AC3E}">
+        <p14:creationId xmlns:p14="http://schemas.microsoft.com/office/powerpoint/2010/main" val="4154989305"/>
+      </p:ext>
+    </p:extLst>
+  </p:cSld>
+  <p:clrMapOvr>
+    <a:masterClrMapping/>
+  </p:clrMapOvr>
+</p:sld>
+</file>
+
+<file path=ppt/slides/slide3.xml><?xml version="1.0" encoding="utf-8"?>
+<p:sld xmlns:a="http://schemas.openxmlformats.org/drawingml/2006/main" xmlns:r="http://schemas.openxmlformats.org/officeDocument/2006/relationships" xmlns:p="http://schemas.openxmlformats.org/presentationml/2006/main">
+  <p:cSld>
+    <p:spTree>
+      <p:nvGrpSpPr>
+        <p:cNvPr id="1" name=""/>
+        <p:cNvGrpSpPr/>
+        <p:nvPr/>
+      </p:nvGrpSpPr>
+      <p:grpSpPr>
+        <a:xfrm>
+          <a:off x="0" y="0"/>
+          <a:ext cx="0" cy="0"/>
+          <a:chOff x="0" y="0"/>
+          <a:chExt cx="0" cy="0"/>
+        </a:xfrm>
+      </p:grpSpPr>
+      <p:pic>
+        <p:nvPicPr>
+          <p:cNvPr id="5" name="Picture 4"/>
+          <p:cNvPicPr>
+            <a:picLocks noChangeAspect="1"/>
+          </p:cNvPicPr>
+          <p:nvPr/>
+        </p:nvPicPr>
+        <p:blipFill rotWithShape="1">
+          <a:blip r:embed="rId2" cstate="print">
+            <a:extLst>
+              <a:ext uri="{28A0092B-C50C-407E-A947-70E740481C1C}">
+                <a14:useLocalDpi xmlns:a14="http://schemas.microsoft.com/office/drawing/2010/main" val="0"/>
+              </a:ext>
+            </a:extLst>
+          </a:blip>
+          <a:srcRect l="23951" t="22331" r="24891" b="14519"/>
+          <a:stretch/>
+        </p:blipFill>
+        <p:spPr>
+          <a:xfrm>
+            <a:off x="1985875" y="187747"/>
+            <a:ext cx="6866417" cy="6356286"/>
+          </a:xfrm>
+          <a:prstGeom prst="rect">
+            <a:avLst/>
+          </a:prstGeom>
+        </p:spPr>
+      </p:pic>
+      <p:pic>
+        <p:nvPicPr>
+          <p:cNvPr id="9" name="Picture 8"/>
+          <p:cNvPicPr>
+            <a:picLocks noChangeAspect="1"/>
+          </p:cNvPicPr>
+          <p:nvPr/>
+        </p:nvPicPr>
+        <p:blipFill>
+          <a:blip r:embed="rId3" cstate="print">
+            <a:duotone>
+              <a:prstClr val="black"/>
+              <a:schemeClr val="bg1">
+                <a:tint val="45000"/>
+                <a:satMod val="400000"/>
+              </a:schemeClr>
+            </a:duotone>
+            <a:extLst>
+              <a:ext uri="{28A0092B-C50C-407E-A947-70E740481C1C}">
+                <a14:useLocalDpi xmlns:a14="http://schemas.microsoft.com/office/drawing/2010/main" val="0"/>
+              </a:ext>
+            </a:extLst>
+          </a:blip>
+          <a:stretch>
+            <a:fillRect/>
+          </a:stretch>
+        </p:blipFill>
+        <p:spPr>
+          <a:xfrm>
+            <a:off x="3276750" y="189614"/>
+            <a:ext cx="1035738" cy="2402121"/>
+          </a:xfrm>
+          <a:prstGeom prst="rect">
+            <a:avLst/>
+          </a:prstGeom>
+        </p:spPr>
+      </p:pic>
+      <p:sp>
+        <p:nvSpPr>
+          <p:cNvPr id="13" name="TextBox 12"/>
+          <p:cNvSpPr txBox="1"/>
+          <p:nvPr/>
+        </p:nvSpPr>
+        <p:spPr>
+          <a:xfrm>
+            <a:off x="2060293" y="763929"/>
+            <a:ext cx="1116957" cy="1200329"/>
+          </a:xfrm>
+          <a:prstGeom prst="rect">
+            <a:avLst/>
+          </a:prstGeom>
+          <a:solidFill>
+            <a:srgbClr val="FFCC00"/>
+          </a:solidFill>
+        </p:spPr>
+        <p:txBody>
+          <a:bodyPr wrap="square" rtlCol="0">
+            <a:spAutoFit/>
+          </a:bodyPr>
+          <a:lstStyle/>
+          <a:p>
+            <a:pPr algn="ctr"/>
+            <a:r>
+              <a:rPr lang="en-US" b="1" dirty="0"/>
+              <a:t>North-South</a:t>
+            </a:r>
+            <a:br>
+              <a:rPr lang="en-US" b="1" dirty="0"/>
+            </a:br>
+            <a:r>
+              <a:rPr lang="en-US" b="1" dirty="0"/>
+              <a:t>TRAFFIC</a:t>
+            </a:r>
+          </a:p>
+          <a:p>
+            <a:pPr algn="ctr"/>
+            <a:r>
+              <a:rPr lang="en-US" b="1" dirty="0"/>
+              <a:t>STOP</a:t>
+            </a:r>
+          </a:p>
+        </p:txBody>
+      </p:sp>
+      <p:sp>
+        <p:nvSpPr>
+          <p:cNvPr id="38" name="Oval 37"/>
+          <p:cNvSpPr/>
+          <p:nvPr/>
+        </p:nvSpPr>
+        <p:spPr>
+          <a:xfrm>
+            <a:off x="3528153" y="487675"/>
+            <a:ext cx="532932" cy="471224"/>
+          </a:xfrm>
+          <a:prstGeom prst="ellipse">
+            <a:avLst/>
+          </a:prstGeom>
+          <a:solidFill>
+            <a:srgbClr val="FF0000"/>
+          </a:solidFill>
+          <a:ln>
+            <a:noFill/>
+          </a:ln>
+        </p:spPr>
+        <p:style>
+          <a:lnRef idx="2">
+            <a:schemeClr val="accent1">
+              <a:shade val="50000"/>
+            </a:schemeClr>
+          </a:lnRef>
+          <a:fillRef idx="1">
+            <a:schemeClr val="accent1"/>
+          </a:fillRef>
+          <a:effectRef idx="0">
+            <a:schemeClr val="accent1"/>
+          </a:effectRef>
+          <a:fontRef idx="minor">
+            <a:schemeClr val="lt1"/>
+          </a:fontRef>
+        </p:style>
+        <p:txBody>
+          <a:bodyPr rtlCol="0" anchor="ctr"/>
+          <a:lstStyle/>
+          <a:p>
+            <a:pPr algn="ctr"/>
+            <a:endParaRPr lang="en-US"/>
+          </a:p>
+        </p:txBody>
+      </p:sp>
+      <p:sp>
+        <p:nvSpPr>
+          <p:cNvPr id="18" name="TextBox 17">
+            <a:extLst>
+              <a:ext uri="{FF2B5EF4-FFF2-40B4-BE49-F238E27FC236}">
+                <a16:creationId xmlns:a16="http://schemas.microsoft.com/office/drawing/2014/main" id="{5D53E718-8946-4890-940A-0C452AEEA2B4}"/>
+              </a:ext>
+            </a:extLst>
+          </p:cNvPr>
+          <p:cNvSpPr txBox="1"/>
+          <p:nvPr/>
+        </p:nvSpPr>
+        <p:spPr>
+          <a:xfrm>
+            <a:off x="6505945" y="4551129"/>
+            <a:ext cx="1225932" cy="923330"/>
+          </a:xfrm>
+          <a:prstGeom prst="rect">
+            <a:avLst/>
+          </a:prstGeom>
+          <a:solidFill>
+            <a:srgbClr val="00B0F0"/>
+          </a:solidFill>
+        </p:spPr>
+        <p:txBody>
+          <a:bodyPr wrap="square" rtlCol="0">
+            <a:spAutoFit/>
+          </a:bodyPr>
+          <a:lstStyle/>
+          <a:p>
+            <a:pPr algn="ctr"/>
+            <a:r>
+              <a:rPr lang="en-US" b="1" dirty="0"/>
+              <a:t>Pedestrian Crossing</a:t>
+            </a:r>
+            <a:br>
+              <a:rPr lang="en-US" b="1" dirty="0"/>
+            </a:br>
+            <a:r>
+              <a:rPr lang="en-US" b="1" dirty="0"/>
+              <a:t>WALK</a:t>
+            </a:r>
+          </a:p>
+        </p:txBody>
+      </p:sp>
+      <p:cxnSp>
+        <p:nvCxnSpPr>
+          <p:cNvPr id="19" name="Straight Arrow Connector 18">
+            <a:extLst>
+              <a:ext uri="{FF2B5EF4-FFF2-40B4-BE49-F238E27FC236}">
+                <a16:creationId xmlns:a16="http://schemas.microsoft.com/office/drawing/2014/main" id="{335641E0-1FAA-4E77-9A2E-D99321698C0A}"/>
+              </a:ext>
+            </a:extLst>
+          </p:cNvPr>
+          <p:cNvCxnSpPr>
+            <a:cxnSpLocks/>
+          </p:cNvCxnSpPr>
+          <p:nvPr/>
+        </p:nvCxnSpPr>
+        <p:spPr>
+          <a:xfrm flipH="1" flipV="1">
+            <a:off x="4719916" y="4313601"/>
+            <a:ext cx="1717188" cy="1"/>
+          </a:xfrm>
+          <a:prstGeom prst="straightConnector1">
+            <a:avLst/>
+          </a:prstGeom>
+          <a:ln w="98425">
+            <a:solidFill>
+              <a:srgbClr val="00B0F0"/>
+            </a:solidFill>
+            <a:prstDash val="solid"/>
+            <a:headEnd type="none" w="med" len="med"/>
+            <a:tailEnd type="triangle" w="med" len="med"/>
+          </a:ln>
+        </p:spPr>
+        <p:style>
+          <a:lnRef idx="1">
+            <a:schemeClr val="accent1"/>
+          </a:lnRef>
+          <a:fillRef idx="0">
+            <a:schemeClr val="accent1"/>
+          </a:fillRef>
+          <a:effectRef idx="0">
+            <a:schemeClr val="accent1"/>
+          </a:effectRef>
+          <a:fontRef idx="minor">
+            <a:schemeClr val="tx1"/>
+          </a:fontRef>
+        </p:style>
+      </p:cxnSp>
+      <p:cxnSp>
+        <p:nvCxnSpPr>
+          <p:cNvPr id="22" name="Straight Arrow Connector 21">
+            <a:extLst>
+              <a:ext uri="{FF2B5EF4-FFF2-40B4-BE49-F238E27FC236}">
+                <a16:creationId xmlns:a16="http://schemas.microsoft.com/office/drawing/2014/main" id="{1D51E71C-7448-44F5-BBF1-5A908F93FE9B}"/>
+              </a:ext>
+            </a:extLst>
+          </p:cNvPr>
+          <p:cNvCxnSpPr>
+            <a:cxnSpLocks/>
+          </p:cNvCxnSpPr>
+          <p:nvPr/>
+        </p:nvCxnSpPr>
+        <p:spPr>
+          <a:xfrm flipH="1">
+            <a:off x="4766383" y="2306871"/>
+            <a:ext cx="1739562" cy="1"/>
+          </a:xfrm>
+          <a:prstGeom prst="straightConnector1">
+            <a:avLst/>
+          </a:prstGeom>
+          <a:ln w="98425">
+            <a:solidFill>
+              <a:srgbClr val="00B0F0"/>
+            </a:solidFill>
+            <a:prstDash val="solid"/>
+            <a:headEnd type="triangle" w="med" len="med"/>
+            <a:tailEnd type="none" w="med" len="med"/>
+          </a:ln>
+        </p:spPr>
+        <p:style>
+          <a:lnRef idx="1">
+            <a:schemeClr val="accent1"/>
+          </a:lnRef>
+          <a:fillRef idx="0">
+            <a:schemeClr val="accent1"/>
+          </a:fillRef>
+          <a:effectRef idx="0">
+            <a:schemeClr val="accent1"/>
+          </a:effectRef>
+          <a:fontRef idx="minor">
+            <a:schemeClr val="tx1"/>
+          </a:fontRef>
+        </p:style>
+      </p:cxnSp>
+      <p:pic>
+        <p:nvPicPr>
+          <p:cNvPr id="25" name="Picture 24">
+            <a:extLst>
+              <a:ext uri="{FF2B5EF4-FFF2-40B4-BE49-F238E27FC236}">
+                <a16:creationId xmlns:a16="http://schemas.microsoft.com/office/drawing/2014/main" id="{D8EEE305-E01E-40BA-8854-846A31EE006F}"/>
+              </a:ext>
+            </a:extLst>
+          </p:cNvPr>
+          <p:cNvPicPr>
+            <a:picLocks noChangeAspect="1"/>
+          </p:cNvPicPr>
+          <p:nvPr/>
+        </p:nvPicPr>
+        <p:blipFill rotWithShape="1">
+          <a:blip r:embed="rId4" cstate="print">
+            <a:extLst>
+              <a:ext uri="{28A0092B-C50C-407E-A947-70E740481C1C}">
+                <a14:useLocalDpi xmlns:a14="http://schemas.microsoft.com/office/drawing/2010/main" val="0"/>
+              </a:ext>
+            </a:extLst>
+          </a:blip>
+          <a:srcRect l="48880"/>
+          <a:stretch/>
+        </p:blipFill>
+        <p:spPr>
+          <a:xfrm>
+            <a:off x="7887124" y="4282576"/>
+            <a:ext cx="809921" cy="1460436"/>
+          </a:xfrm>
+          <a:prstGeom prst="rect">
+            <a:avLst/>
+          </a:prstGeom>
+        </p:spPr>
+      </p:pic>
+    </p:spTree>
+    <p:extLst>
+      <p:ext uri="{BB962C8B-B14F-4D97-AF65-F5344CB8AC3E}">
+        <p14:creationId xmlns:p14="http://schemas.microsoft.com/office/powerpoint/2010/main" val="3494514473"/>
+      </p:ext>
+    </p:extLst>
+  </p:cSld>
+  <p:clrMapOvr>
+    <a:masterClrMapping/>
+  </p:clrMapOvr>
+</p:sld>
+</file>
+
+<file path=ppt/slides/slide4.xml><?xml version="1.0" encoding="utf-8"?>
+<p:sld xmlns:a="http://schemas.openxmlformats.org/drawingml/2006/main" xmlns:r="http://schemas.openxmlformats.org/officeDocument/2006/relationships" xmlns:p="http://schemas.openxmlformats.org/presentationml/2006/main">
+  <p:cSld>
+    <p:spTree>
+      <p:nvGrpSpPr>
+        <p:cNvPr id="1" name=""/>
+        <p:cNvGrpSpPr/>
+        <p:nvPr/>
+      </p:nvGrpSpPr>
+      <p:grpSpPr>
+        <a:xfrm>
+          <a:off x="0" y="0"/>
+          <a:ext cx="0" cy="0"/>
+          <a:chOff x="0" y="0"/>
+          <a:chExt cx="0" cy="0"/>
+        </a:xfrm>
+      </p:grpSpPr>
+      <p:pic>
+        <p:nvPicPr>
+          <p:cNvPr id="5" name="Picture 4"/>
+          <p:cNvPicPr>
+            <a:picLocks noChangeAspect="1"/>
+          </p:cNvPicPr>
+          <p:nvPr/>
+        </p:nvPicPr>
+        <p:blipFill rotWithShape="1">
+          <a:blip r:embed="rId2" cstate="print">
+            <a:extLst>
+              <a:ext uri="{28A0092B-C50C-407E-A947-70E740481C1C}">
+                <a14:useLocalDpi xmlns:a14="http://schemas.microsoft.com/office/drawing/2010/main" val="0"/>
+              </a:ext>
+            </a:extLst>
+          </a:blip>
+          <a:srcRect l="23951" t="22331" r="24891" b="14519"/>
+          <a:stretch/>
+        </p:blipFill>
+        <p:spPr>
+          <a:xfrm>
+            <a:off x="1985875" y="187747"/>
+            <a:ext cx="6866417" cy="6356286"/>
+          </a:xfrm>
+          <a:prstGeom prst="rect">
+            <a:avLst/>
+          </a:prstGeom>
+        </p:spPr>
+      </p:pic>
+      <p:pic>
+        <p:nvPicPr>
+          <p:cNvPr id="9" name="Picture 8"/>
+          <p:cNvPicPr>
+            <a:picLocks noChangeAspect="1"/>
+          </p:cNvPicPr>
+          <p:nvPr/>
+        </p:nvPicPr>
+        <p:blipFill>
+          <a:blip r:embed="rId3" cstate="print">
+            <a:duotone>
+              <a:prstClr val="black"/>
+              <a:schemeClr val="bg1">
+                <a:tint val="45000"/>
+                <a:satMod val="400000"/>
+              </a:schemeClr>
+            </a:duotone>
+            <a:extLst>
+              <a:ext uri="{28A0092B-C50C-407E-A947-70E740481C1C}">
+                <a14:useLocalDpi xmlns:a14="http://schemas.microsoft.com/office/drawing/2010/main" val="0"/>
+              </a:ext>
+            </a:extLst>
+          </a:blip>
+          <a:stretch>
+            <a:fillRect/>
+          </a:stretch>
+        </p:blipFill>
+        <p:spPr>
+          <a:xfrm>
+            <a:off x="3276750" y="189614"/>
+            <a:ext cx="1035738" cy="2402121"/>
+          </a:xfrm>
+          <a:prstGeom prst="rect">
+            <a:avLst/>
+          </a:prstGeom>
+        </p:spPr>
+      </p:pic>
+      <p:sp>
+        <p:nvSpPr>
+          <p:cNvPr id="13" name="TextBox 12"/>
+          <p:cNvSpPr txBox="1"/>
+          <p:nvPr/>
+        </p:nvSpPr>
+        <p:spPr>
+          <a:xfrm>
+            <a:off x="2060293" y="763929"/>
+            <a:ext cx="1116957" cy="1200329"/>
+          </a:xfrm>
+          <a:prstGeom prst="rect">
+            <a:avLst/>
+          </a:prstGeom>
+          <a:solidFill>
+            <a:srgbClr val="FFCC00"/>
+          </a:solidFill>
+        </p:spPr>
+        <p:txBody>
+          <a:bodyPr wrap="square" rtlCol="0">
+            <a:spAutoFit/>
+          </a:bodyPr>
+          <a:lstStyle/>
+          <a:p>
+            <a:pPr algn="ctr"/>
+            <a:r>
+              <a:rPr lang="en-US" b="1" dirty="0"/>
+              <a:t>North-South</a:t>
+            </a:r>
+            <a:br>
+              <a:rPr lang="en-US" b="1" dirty="0"/>
+            </a:br>
+            <a:r>
+              <a:rPr lang="en-US" b="1" dirty="0"/>
+              <a:t>TRAFFIC</a:t>
+            </a:r>
+          </a:p>
+          <a:p>
+            <a:pPr algn="ctr"/>
+            <a:r>
+              <a:rPr lang="en-US" b="1" dirty="0"/>
+              <a:t>STOP</a:t>
+            </a:r>
+          </a:p>
+        </p:txBody>
+      </p:sp>
+      <p:sp>
+        <p:nvSpPr>
+          <p:cNvPr id="38" name="Oval 37"/>
+          <p:cNvSpPr/>
+          <p:nvPr/>
+        </p:nvSpPr>
+        <p:spPr>
+          <a:xfrm>
+            <a:off x="3528153" y="487675"/>
+            <a:ext cx="532932" cy="471224"/>
+          </a:xfrm>
+          <a:prstGeom prst="ellipse">
+            <a:avLst/>
+          </a:prstGeom>
+          <a:solidFill>
+            <a:srgbClr val="FF0000"/>
+          </a:solidFill>
+          <a:ln>
+            <a:noFill/>
+          </a:ln>
+        </p:spPr>
+        <p:style>
+          <a:lnRef idx="2">
+            <a:schemeClr val="accent1">
+              <a:shade val="50000"/>
+            </a:schemeClr>
+          </a:lnRef>
+          <a:fillRef idx="1">
+            <a:schemeClr val="accent1"/>
+          </a:fillRef>
+          <a:effectRef idx="0">
+            <a:schemeClr val="accent1"/>
+          </a:effectRef>
+          <a:fontRef idx="minor">
+            <a:schemeClr val="lt1"/>
+          </a:fontRef>
+        </p:style>
+        <p:txBody>
+          <a:bodyPr rtlCol="0" anchor="ctr"/>
+          <a:lstStyle/>
+          <a:p>
+            <a:pPr algn="ctr"/>
+            <a:endParaRPr lang="en-US"/>
+          </a:p>
+        </p:txBody>
+      </p:sp>
+      <p:pic>
+        <p:nvPicPr>
+          <p:cNvPr id="27" name="Picture 26">
+            <a:extLst>
+              <a:ext uri="{FF2B5EF4-FFF2-40B4-BE49-F238E27FC236}">
+                <a16:creationId xmlns:a16="http://schemas.microsoft.com/office/drawing/2014/main" id="{B64B8570-7508-4DD3-808E-02844914F6DF}"/>
+              </a:ext>
+            </a:extLst>
+          </p:cNvPr>
+          <p:cNvPicPr>
+            <a:picLocks noChangeAspect="1"/>
+          </p:cNvPicPr>
+          <p:nvPr/>
+        </p:nvPicPr>
+        <p:blipFill rotWithShape="1">
+          <a:blip r:embed="rId4" cstate="print">
+            <a:extLst>
+              <a:ext uri="{28A0092B-C50C-407E-A947-70E740481C1C}">
+                <a14:useLocalDpi xmlns:a14="http://schemas.microsoft.com/office/drawing/2010/main" val="0"/>
+              </a:ext>
+            </a:extLst>
+          </a:blip>
+          <a:srcRect r="47933"/>
+          <a:stretch/>
+        </p:blipFill>
+        <p:spPr>
+          <a:xfrm>
+            <a:off x="7792673" y="4442363"/>
+            <a:ext cx="824937" cy="1460436"/>
+          </a:xfrm>
+          <a:prstGeom prst="rect">
+            <a:avLst/>
+          </a:prstGeom>
+        </p:spPr>
+      </p:pic>
+      <p:sp>
+        <p:nvSpPr>
+          <p:cNvPr id="28" name="TextBox 27">
+            <a:extLst>
+              <a:ext uri="{FF2B5EF4-FFF2-40B4-BE49-F238E27FC236}">
+                <a16:creationId xmlns:a16="http://schemas.microsoft.com/office/drawing/2014/main" id="{C6BC4A13-9747-48B3-B9FF-71D90896E725}"/>
+              </a:ext>
+            </a:extLst>
+          </p:cNvPr>
+          <p:cNvSpPr txBox="1"/>
+          <p:nvPr/>
+        </p:nvSpPr>
+        <p:spPr>
+          <a:xfrm>
+            <a:off x="6505945" y="4551129"/>
+            <a:ext cx="1225932" cy="1200329"/>
+          </a:xfrm>
+          <a:prstGeom prst="rect">
+            <a:avLst/>
+          </a:prstGeom>
+          <a:solidFill>
+            <a:srgbClr val="00B0F0"/>
+          </a:solidFill>
+        </p:spPr>
+        <p:txBody>
+          <a:bodyPr wrap="square" rtlCol="0">
+            <a:spAutoFit/>
+          </a:bodyPr>
+          <a:lstStyle/>
+          <a:p>
+            <a:pPr algn="ctr"/>
+            <a:r>
+              <a:rPr lang="en-US" b="1" dirty="0"/>
+              <a:t>Pedestrian Crossing</a:t>
+            </a:r>
+            <a:br>
+              <a:rPr lang="en-US" b="1" dirty="0"/>
+            </a:br>
+            <a:r>
+              <a:rPr lang="en-US" b="1" dirty="0"/>
+              <a:t>DON'T</a:t>
+            </a:r>
+            <a:br>
+              <a:rPr lang="en-US" b="1" dirty="0"/>
+            </a:br>
+            <a:r>
+              <a:rPr lang="en-US" b="1" dirty="0"/>
+              <a:t>WALK</a:t>
+            </a:r>
+          </a:p>
+        </p:txBody>
+      </p:sp>
+    </p:spTree>
+    <p:extLst>
+      <p:ext uri="{BB962C8B-B14F-4D97-AF65-F5344CB8AC3E}">
+        <p14:creationId xmlns:p14="http://schemas.microsoft.com/office/powerpoint/2010/main" val="1656997212"/>
+      </p:ext>
+    </p:extLst>
+  </p:cSld>
+  <p:clrMapOvr>
+    <a:masterClrMapping/>
+  </p:clrMapOvr>
+</p:sld>
+</file>
+
+<file path=ppt/slides/slide5.xml><?xml version="1.0" encoding="utf-8"?>
+<p:sld xmlns:a="http://schemas.openxmlformats.org/drawingml/2006/main" xmlns:r="http://schemas.openxmlformats.org/officeDocument/2006/relationships" xmlns:p="http://schemas.openxmlformats.org/presentationml/2006/main">
+  <p:cSld>
+    <p:spTree>
+      <p:nvGrpSpPr>
+        <p:cNvPr id="1" name=""/>
+        <p:cNvGrpSpPr/>
+        <p:nvPr/>
+      </p:nvGrpSpPr>
+      <p:grpSpPr>
+        <a:xfrm>
+          <a:off x="0" y="0"/>
+          <a:ext cx="0" cy="0"/>
+          <a:chOff x="0" y="0"/>
+          <a:chExt cx="0" cy="0"/>
+        </a:xfrm>
+      </p:grpSpPr>
+      <p:graphicFrame>
+        <p:nvGraphicFramePr>
+          <p:cNvPr id="4" name="Diagram 3"/>
+          <p:cNvGraphicFramePr/>
+          <p:nvPr/>
+        </p:nvGraphicFramePr>
+        <p:xfrm>
+          <a:off x="2032000" y="719666"/>
+          <a:ext cx="8128000" cy="5418667"/>
+        </p:xfrm>
+        <a:graphic>
+          <a:graphicData uri="http://schemas.openxmlformats.org/drawingml/2006/diagram">
+            <dgm:relIds xmlns:dgm="http://schemas.openxmlformats.org/drawingml/2006/diagram" xmlns:r="http://schemas.openxmlformats.org/officeDocument/2006/relationships" r:dm="rId2" r:lo="rId3" r:qs="rId4" r:cs="rId5"/>
+          </a:graphicData>
+        </a:graphic>
+      </p:graphicFrame>
+    </p:spTree>
+    <p:extLst>
+      <p:ext uri="{BB962C8B-B14F-4D97-AF65-F5344CB8AC3E}">
+        <p14:creationId xmlns:p14="http://schemas.microsoft.com/office/powerpoint/2010/main" val="1064687097"/>
+      </p:ext>
+    </p:extLst>
+  </p:cSld>
+  <p:clrMapOvr>
+    <a:masterClrMapping/>
+  </p:clrMapOvr>
+</p:sld>
+</file>
+
+<file path=ppt/slides/slide6.xml><?xml version="1.0" encoding="utf-8"?>
+<p:sld xmlns:a="http://schemas.openxmlformats.org/drawingml/2006/main" xmlns:r="http://schemas.openxmlformats.org/officeDocument/2006/relationships" xmlns:p="http://schemas.openxmlformats.org/presentationml/2006/main">
+  <p:cSld>
+    <p:spTree>
+      <p:nvGrpSpPr>
+        <p:cNvPr id="1" name=""/>
+        <p:cNvGrpSpPr/>
+        <p:nvPr/>
+      </p:nvGrpSpPr>
+      <p:grpSpPr>
+        <a:xfrm>
+          <a:off x="0" y="0"/>
+          <a:ext cx="0" cy="0"/>
+          <a:chOff x="0" y="0"/>
+          <a:chExt cx="0" cy="0"/>
+        </a:xfrm>
+      </p:grpSpPr>
+      <p:pic>
+        <p:nvPicPr>
+          <p:cNvPr id="5" name="Picture 4"/>
+          <p:cNvPicPr>
+            <a:picLocks noChangeAspect="1"/>
+          </p:cNvPicPr>
+          <p:nvPr/>
+        </p:nvPicPr>
+        <p:blipFill rotWithShape="1">
+          <a:blip r:embed="rId2" cstate="print">
+            <a:extLst>
+              <a:ext uri="{28A0092B-C50C-407E-A947-70E740481C1C}">
+                <a14:useLocalDpi xmlns:a14="http://schemas.microsoft.com/office/drawing/2010/main" val="0"/>
+              </a:ext>
+            </a:extLst>
+          </a:blip>
+          <a:srcRect l="23951" t="22331" r="24891" b="14519"/>
+          <a:stretch/>
+        </p:blipFill>
+        <p:spPr>
+          <a:xfrm>
+            <a:off x="1985875" y="187747"/>
+            <a:ext cx="6866417" cy="6356286"/>
+          </a:xfrm>
+          <a:prstGeom prst="rect">
+            <a:avLst/>
+          </a:prstGeom>
+        </p:spPr>
+      </p:pic>
+      <p:pic>
+        <p:nvPicPr>
+          <p:cNvPr id="6" name="Picture 5"/>
+          <p:cNvPicPr>
+            <a:picLocks noChangeAspect="1"/>
+          </p:cNvPicPr>
+          <p:nvPr/>
+        </p:nvPicPr>
+        <p:blipFill rotWithShape="1">
+          <a:blip r:embed="rId3" cstate="print">
+            <a:extLst>
+              <a:ext uri="{28A0092B-C50C-407E-A947-70E740481C1C}">
+                <a14:useLocalDpi xmlns:a14="http://schemas.microsoft.com/office/drawing/2010/main" val="0"/>
+              </a:ext>
+            </a:extLst>
+          </a:blip>
+          <a:srcRect r="47933"/>
+          <a:stretch/>
+        </p:blipFill>
+        <p:spPr>
+          <a:xfrm>
+            <a:off x="3337546" y="4359282"/>
+            <a:ext cx="824937" cy="1460436"/>
+          </a:xfrm>
+          <a:prstGeom prst="rect">
+            <a:avLst/>
+          </a:prstGeom>
+        </p:spPr>
+      </p:pic>
+      <p:pic>
+        <p:nvPicPr>
+          <p:cNvPr id="9" name="Picture 8"/>
+          <p:cNvPicPr>
+            <a:picLocks noChangeAspect="1"/>
+          </p:cNvPicPr>
+          <p:nvPr/>
+        </p:nvPicPr>
+        <p:blipFill>
+          <a:blip r:embed="rId4" cstate="print">
+            <a:duotone>
+              <a:prstClr val="black"/>
+              <a:schemeClr val="bg1">
+                <a:tint val="45000"/>
+                <a:satMod val="400000"/>
+              </a:schemeClr>
+            </a:duotone>
+            <a:extLst>
+              <a:ext uri="{28A0092B-C50C-407E-A947-70E740481C1C}">
+                <a14:useLocalDpi xmlns:a14="http://schemas.microsoft.com/office/drawing/2010/main" val="0"/>
+              </a:ext>
+            </a:extLst>
+          </a:blip>
+          <a:stretch>
+            <a:fillRect/>
+          </a:stretch>
+        </p:blipFill>
+        <p:spPr>
+          <a:xfrm>
+            <a:off x="3276750" y="189614"/>
+            <a:ext cx="1035738" cy="2402121"/>
+          </a:xfrm>
+          <a:prstGeom prst="rect">
+            <a:avLst/>
+          </a:prstGeom>
+        </p:spPr>
+      </p:pic>
+      <p:pic>
+        <p:nvPicPr>
+          <p:cNvPr id="10" name="Picture 9"/>
+          <p:cNvPicPr>
+            <a:picLocks noChangeAspect="1"/>
+          </p:cNvPicPr>
+          <p:nvPr/>
+        </p:nvPicPr>
+        <p:blipFill>
+          <a:blip r:embed="rId4" cstate="print">
+            <a:duotone>
+              <a:prstClr val="black"/>
+              <a:schemeClr val="bg1">
+                <a:tint val="45000"/>
+                <a:satMod val="400000"/>
+              </a:schemeClr>
+            </a:duotone>
+            <a:extLst>
+              <a:ext uri="{28A0092B-C50C-407E-A947-70E740481C1C}">
+                <a14:useLocalDpi xmlns:a14="http://schemas.microsoft.com/office/drawing/2010/main" val="0"/>
+              </a:ext>
+            </a:extLst>
+          </a:blip>
+          <a:stretch>
+            <a:fillRect/>
+          </a:stretch>
+        </p:blipFill>
+        <p:spPr>
+          <a:xfrm rot="16200000">
+            <a:off x="7133363" y="3500520"/>
+            <a:ext cx="1035738" cy="2402120"/>
+          </a:xfrm>
+          <a:prstGeom prst="rect">
+            <a:avLst/>
+          </a:prstGeom>
+        </p:spPr>
+      </p:pic>
+      <p:sp>
+        <p:nvSpPr>
+          <p:cNvPr id="13" name="TextBox 12"/>
+          <p:cNvSpPr txBox="1"/>
+          <p:nvPr/>
+        </p:nvSpPr>
+        <p:spPr>
+          <a:xfrm>
+            <a:off x="2060293" y="763929"/>
+            <a:ext cx="1116957" cy="923330"/>
+          </a:xfrm>
+          <a:prstGeom prst="rect">
+            <a:avLst/>
+          </a:prstGeom>
+          <a:solidFill>
+            <a:srgbClr val="FFCC00"/>
+          </a:solidFill>
+        </p:spPr>
+        <p:txBody>
+          <a:bodyPr wrap="square" rtlCol="0">
+            <a:spAutoFit/>
+          </a:bodyPr>
+          <a:lstStyle/>
+          <a:p>
+            <a:pPr algn="ctr"/>
+            <a:r>
+              <a:rPr lang="en-US" b="1" dirty="0"/>
+              <a:t>North-South GREEN</a:t>
+            </a:r>
+          </a:p>
+        </p:txBody>
+      </p:sp>
+      <p:cxnSp>
+        <p:nvCxnSpPr>
+          <p:cNvPr id="15" name="Straight Arrow Connector 14"/>
+          <p:cNvCxnSpPr/>
+          <p:nvPr/>
+        </p:nvCxnSpPr>
+        <p:spPr>
+          <a:xfrm flipH="1" flipV="1">
+            <a:off x="5545273" y="259068"/>
+            <a:ext cx="19166" cy="6284965"/>
+          </a:xfrm>
+          <a:prstGeom prst="straightConnector1">
+            <a:avLst/>
+          </a:prstGeom>
+          <a:ln w="76200">
+            <a:solidFill>
+              <a:srgbClr val="FFCC00"/>
+            </a:solidFill>
+            <a:prstDash val="solid"/>
+            <a:headEnd type="triangle" w="med" len="med"/>
+            <a:tailEnd type="triangle" w="med" len="med"/>
+          </a:ln>
+        </p:spPr>
+        <p:style>
+          <a:lnRef idx="1">
+            <a:schemeClr val="accent1"/>
+          </a:lnRef>
+          <a:fillRef idx="0">
+            <a:schemeClr val="accent1"/>
+          </a:fillRef>
+          <a:effectRef idx="0">
+            <a:schemeClr val="accent1"/>
+          </a:effectRef>
+          <a:fontRef idx="minor">
+            <a:schemeClr val="tx1"/>
+          </a:fontRef>
+        </p:style>
+      </p:cxnSp>
+      <p:sp>
+        <p:nvSpPr>
+          <p:cNvPr id="20" name="TextBox 19"/>
+          <p:cNvSpPr txBox="1"/>
+          <p:nvPr/>
+        </p:nvSpPr>
+        <p:spPr>
+          <a:xfrm>
+            <a:off x="6612218" y="5115841"/>
+            <a:ext cx="1116957" cy="923330"/>
+          </a:xfrm>
+          <a:prstGeom prst="rect">
+            <a:avLst/>
+          </a:prstGeom>
+          <a:solidFill>
+            <a:srgbClr val="FFCC00"/>
+          </a:solidFill>
+        </p:spPr>
+        <p:txBody>
+          <a:bodyPr wrap="square" rtlCol="0">
+            <a:spAutoFit/>
+          </a:bodyPr>
+          <a:lstStyle/>
+          <a:p>
+            <a:pPr algn="ctr"/>
+            <a:r>
+              <a:rPr lang="en-US" b="1" dirty="0"/>
+              <a:t>East-West </a:t>
+            </a:r>
+            <a:br>
+              <a:rPr lang="en-US" b="1" dirty="0"/>
+            </a:br>
+            <a:r>
+              <a:rPr lang="en-US" b="1" dirty="0"/>
+              <a:t>RED</a:t>
+            </a:r>
+          </a:p>
+        </p:txBody>
+      </p:sp>
+      <p:sp>
+        <p:nvSpPr>
+          <p:cNvPr id="24" name="TextBox 23"/>
+          <p:cNvSpPr txBox="1"/>
+          <p:nvPr/>
+        </p:nvSpPr>
+        <p:spPr>
+          <a:xfrm>
+            <a:off x="2050818" y="4468048"/>
+            <a:ext cx="1225932" cy="1200329"/>
+          </a:xfrm>
+          <a:prstGeom prst="rect">
+            <a:avLst/>
+          </a:prstGeom>
+          <a:solidFill>
+            <a:srgbClr val="FFCC00"/>
+          </a:solidFill>
+        </p:spPr>
+        <p:txBody>
+          <a:bodyPr wrap="square" rtlCol="0">
+            <a:spAutoFit/>
+          </a:bodyPr>
+          <a:lstStyle/>
+          <a:p>
+            <a:pPr algn="ctr"/>
+            <a:r>
+              <a:rPr lang="en-US" b="1" dirty="0"/>
+              <a:t>Pedestrian Crossing</a:t>
+            </a:r>
+            <a:br>
+              <a:rPr lang="en-US" b="1" dirty="0"/>
+            </a:br>
+            <a:r>
+              <a:rPr lang="en-US" b="1" dirty="0"/>
+              <a:t>DON'T</a:t>
+            </a:r>
+            <a:br>
+              <a:rPr lang="en-US" b="1" dirty="0"/>
+            </a:br>
+            <a:r>
+              <a:rPr lang="en-US" b="1" dirty="0"/>
+              <a:t>WALK</a:t>
+            </a:r>
+          </a:p>
+        </p:txBody>
+      </p:sp>
+      <p:sp>
+        <p:nvSpPr>
+          <p:cNvPr id="18" name="Oval 17"/>
+          <p:cNvSpPr/>
+          <p:nvPr/>
+        </p:nvSpPr>
+        <p:spPr>
+          <a:xfrm>
+            <a:off x="6704665" y="4458489"/>
+            <a:ext cx="532932" cy="471224"/>
+          </a:xfrm>
+          <a:prstGeom prst="ellipse">
+            <a:avLst/>
+          </a:prstGeom>
+          <a:solidFill>
+            <a:srgbClr val="FF0000"/>
+          </a:solidFill>
+          <a:ln>
+            <a:noFill/>
+          </a:ln>
+        </p:spPr>
+        <p:style>
+          <a:lnRef idx="2">
+            <a:schemeClr val="accent1">
+              <a:shade val="50000"/>
+            </a:schemeClr>
+          </a:lnRef>
+          <a:fillRef idx="1">
+            <a:schemeClr val="accent1"/>
+          </a:fillRef>
+          <a:effectRef idx="0">
+            <a:schemeClr val="accent1"/>
+          </a:effectRef>
+          <a:fontRef idx="minor">
+            <a:schemeClr val="lt1"/>
+          </a:fontRef>
+        </p:style>
+        <p:txBody>
+          <a:bodyPr rtlCol="0" anchor="ctr"/>
+          <a:lstStyle/>
+          <a:p>
+            <a:pPr algn="ctr"/>
+            <a:endParaRPr lang="en-US"/>
+          </a:p>
+        </p:txBody>
+      </p:sp>
+      <p:sp>
+        <p:nvSpPr>
+          <p:cNvPr id="22" name="Oval 21"/>
+          <p:cNvSpPr/>
+          <p:nvPr/>
+        </p:nvSpPr>
+        <p:spPr>
+          <a:xfrm>
+            <a:off x="3483548" y="1822810"/>
+            <a:ext cx="532932" cy="471224"/>
+          </a:xfrm>
+          <a:prstGeom prst="ellipse">
+            <a:avLst/>
+          </a:prstGeom>
+          <a:solidFill>
+            <a:srgbClr val="00B050"/>
+          </a:solidFill>
+          <a:ln>
+            <a:noFill/>
+          </a:ln>
+        </p:spPr>
+        <p:style>
+          <a:lnRef idx="2">
+            <a:schemeClr val="accent1">
+              <a:shade val="50000"/>
+            </a:schemeClr>
+          </a:lnRef>
+          <a:fillRef idx="1">
+            <a:schemeClr val="accent1"/>
+          </a:fillRef>
+          <a:effectRef idx="0">
+            <a:schemeClr val="accent1"/>
+          </a:effectRef>
+          <a:fontRef idx="minor">
+            <a:schemeClr val="lt1"/>
+          </a:fontRef>
+        </p:style>
+        <p:txBody>
+          <a:bodyPr rtlCol="0" anchor="ctr"/>
+          <a:lstStyle/>
+          <a:p>
+            <a:pPr algn="ctr"/>
+            <a:endParaRPr lang="en-US"/>
+          </a:p>
+        </p:txBody>
+      </p:sp>
+    </p:spTree>
+    <p:extLst>
+      <p:ext uri="{BB962C8B-B14F-4D97-AF65-F5344CB8AC3E}">
+        <p14:creationId xmlns:p14="http://schemas.microsoft.com/office/powerpoint/2010/main" val="3543779795"/>
+      </p:ext>
+    </p:extLst>
+  </p:cSld>
+  <p:clrMapOvr>
+    <a:masterClrMapping/>
+  </p:clrMapOvr>
+</p:sld>
+</file>
+
+<file path=ppt/slides/slide7.xml><?xml version="1.0" encoding="utf-8"?>
+<p:sld xmlns:a="http://schemas.openxmlformats.org/drawingml/2006/main" xmlns:r="http://schemas.openxmlformats.org/officeDocument/2006/relationships" xmlns:p="http://schemas.openxmlformats.org/presentationml/2006/main">
+  <p:cSld>
+    <p:spTree>
+      <p:nvGrpSpPr>
+        <p:cNvPr id="1" name=""/>
+        <p:cNvGrpSpPr/>
+        <p:nvPr/>
+      </p:nvGrpSpPr>
+      <p:grpSpPr>
+        <a:xfrm>
+          <a:off x="0" y="0"/>
+          <a:ext cx="0" cy="0"/>
+          <a:chOff x="0" y="0"/>
+          <a:chExt cx="0" cy="0"/>
+        </a:xfrm>
+      </p:grpSpPr>
+      <p:pic>
+        <p:nvPicPr>
+          <p:cNvPr id="5" name="Picture 4"/>
+          <p:cNvPicPr>
+            <a:picLocks noChangeAspect="1"/>
+          </p:cNvPicPr>
+          <p:nvPr/>
+        </p:nvPicPr>
+        <p:blipFill rotWithShape="1">
+          <a:blip r:embed="rId2" cstate="print">
+            <a:extLst>
+              <a:ext uri="{28A0092B-C50C-407E-A947-70E740481C1C}">
+                <a14:useLocalDpi xmlns:a14="http://schemas.microsoft.com/office/drawing/2010/main" val="0"/>
+              </a:ext>
+            </a:extLst>
+          </a:blip>
+          <a:srcRect l="23951" t="22331" r="24891" b="14519"/>
+          <a:stretch/>
+        </p:blipFill>
+        <p:spPr>
+          <a:xfrm>
+            <a:off x="1985875" y="187747"/>
+            <a:ext cx="6866417" cy="6356286"/>
+          </a:xfrm>
+          <a:prstGeom prst="rect">
+            <a:avLst/>
+          </a:prstGeom>
+        </p:spPr>
+      </p:pic>
+      <p:pic>
+        <p:nvPicPr>
+          <p:cNvPr id="6" name="Picture 5"/>
+          <p:cNvPicPr>
+            <a:picLocks noChangeAspect="1"/>
+          </p:cNvPicPr>
+          <p:nvPr/>
+        </p:nvPicPr>
+        <p:blipFill rotWithShape="1">
+          <a:blip r:embed="rId3" cstate="print">
+            <a:extLst>
+              <a:ext uri="{28A0092B-C50C-407E-A947-70E740481C1C}">
+                <a14:useLocalDpi xmlns:a14="http://schemas.microsoft.com/office/drawing/2010/main" val="0"/>
+              </a:ext>
+            </a:extLst>
+          </a:blip>
+          <a:srcRect r="47933"/>
+          <a:stretch/>
+        </p:blipFill>
+        <p:spPr>
+          <a:xfrm>
+            <a:off x="3337546" y="4359282"/>
+            <a:ext cx="824937" cy="1460436"/>
+          </a:xfrm>
+          <a:prstGeom prst="rect">
+            <a:avLst/>
+          </a:prstGeom>
+        </p:spPr>
+      </p:pic>
+      <p:pic>
+        <p:nvPicPr>
+          <p:cNvPr id="9" name="Picture 8"/>
+          <p:cNvPicPr>
+            <a:picLocks noChangeAspect="1"/>
+          </p:cNvPicPr>
+          <p:nvPr/>
+        </p:nvPicPr>
+        <p:blipFill>
+          <a:blip r:embed="rId4" cstate="print">
+            <a:duotone>
+              <a:prstClr val="black"/>
+              <a:schemeClr val="bg1">
+                <a:tint val="45000"/>
+                <a:satMod val="400000"/>
+              </a:schemeClr>
+            </a:duotone>
+            <a:extLst>
+              <a:ext uri="{28A0092B-C50C-407E-A947-70E740481C1C}">
+                <a14:useLocalDpi xmlns:a14="http://schemas.microsoft.com/office/drawing/2010/main" val="0"/>
+              </a:ext>
+            </a:extLst>
+          </a:blip>
+          <a:stretch>
+            <a:fillRect/>
+          </a:stretch>
+        </p:blipFill>
+        <p:spPr>
+          <a:xfrm>
+            <a:off x="3276750" y="189614"/>
+            <a:ext cx="1035738" cy="2402121"/>
+          </a:xfrm>
+          <a:prstGeom prst="rect">
+            <a:avLst/>
+          </a:prstGeom>
+        </p:spPr>
+      </p:pic>
+      <p:pic>
+        <p:nvPicPr>
+          <p:cNvPr id="10" name="Picture 9"/>
+          <p:cNvPicPr>
+            <a:picLocks noChangeAspect="1"/>
+          </p:cNvPicPr>
+          <p:nvPr/>
+        </p:nvPicPr>
+        <p:blipFill>
+          <a:blip r:embed="rId4" cstate="print">
+            <a:duotone>
+              <a:prstClr val="black"/>
+              <a:schemeClr val="bg1">
+                <a:tint val="45000"/>
+                <a:satMod val="400000"/>
+              </a:schemeClr>
+            </a:duotone>
+            <a:extLst>
+              <a:ext uri="{28A0092B-C50C-407E-A947-70E740481C1C}">
+                <a14:useLocalDpi xmlns:a14="http://schemas.microsoft.com/office/drawing/2010/main" val="0"/>
+              </a:ext>
+            </a:extLst>
+          </a:blip>
+          <a:stretch>
+            <a:fillRect/>
+          </a:stretch>
+        </p:blipFill>
+        <p:spPr>
+          <a:xfrm rot="16200000">
+            <a:off x="7133363" y="3500520"/>
+            <a:ext cx="1035738" cy="2402120"/>
+          </a:xfrm>
+          <a:prstGeom prst="rect">
+            <a:avLst/>
+          </a:prstGeom>
+        </p:spPr>
+      </p:pic>
+      <p:sp>
+        <p:nvSpPr>
+          <p:cNvPr id="13" name="TextBox 12"/>
+          <p:cNvSpPr txBox="1"/>
+          <p:nvPr/>
+        </p:nvSpPr>
+        <p:spPr>
+          <a:xfrm>
+            <a:off x="2060293" y="763929"/>
+            <a:ext cx="1116957" cy="923330"/>
+          </a:xfrm>
+          <a:prstGeom prst="rect">
+            <a:avLst/>
+          </a:prstGeom>
+          <a:solidFill>
+            <a:srgbClr val="FFCC00"/>
+          </a:solidFill>
+        </p:spPr>
+        <p:txBody>
+          <a:bodyPr wrap="square" rtlCol="0">
+            <a:spAutoFit/>
+          </a:bodyPr>
+          <a:lstStyle/>
+          <a:p>
+            <a:pPr algn="ctr"/>
+            <a:r>
+              <a:rPr lang="en-US" b="1" dirty="0"/>
+              <a:t>North-South YELLOW</a:t>
+            </a:r>
+          </a:p>
+        </p:txBody>
+      </p:sp>
+      <p:cxnSp>
+        <p:nvCxnSpPr>
+          <p:cNvPr id="15" name="Straight Arrow Connector 14"/>
+          <p:cNvCxnSpPr/>
+          <p:nvPr/>
+        </p:nvCxnSpPr>
+        <p:spPr>
+          <a:xfrm flipH="1" flipV="1">
+            <a:off x="5545273" y="259068"/>
+            <a:ext cx="19166" cy="6284965"/>
+          </a:xfrm>
+          <a:prstGeom prst="straightConnector1">
+            <a:avLst/>
+          </a:prstGeom>
+          <a:ln w="76200">
+            <a:solidFill>
+              <a:srgbClr val="FFCC00"/>
+            </a:solidFill>
+            <a:prstDash val="solid"/>
+            <a:headEnd type="triangle" w="med" len="med"/>
+            <a:tailEnd type="triangle" w="med" len="med"/>
+          </a:ln>
+        </p:spPr>
+        <p:style>
+          <a:lnRef idx="1">
+            <a:schemeClr val="accent1"/>
+          </a:lnRef>
+          <a:fillRef idx="0">
+            <a:schemeClr val="accent1"/>
+          </a:fillRef>
+          <a:effectRef idx="0">
+            <a:schemeClr val="accent1"/>
+          </a:effectRef>
+          <a:fontRef idx="minor">
+            <a:schemeClr val="tx1"/>
+          </a:fontRef>
+        </p:style>
+      </p:cxnSp>
+      <p:sp>
+        <p:nvSpPr>
+          <p:cNvPr id="20" name="TextBox 19"/>
+          <p:cNvSpPr txBox="1"/>
+          <p:nvPr/>
+        </p:nvSpPr>
+        <p:spPr>
+          <a:xfrm>
+            <a:off x="6612218" y="5115841"/>
+            <a:ext cx="1116957" cy="923330"/>
+          </a:xfrm>
+          <a:prstGeom prst="rect">
+            <a:avLst/>
+          </a:prstGeom>
+          <a:solidFill>
+            <a:srgbClr val="FFCC00"/>
+          </a:solidFill>
+        </p:spPr>
+        <p:txBody>
+          <a:bodyPr wrap="square" rtlCol="0">
+            <a:spAutoFit/>
+          </a:bodyPr>
+          <a:lstStyle/>
+          <a:p>
+            <a:pPr algn="ctr"/>
+            <a:r>
+              <a:rPr lang="en-US" b="1" dirty="0"/>
+              <a:t>East-West </a:t>
+            </a:r>
+            <a:br>
+              <a:rPr lang="en-US" b="1" dirty="0"/>
+            </a:br>
+            <a:r>
+              <a:rPr lang="en-US" b="1" dirty="0"/>
+              <a:t>RED</a:t>
+            </a:r>
+          </a:p>
+        </p:txBody>
+      </p:sp>
+      <p:sp>
+        <p:nvSpPr>
+          <p:cNvPr id="24" name="TextBox 23"/>
+          <p:cNvSpPr txBox="1"/>
+          <p:nvPr/>
+        </p:nvSpPr>
+        <p:spPr>
+          <a:xfrm>
+            <a:off x="2050818" y="4468048"/>
+            <a:ext cx="1225932" cy="1200329"/>
+          </a:xfrm>
+          <a:prstGeom prst="rect">
+            <a:avLst/>
+          </a:prstGeom>
+          <a:solidFill>
+            <a:srgbClr val="FFCC00"/>
+          </a:solidFill>
+        </p:spPr>
+        <p:txBody>
+          <a:bodyPr wrap="square" rtlCol="0">
+            <a:spAutoFit/>
+          </a:bodyPr>
+          <a:lstStyle/>
+          <a:p>
+            <a:pPr algn="ctr"/>
+            <a:r>
+              <a:rPr lang="en-US" b="1" dirty="0"/>
+              <a:t>Pedestrian Crossing</a:t>
+            </a:r>
+            <a:br>
+              <a:rPr lang="en-US" b="1" dirty="0"/>
+            </a:br>
+            <a:r>
+              <a:rPr lang="en-US" b="1" dirty="0"/>
+              <a:t>DON'T</a:t>
+            </a:r>
+            <a:br>
+              <a:rPr lang="en-US" b="1" dirty="0"/>
+            </a:br>
+            <a:r>
+              <a:rPr lang="en-US" b="1" dirty="0"/>
+              <a:t>WALK</a:t>
+            </a:r>
+          </a:p>
+        </p:txBody>
+      </p:sp>
+      <p:sp>
+        <p:nvSpPr>
+          <p:cNvPr id="18" name="Oval 17"/>
+          <p:cNvSpPr/>
+          <p:nvPr/>
+        </p:nvSpPr>
+        <p:spPr>
+          <a:xfrm>
+            <a:off x="6704665" y="4458489"/>
+            <a:ext cx="532932" cy="471224"/>
+          </a:xfrm>
+          <a:prstGeom prst="ellipse">
+            <a:avLst/>
+          </a:prstGeom>
+          <a:solidFill>
+            <a:srgbClr val="FF0000"/>
+          </a:solidFill>
+          <a:ln>
+            <a:noFill/>
+          </a:ln>
+        </p:spPr>
+        <p:style>
+          <a:lnRef idx="2">
+            <a:schemeClr val="accent1">
+              <a:shade val="50000"/>
+            </a:schemeClr>
+          </a:lnRef>
+          <a:fillRef idx="1">
+            <a:schemeClr val="accent1"/>
+          </a:fillRef>
+          <a:effectRef idx="0">
+            <a:schemeClr val="accent1"/>
+          </a:effectRef>
+          <a:fontRef idx="minor">
+            <a:schemeClr val="lt1"/>
+          </a:fontRef>
+        </p:style>
+        <p:txBody>
+          <a:bodyPr rtlCol="0" anchor="ctr"/>
+          <a:lstStyle/>
+          <a:p>
+            <a:pPr algn="ctr"/>
+            <a:endParaRPr lang="en-US"/>
+          </a:p>
+        </p:txBody>
+      </p:sp>
+      <p:sp>
+        <p:nvSpPr>
+          <p:cNvPr id="22" name="Oval 21"/>
+          <p:cNvSpPr/>
+          <p:nvPr/>
+        </p:nvSpPr>
+        <p:spPr>
+          <a:xfrm>
+            <a:off x="3499108" y="1155062"/>
+            <a:ext cx="532932" cy="471224"/>
+          </a:xfrm>
+          <a:prstGeom prst="ellipse">
+            <a:avLst/>
+          </a:prstGeom>
+          <a:solidFill>
+            <a:srgbClr val="FFFF00"/>
+          </a:solidFill>
+          <a:ln>
+            <a:noFill/>
+          </a:ln>
+        </p:spPr>
+        <p:style>
+          <a:lnRef idx="2">
+            <a:schemeClr val="accent1">
+              <a:shade val="50000"/>
+            </a:schemeClr>
+          </a:lnRef>
+          <a:fillRef idx="1">
+            <a:schemeClr val="accent1"/>
+          </a:fillRef>
+          <a:effectRef idx="0">
+            <a:schemeClr val="accent1"/>
+          </a:effectRef>
+          <a:fontRef idx="minor">
+            <a:schemeClr val="lt1"/>
+          </a:fontRef>
+        </p:style>
+        <p:txBody>
+          <a:bodyPr rtlCol="0" anchor="ctr"/>
+          <a:lstStyle/>
+          <a:p>
+            <a:pPr algn="ctr"/>
+            <a:endParaRPr lang="en-US"/>
+          </a:p>
+        </p:txBody>
+      </p:sp>
+    </p:spTree>
+    <p:extLst>
+      <p:ext uri="{BB962C8B-B14F-4D97-AF65-F5344CB8AC3E}">
+        <p14:creationId xmlns:p14="http://schemas.microsoft.com/office/powerpoint/2010/main" val="3083858105"/>
+      </p:ext>
+    </p:extLst>
+  </p:cSld>
+  <p:clrMapOvr>
+    <a:masterClrMapping/>
+  </p:clrMapOvr>
+</p:sld>
+</file>
+
+<file path=ppt/slides/slide8.xml><?xml version="1.0" encoding="utf-8"?>
+<p:sld xmlns:a="http://schemas.openxmlformats.org/drawingml/2006/main" xmlns:r="http://schemas.openxmlformats.org/officeDocument/2006/relationships" xmlns:p="http://schemas.openxmlformats.org/presentationml/2006/main">
+  <p:cSld>
+    <p:spTree>
+      <p:nvGrpSpPr>
+        <p:cNvPr id="1" name=""/>
+        <p:cNvGrpSpPr/>
+        <p:nvPr/>
+      </p:nvGrpSpPr>
+      <p:grpSpPr>
+        <a:xfrm>
+          <a:off x="0" y="0"/>
+          <a:ext cx="0" cy="0"/>
+          <a:chOff x="0" y="0"/>
+          <a:chExt cx="0" cy="0"/>
+        </a:xfrm>
+      </p:grpSpPr>
+      <p:pic>
+        <p:nvPicPr>
+          <p:cNvPr id="5" name="Picture 4"/>
+          <p:cNvPicPr>
+            <a:picLocks noChangeAspect="1"/>
+          </p:cNvPicPr>
+          <p:nvPr/>
+        </p:nvPicPr>
+        <p:blipFill rotWithShape="1">
+          <a:blip r:embed="rId2" cstate="print">
+            <a:extLst>
+              <a:ext uri="{28A0092B-C50C-407E-A947-70E740481C1C}">
+                <a14:useLocalDpi xmlns:a14="http://schemas.microsoft.com/office/drawing/2010/main" val="0"/>
+              </a:ext>
+            </a:extLst>
+          </a:blip>
+          <a:srcRect l="23951" t="22331" r="24891" b="14519"/>
+          <a:stretch/>
+        </p:blipFill>
+        <p:spPr>
+          <a:xfrm>
+            <a:off x="1985875" y="187747"/>
+            <a:ext cx="6866417" cy="6356286"/>
+          </a:xfrm>
+          <a:prstGeom prst="rect">
+            <a:avLst/>
+          </a:prstGeom>
+        </p:spPr>
+      </p:pic>
+      <p:pic>
+        <p:nvPicPr>
+          <p:cNvPr id="6" name="Picture 5"/>
+          <p:cNvPicPr>
+            <a:picLocks noChangeAspect="1"/>
+          </p:cNvPicPr>
+          <p:nvPr/>
+        </p:nvPicPr>
+        <p:blipFill rotWithShape="1">
+          <a:blip r:embed="rId3" cstate="print">
+            <a:extLst>
+              <a:ext uri="{28A0092B-C50C-407E-A947-70E740481C1C}">
+                <a14:useLocalDpi xmlns:a14="http://schemas.microsoft.com/office/drawing/2010/main" val="0"/>
+              </a:ext>
+            </a:extLst>
+          </a:blip>
+          <a:srcRect r="47933"/>
+          <a:stretch/>
+        </p:blipFill>
+        <p:spPr>
+          <a:xfrm>
+            <a:off x="3337546" y="4359282"/>
+            <a:ext cx="824937" cy="1460436"/>
+          </a:xfrm>
+          <a:prstGeom prst="rect">
+            <a:avLst/>
+          </a:prstGeom>
+        </p:spPr>
+      </p:pic>
+      <p:pic>
+        <p:nvPicPr>
+          <p:cNvPr id="9" name="Picture 8"/>
+          <p:cNvPicPr>
+            <a:picLocks noChangeAspect="1"/>
+          </p:cNvPicPr>
+          <p:nvPr/>
+        </p:nvPicPr>
+        <p:blipFill>
+          <a:blip r:embed="rId4" cstate="print">
+            <a:duotone>
+              <a:prstClr val="black"/>
+              <a:schemeClr val="bg1">
+                <a:tint val="45000"/>
+                <a:satMod val="400000"/>
+              </a:schemeClr>
+            </a:duotone>
+            <a:extLst>
+              <a:ext uri="{28A0092B-C50C-407E-A947-70E740481C1C}">
+                <a14:useLocalDpi xmlns:a14="http://schemas.microsoft.com/office/drawing/2010/main" val="0"/>
+              </a:ext>
+            </a:extLst>
+          </a:blip>
+          <a:stretch>
+            <a:fillRect/>
+          </a:stretch>
+        </p:blipFill>
+        <p:spPr>
+          <a:xfrm>
+            <a:off x="3276750" y="189614"/>
+            <a:ext cx="1035738" cy="2402121"/>
+          </a:xfrm>
+          <a:prstGeom prst="rect">
+            <a:avLst/>
+          </a:prstGeom>
+        </p:spPr>
+      </p:pic>
+      <p:pic>
+        <p:nvPicPr>
+          <p:cNvPr id="10" name="Picture 9"/>
+          <p:cNvPicPr>
+            <a:picLocks noChangeAspect="1"/>
+          </p:cNvPicPr>
+          <p:nvPr/>
+        </p:nvPicPr>
+        <p:blipFill>
+          <a:blip r:embed="rId4" cstate="print">
+            <a:duotone>
+              <a:prstClr val="black"/>
+              <a:schemeClr val="bg1">
+                <a:tint val="45000"/>
+                <a:satMod val="400000"/>
+              </a:schemeClr>
+            </a:duotone>
+            <a:extLst>
+              <a:ext uri="{28A0092B-C50C-407E-A947-70E740481C1C}">
+                <a14:useLocalDpi xmlns:a14="http://schemas.microsoft.com/office/drawing/2010/main" val="0"/>
+              </a:ext>
+            </a:extLst>
+          </a:blip>
+          <a:stretch>
+            <a:fillRect/>
+          </a:stretch>
+        </p:blipFill>
+        <p:spPr>
+          <a:xfrm rot="16200000">
+            <a:off x="7133363" y="3500520"/>
+            <a:ext cx="1035738" cy="2402120"/>
+          </a:xfrm>
+          <a:prstGeom prst="rect">
+            <a:avLst/>
+          </a:prstGeom>
+        </p:spPr>
+      </p:pic>
+      <p:sp>
+        <p:nvSpPr>
+          <p:cNvPr id="13" name="TextBox 12"/>
+          <p:cNvSpPr txBox="1"/>
+          <p:nvPr/>
+        </p:nvSpPr>
+        <p:spPr>
+          <a:xfrm>
+            <a:off x="2060293" y="763929"/>
+            <a:ext cx="1116957" cy="923330"/>
+          </a:xfrm>
+          <a:prstGeom prst="rect">
+            <a:avLst/>
+          </a:prstGeom>
+          <a:solidFill>
+            <a:srgbClr val="FFCC00"/>
+          </a:solidFill>
+        </p:spPr>
+        <p:txBody>
+          <a:bodyPr wrap="square" rtlCol="0">
+            <a:spAutoFit/>
+          </a:bodyPr>
+          <a:lstStyle/>
+          <a:p>
+            <a:pPr algn="ctr"/>
+            <a:r>
+              <a:rPr lang="en-US" b="1" dirty="0"/>
+              <a:t>North-South RED</a:t>
+            </a:r>
+          </a:p>
+        </p:txBody>
+      </p:sp>
+      <p:sp>
+        <p:nvSpPr>
+          <p:cNvPr id="20" name="TextBox 19"/>
+          <p:cNvSpPr txBox="1"/>
+          <p:nvPr/>
+        </p:nvSpPr>
+        <p:spPr>
+          <a:xfrm>
+            <a:off x="6612218" y="5115841"/>
+            <a:ext cx="1116957" cy="923330"/>
+          </a:xfrm>
+          <a:prstGeom prst="rect">
+            <a:avLst/>
+          </a:prstGeom>
+          <a:solidFill>
+            <a:srgbClr val="FFCC00"/>
+          </a:solidFill>
+        </p:spPr>
+        <p:txBody>
+          <a:bodyPr wrap="square" rtlCol="0">
+            <a:spAutoFit/>
+          </a:bodyPr>
+          <a:lstStyle/>
+          <a:p>
+            <a:pPr algn="ctr"/>
+            <a:r>
+              <a:rPr lang="en-US" b="1" dirty="0"/>
+              <a:t>East-West GREEN</a:t>
+            </a:r>
+          </a:p>
+        </p:txBody>
+      </p:sp>
+      <p:sp>
+        <p:nvSpPr>
+          <p:cNvPr id="24" name="TextBox 23"/>
+          <p:cNvSpPr txBox="1"/>
+          <p:nvPr/>
+        </p:nvSpPr>
+        <p:spPr>
+          <a:xfrm>
+            <a:off x="2050818" y="4468048"/>
+            <a:ext cx="1225932" cy="1200329"/>
+          </a:xfrm>
+          <a:prstGeom prst="rect">
+            <a:avLst/>
+          </a:prstGeom>
+          <a:solidFill>
+            <a:srgbClr val="FFCC00"/>
+          </a:solidFill>
+        </p:spPr>
+        <p:txBody>
+          <a:bodyPr wrap="square" rtlCol="0">
+            <a:spAutoFit/>
+          </a:bodyPr>
+          <a:lstStyle/>
+          <a:p>
+            <a:pPr algn="ctr"/>
+            <a:r>
+              <a:rPr lang="en-US" b="1" dirty="0"/>
+              <a:t>Pedestrian Crossing</a:t>
+            </a:r>
+            <a:br>
+              <a:rPr lang="en-US" b="1" dirty="0"/>
+            </a:br>
+            <a:r>
+              <a:rPr lang="en-US" b="1" dirty="0"/>
+              <a:t>DON'T</a:t>
+            </a:r>
+            <a:br>
+              <a:rPr lang="en-US" b="1" dirty="0"/>
+            </a:br>
+            <a:r>
+              <a:rPr lang="en-US" b="1" dirty="0"/>
+              <a:t>WALK</a:t>
+            </a:r>
+          </a:p>
+        </p:txBody>
+      </p:sp>
+      <p:cxnSp>
+        <p:nvCxnSpPr>
+          <p:cNvPr id="25" name="Straight Arrow Connector 24"/>
+          <p:cNvCxnSpPr/>
+          <p:nvPr/>
+        </p:nvCxnSpPr>
+        <p:spPr>
+          <a:xfrm>
+            <a:off x="2120630" y="3476017"/>
+            <a:ext cx="6884062" cy="474731"/>
+          </a:xfrm>
+          <a:prstGeom prst="straightConnector1">
+            <a:avLst/>
+          </a:prstGeom>
+          <a:ln w="76200">
+            <a:solidFill>
+              <a:srgbClr val="FFCC00"/>
+            </a:solidFill>
+            <a:prstDash val="solid"/>
+            <a:headEnd type="triangle" w="med" len="med"/>
+            <a:tailEnd type="triangle" w="med" len="med"/>
+          </a:ln>
+        </p:spPr>
+        <p:style>
+          <a:lnRef idx="1">
+            <a:schemeClr val="accent1"/>
+          </a:lnRef>
+          <a:fillRef idx="0">
+            <a:schemeClr val="accent1"/>
+          </a:fillRef>
+          <a:effectRef idx="0">
+            <a:schemeClr val="accent1"/>
+          </a:effectRef>
+          <a:fontRef idx="minor">
+            <a:schemeClr val="tx1"/>
+          </a:fontRef>
+        </p:style>
+      </p:cxnSp>
+      <p:sp>
+        <p:nvSpPr>
+          <p:cNvPr id="2" name="Oval 1"/>
+          <p:cNvSpPr/>
+          <p:nvPr/>
+        </p:nvSpPr>
+        <p:spPr>
+          <a:xfrm>
+            <a:off x="3511745" y="493664"/>
+            <a:ext cx="532932" cy="471224"/>
+          </a:xfrm>
+          <a:prstGeom prst="ellipse">
+            <a:avLst/>
+          </a:prstGeom>
+          <a:solidFill>
+            <a:srgbClr val="FF0000"/>
+          </a:solidFill>
+          <a:ln>
+            <a:noFill/>
+          </a:ln>
+        </p:spPr>
+        <p:style>
+          <a:lnRef idx="2">
+            <a:schemeClr val="accent1">
+              <a:shade val="50000"/>
+            </a:schemeClr>
+          </a:lnRef>
+          <a:fillRef idx="1">
+            <a:schemeClr val="accent1"/>
+          </a:fillRef>
+          <a:effectRef idx="0">
+            <a:schemeClr val="accent1"/>
+          </a:effectRef>
+          <a:fontRef idx="minor">
+            <a:schemeClr val="lt1"/>
+          </a:fontRef>
+        </p:style>
+        <p:txBody>
+          <a:bodyPr rtlCol="0" anchor="ctr"/>
+          <a:lstStyle/>
+          <a:p>
+            <a:pPr algn="ctr"/>
+            <a:endParaRPr lang="en-US"/>
+          </a:p>
+        </p:txBody>
+      </p:sp>
+      <p:sp>
+        <p:nvSpPr>
+          <p:cNvPr id="19" name="Oval 18"/>
+          <p:cNvSpPr/>
+          <p:nvPr/>
+        </p:nvSpPr>
+        <p:spPr>
+          <a:xfrm>
+            <a:off x="8083292" y="4458489"/>
+            <a:ext cx="532932" cy="471224"/>
+          </a:xfrm>
+          <a:prstGeom prst="ellipse">
+            <a:avLst/>
+          </a:prstGeom>
+          <a:solidFill>
+            <a:srgbClr val="00B050"/>
+          </a:solidFill>
+          <a:ln>
+            <a:noFill/>
+          </a:ln>
+        </p:spPr>
+        <p:style>
+          <a:lnRef idx="2">
+            <a:schemeClr val="accent1">
+              <a:shade val="50000"/>
+            </a:schemeClr>
+          </a:lnRef>
+          <a:fillRef idx="1">
+            <a:schemeClr val="accent1"/>
+          </a:fillRef>
+          <a:effectRef idx="0">
+            <a:schemeClr val="accent1"/>
+          </a:effectRef>
+          <a:fontRef idx="minor">
+            <a:schemeClr val="lt1"/>
+          </a:fontRef>
+        </p:style>
+        <p:txBody>
+          <a:bodyPr rtlCol="0" anchor="ctr"/>
+          <a:lstStyle/>
+          <a:p>
+            <a:pPr algn="ctr"/>
+            <a:endParaRPr lang="en-US"/>
+          </a:p>
+        </p:txBody>
+      </p:sp>
+    </p:spTree>
+    <p:extLst>
+      <p:ext uri="{BB962C8B-B14F-4D97-AF65-F5344CB8AC3E}">
+        <p14:creationId xmlns:p14="http://schemas.microsoft.com/office/powerpoint/2010/main" val="752006648"/>
+      </p:ext>
+    </p:extLst>
+  </p:cSld>
+  <p:clrMapOvr>
+    <a:masterClrMapping/>
+  </p:clrMapOvr>
+</p:sld>
+</file>
+
+<file path=ppt/slides/slide9.xml><?xml version="1.0" encoding="utf-8"?>
+<p:sld xmlns:a="http://schemas.openxmlformats.org/drawingml/2006/main" xmlns:r="http://schemas.openxmlformats.org/officeDocument/2006/relationships" xmlns:p="http://schemas.openxmlformats.org/presentationml/2006/main">
+  <p:cSld>
+    <p:spTree>
+      <p:nvGrpSpPr>
+        <p:cNvPr id="1" name=""/>
+        <p:cNvGrpSpPr/>
+        <p:nvPr/>
+      </p:nvGrpSpPr>
+      <p:grpSpPr>
+        <a:xfrm>
+          <a:off x="0" y="0"/>
+          <a:ext cx="0" cy="0"/>
+          <a:chOff x="0" y="0"/>
+          <a:chExt cx="0" cy="0"/>
+        </a:xfrm>
+      </p:grpSpPr>
+      <p:pic>
+        <p:nvPicPr>
+          <p:cNvPr id="5" name="Picture 4"/>
+          <p:cNvPicPr>
+            <a:picLocks noChangeAspect="1"/>
+          </p:cNvPicPr>
+          <p:nvPr/>
+        </p:nvPicPr>
+        <p:blipFill rotWithShape="1">
+          <a:blip r:embed="rId2" cstate="print">
+            <a:extLst>
+              <a:ext uri="{28A0092B-C50C-407E-A947-70E740481C1C}">
+                <a14:useLocalDpi xmlns:a14="http://schemas.microsoft.com/office/drawing/2010/main" val="0"/>
+              </a:ext>
+            </a:extLst>
+          </a:blip>
+          <a:srcRect l="23951" t="22331" r="24891" b="14519"/>
+          <a:stretch/>
+        </p:blipFill>
+        <p:spPr>
+          <a:xfrm>
+            <a:off x="1985875" y="187747"/>
+            <a:ext cx="6866417" cy="6356286"/>
+          </a:xfrm>
+          <a:prstGeom prst="rect">
+            <a:avLst/>
+          </a:prstGeom>
+        </p:spPr>
+      </p:pic>
+      <p:pic>
+        <p:nvPicPr>
+          <p:cNvPr id="6" name="Picture 5"/>
+          <p:cNvPicPr>
+            <a:picLocks noChangeAspect="1"/>
+          </p:cNvPicPr>
+          <p:nvPr/>
+        </p:nvPicPr>
+        <p:blipFill rotWithShape="1">
+          <a:blip r:embed="rId3" cstate="print">
+            <a:extLst>
+              <a:ext uri="{28A0092B-C50C-407E-A947-70E740481C1C}">
+                <a14:useLocalDpi xmlns:a14="http://schemas.microsoft.com/office/drawing/2010/main" val="0"/>
+              </a:ext>
+            </a:extLst>
+          </a:blip>
+          <a:srcRect r="47933"/>
+          <a:stretch/>
+        </p:blipFill>
+        <p:spPr>
+          <a:xfrm>
+            <a:off x="3337546" y="4359282"/>
+            <a:ext cx="824937" cy="1460436"/>
+          </a:xfrm>
+          <a:prstGeom prst="rect">
+            <a:avLst/>
+          </a:prstGeom>
+        </p:spPr>
+      </p:pic>
+      <p:pic>
+        <p:nvPicPr>
+          <p:cNvPr id="9" name="Picture 8"/>
+          <p:cNvPicPr>
+            <a:picLocks noChangeAspect="1"/>
+          </p:cNvPicPr>
+          <p:nvPr/>
+        </p:nvPicPr>
+        <p:blipFill>
+          <a:blip r:embed="rId4" cstate="print">
+            <a:duotone>
+              <a:prstClr val="black"/>
+              <a:schemeClr val="bg1">
+                <a:tint val="45000"/>
+                <a:satMod val="400000"/>
+              </a:schemeClr>
+            </a:duotone>
+            <a:extLst>
+              <a:ext uri="{28A0092B-C50C-407E-A947-70E740481C1C}">
+                <a14:useLocalDpi xmlns:a14="http://schemas.microsoft.com/office/drawing/2010/main" val="0"/>
+              </a:ext>
+            </a:extLst>
+          </a:blip>
+          <a:stretch>
+            <a:fillRect/>
+          </a:stretch>
+        </p:blipFill>
+        <p:spPr>
+          <a:xfrm>
+            <a:off x="3276750" y="189614"/>
+            <a:ext cx="1035738" cy="2402121"/>
+          </a:xfrm>
+          <a:prstGeom prst="rect">
+            <a:avLst/>
+          </a:prstGeom>
+        </p:spPr>
+      </p:pic>
+      <p:pic>
+        <p:nvPicPr>
+          <p:cNvPr id="10" name="Picture 9"/>
+          <p:cNvPicPr>
+            <a:picLocks noChangeAspect="1"/>
+          </p:cNvPicPr>
+          <p:nvPr/>
+        </p:nvPicPr>
+        <p:blipFill>
+          <a:blip r:embed="rId4" cstate="print">
+            <a:duotone>
+              <a:prstClr val="black"/>
+              <a:schemeClr val="bg1">
+                <a:tint val="45000"/>
+                <a:satMod val="400000"/>
+              </a:schemeClr>
+            </a:duotone>
+            <a:extLst>
+              <a:ext uri="{28A0092B-C50C-407E-A947-70E740481C1C}">
+                <a14:useLocalDpi xmlns:a14="http://schemas.microsoft.com/office/drawing/2010/main" val="0"/>
+              </a:ext>
+            </a:extLst>
+          </a:blip>
+          <a:stretch>
+            <a:fillRect/>
+          </a:stretch>
+        </p:blipFill>
+        <p:spPr>
+          <a:xfrm rot="16200000">
+            <a:off x="7133363" y="3500520"/>
+            <a:ext cx="1035738" cy="2402120"/>
+          </a:xfrm>
+          <a:prstGeom prst="rect">
+            <a:avLst/>
+          </a:prstGeom>
+        </p:spPr>
+      </p:pic>
+      <p:sp>
+        <p:nvSpPr>
+          <p:cNvPr id="13" name="TextBox 12"/>
+          <p:cNvSpPr txBox="1"/>
+          <p:nvPr/>
+        </p:nvSpPr>
+        <p:spPr>
+          <a:xfrm>
+            <a:off x="2060293" y="763929"/>
+            <a:ext cx="1116957" cy="923330"/>
+          </a:xfrm>
+          <a:prstGeom prst="rect">
+            <a:avLst/>
+          </a:prstGeom>
+          <a:solidFill>
+            <a:srgbClr val="FFCC00"/>
+          </a:solidFill>
+        </p:spPr>
+        <p:txBody>
+          <a:bodyPr wrap="square" rtlCol="0">
+            <a:spAutoFit/>
+          </a:bodyPr>
+          <a:lstStyle/>
+          <a:p>
+            <a:pPr algn="ctr"/>
+            <a:r>
+              <a:rPr lang="en-US" b="1" dirty="0"/>
+              <a:t>North-South RED</a:t>
+            </a:r>
+          </a:p>
+        </p:txBody>
+      </p:sp>
+      <p:sp>
+        <p:nvSpPr>
+          <p:cNvPr id="20" name="TextBox 19"/>
+          <p:cNvSpPr txBox="1"/>
+          <p:nvPr/>
+        </p:nvSpPr>
+        <p:spPr>
+          <a:xfrm>
+            <a:off x="6612218" y="5115841"/>
+            <a:ext cx="1116957" cy="923330"/>
+          </a:xfrm>
+          <a:prstGeom prst="rect">
+            <a:avLst/>
+          </a:prstGeom>
+          <a:solidFill>
+            <a:srgbClr val="FFCC00"/>
+          </a:solidFill>
+        </p:spPr>
+        <p:txBody>
+          <a:bodyPr wrap="square" rtlCol="0">
+            <a:spAutoFit/>
+          </a:bodyPr>
+          <a:lstStyle/>
+          <a:p>
+            <a:pPr algn="ctr"/>
+            <a:r>
+              <a:rPr lang="en-US" b="1" dirty="0"/>
+              <a:t>East-West YELLOW</a:t>
+            </a:r>
+          </a:p>
+        </p:txBody>
+      </p:sp>
+      <p:sp>
+        <p:nvSpPr>
+          <p:cNvPr id="24" name="TextBox 23"/>
+          <p:cNvSpPr txBox="1"/>
+          <p:nvPr/>
+        </p:nvSpPr>
+        <p:spPr>
+          <a:xfrm>
+            <a:off x="2050818" y="4468048"/>
+            <a:ext cx="1225932" cy="1200329"/>
+          </a:xfrm>
+          <a:prstGeom prst="rect">
+            <a:avLst/>
+          </a:prstGeom>
+          <a:solidFill>
+            <a:srgbClr val="FFCC00"/>
+          </a:solidFill>
+        </p:spPr>
+        <p:txBody>
+          <a:bodyPr wrap="square" rtlCol="0">
+            <a:spAutoFit/>
+          </a:bodyPr>
+          <a:lstStyle/>
+          <a:p>
+            <a:pPr algn="ctr"/>
+            <a:r>
+              <a:rPr lang="en-US" b="1" dirty="0"/>
+              <a:t>Pedestrian Crossing</a:t>
+            </a:r>
+            <a:br>
+              <a:rPr lang="en-US" b="1" dirty="0"/>
+            </a:br>
+            <a:r>
+              <a:rPr lang="en-US" b="1" dirty="0"/>
+              <a:t>DON'T</a:t>
+            </a:r>
+            <a:br>
+              <a:rPr lang="en-US" b="1" dirty="0"/>
+            </a:br>
+            <a:r>
+              <a:rPr lang="en-US" b="1" dirty="0"/>
+              <a:t>WALK</a:t>
+            </a:r>
+          </a:p>
+        </p:txBody>
+      </p:sp>
+      <p:cxnSp>
+        <p:nvCxnSpPr>
+          <p:cNvPr id="25" name="Straight Arrow Connector 24"/>
+          <p:cNvCxnSpPr/>
+          <p:nvPr/>
+        </p:nvCxnSpPr>
+        <p:spPr>
+          <a:xfrm>
+            <a:off x="2120630" y="3476017"/>
+            <a:ext cx="6884062" cy="474731"/>
+          </a:xfrm>
+          <a:prstGeom prst="straightConnector1">
+            <a:avLst/>
+          </a:prstGeom>
+          <a:ln w="76200">
+            <a:solidFill>
+              <a:srgbClr val="FFCC00"/>
+            </a:solidFill>
+            <a:prstDash val="solid"/>
+            <a:headEnd type="triangle" w="med" len="med"/>
+            <a:tailEnd type="triangle" w="med" len="med"/>
+          </a:ln>
+        </p:spPr>
+        <p:style>
+          <a:lnRef idx="1">
+            <a:schemeClr val="accent1"/>
+          </a:lnRef>
+          <a:fillRef idx="0">
+            <a:schemeClr val="accent1"/>
+          </a:fillRef>
+          <a:effectRef idx="0">
+            <a:schemeClr val="accent1"/>
+          </a:effectRef>
+          <a:fontRef idx="minor">
+            <a:schemeClr val="tx1"/>
+          </a:fontRef>
+        </p:style>
+      </p:cxnSp>
+      <p:sp>
+        <p:nvSpPr>
+          <p:cNvPr id="2" name="Oval 1"/>
+          <p:cNvSpPr/>
+          <p:nvPr/>
+        </p:nvSpPr>
+        <p:spPr>
+          <a:xfrm>
+            <a:off x="3511745" y="493664"/>
+            <a:ext cx="532932" cy="471224"/>
+          </a:xfrm>
+          <a:prstGeom prst="ellipse">
+            <a:avLst/>
+          </a:prstGeom>
+          <a:solidFill>
+            <a:srgbClr val="FF0000"/>
+          </a:solidFill>
+          <a:ln>
+            <a:noFill/>
+          </a:ln>
+        </p:spPr>
+        <p:style>
+          <a:lnRef idx="2">
+            <a:schemeClr val="accent1">
+              <a:shade val="50000"/>
+            </a:schemeClr>
+          </a:lnRef>
+          <a:fillRef idx="1">
+            <a:schemeClr val="accent1"/>
+          </a:fillRef>
+          <a:effectRef idx="0">
+            <a:schemeClr val="accent1"/>
+          </a:effectRef>
+          <a:fontRef idx="minor">
+            <a:schemeClr val="lt1"/>
+          </a:fontRef>
+        </p:style>
+        <p:txBody>
+          <a:bodyPr rtlCol="0" anchor="ctr"/>
+          <a:lstStyle/>
+          <a:p>
+            <a:pPr algn="ctr"/>
+            <a:endParaRPr lang="en-US"/>
+          </a:p>
+        </p:txBody>
+      </p:sp>
+      <p:sp>
+        <p:nvSpPr>
+          <p:cNvPr id="19" name="Oval 18"/>
+          <p:cNvSpPr/>
+          <p:nvPr/>
+        </p:nvSpPr>
+        <p:spPr>
+          <a:xfrm>
+            <a:off x="7319967" y="4465967"/>
+            <a:ext cx="532932" cy="471224"/>
+          </a:xfrm>
+          <a:prstGeom prst="ellipse">
+            <a:avLst/>
+          </a:prstGeom>
+          <a:solidFill>
+            <a:srgbClr val="FFFF00"/>
+          </a:solidFill>
+          <a:ln>
+            <a:noFill/>
+          </a:ln>
+        </p:spPr>
+        <p:style>
+          <a:lnRef idx="2">
+            <a:schemeClr val="accent1">
+              <a:shade val="50000"/>
+            </a:schemeClr>
+          </a:lnRef>
+          <a:fillRef idx="1">
+            <a:schemeClr val="accent1"/>
+          </a:fillRef>
+          <a:effectRef idx="0">
+            <a:schemeClr val="accent1"/>
+          </a:effectRef>
+          <a:fontRef idx="minor">
+            <a:schemeClr val="lt1"/>
+          </a:fontRef>
+        </p:style>
+        <p:txBody>
+          <a:bodyPr rtlCol="0" anchor="ctr"/>
+          <a:lstStyle/>
+          <a:p>
+            <a:pPr algn="ctr"/>
+            <a:endParaRPr lang="en-US"/>
+          </a:p>
+        </p:txBody>
+      </p:sp>
+    </p:spTree>
+    <p:extLst>
+      <p:ext uri="{BB962C8B-B14F-4D97-AF65-F5344CB8AC3E}">
+        <p14:creationId xmlns:p14="http://schemas.microsoft.com/office/powerpoint/2010/main" val="3147016167"/>
+      </p:ext>
+    </p:extLst>
+  </p:cSld>
+  <p:clrMapOvr>
+    <a:masterClrMapping/>
+  </p:clrMapOvr>
 </p:sld>
 </file>
 
